--- a/Diagrams/system_overview.pptx
+++ b/Diagrams/system_overview.pptx
@@ -243,7 +243,7 @@
           <a:p>
             <a:fld id="{75E04F15-32A2-4668-895B-20B33078076B}" type="datetimeFigureOut">
               <a:rPr lang="en-US" smtClean="0"/>
-              <a:t>1/25/2017</a:t>
+              <a:t>1/27/2017</a:t>
             </a:fld>
             <a:endParaRPr lang="en-US"/>
           </a:p>
@@ -413,7 +413,7 @@
           <a:p>
             <a:fld id="{75E04F15-32A2-4668-895B-20B33078076B}" type="datetimeFigureOut">
               <a:rPr lang="en-US" smtClean="0"/>
-              <a:t>1/25/2017</a:t>
+              <a:t>1/27/2017</a:t>
             </a:fld>
             <a:endParaRPr lang="en-US"/>
           </a:p>
@@ -593,7 +593,7 @@
           <a:p>
             <a:fld id="{75E04F15-32A2-4668-895B-20B33078076B}" type="datetimeFigureOut">
               <a:rPr lang="en-US" smtClean="0"/>
-              <a:t>1/25/2017</a:t>
+              <a:t>1/27/2017</a:t>
             </a:fld>
             <a:endParaRPr lang="en-US"/>
           </a:p>
@@ -763,7 +763,7 @@
           <a:p>
             <a:fld id="{75E04F15-32A2-4668-895B-20B33078076B}" type="datetimeFigureOut">
               <a:rPr lang="en-US" smtClean="0"/>
-              <a:t>1/25/2017</a:t>
+              <a:t>1/27/2017</a:t>
             </a:fld>
             <a:endParaRPr lang="en-US"/>
           </a:p>
@@ -1009,7 +1009,7 @@
           <a:p>
             <a:fld id="{75E04F15-32A2-4668-895B-20B33078076B}" type="datetimeFigureOut">
               <a:rPr lang="en-US" smtClean="0"/>
-              <a:t>1/25/2017</a:t>
+              <a:t>1/27/2017</a:t>
             </a:fld>
             <a:endParaRPr lang="en-US"/>
           </a:p>
@@ -1241,7 +1241,7 @@
           <a:p>
             <a:fld id="{75E04F15-32A2-4668-895B-20B33078076B}" type="datetimeFigureOut">
               <a:rPr lang="en-US" smtClean="0"/>
-              <a:t>1/25/2017</a:t>
+              <a:t>1/27/2017</a:t>
             </a:fld>
             <a:endParaRPr lang="en-US"/>
           </a:p>
@@ -1608,7 +1608,7 @@
           <a:p>
             <a:fld id="{75E04F15-32A2-4668-895B-20B33078076B}" type="datetimeFigureOut">
               <a:rPr lang="en-US" smtClean="0"/>
-              <a:t>1/25/2017</a:t>
+              <a:t>1/27/2017</a:t>
             </a:fld>
             <a:endParaRPr lang="en-US"/>
           </a:p>
@@ -1726,7 +1726,7 @@
           <a:p>
             <a:fld id="{75E04F15-32A2-4668-895B-20B33078076B}" type="datetimeFigureOut">
               <a:rPr lang="en-US" smtClean="0"/>
-              <a:t>1/25/2017</a:t>
+              <a:t>1/27/2017</a:t>
             </a:fld>
             <a:endParaRPr lang="en-US"/>
           </a:p>
@@ -1821,7 +1821,7 @@
           <a:p>
             <a:fld id="{75E04F15-32A2-4668-895B-20B33078076B}" type="datetimeFigureOut">
               <a:rPr lang="en-US" smtClean="0"/>
-              <a:t>1/25/2017</a:t>
+              <a:t>1/27/2017</a:t>
             </a:fld>
             <a:endParaRPr lang="en-US"/>
           </a:p>
@@ -2098,7 +2098,7 @@
           <a:p>
             <a:fld id="{75E04F15-32A2-4668-895B-20B33078076B}" type="datetimeFigureOut">
               <a:rPr lang="en-US" smtClean="0"/>
-              <a:t>1/25/2017</a:t>
+              <a:t>1/27/2017</a:t>
             </a:fld>
             <a:endParaRPr lang="en-US"/>
           </a:p>
@@ -2355,7 +2355,7 @@
           <a:p>
             <a:fld id="{75E04F15-32A2-4668-895B-20B33078076B}" type="datetimeFigureOut">
               <a:rPr lang="en-US" smtClean="0"/>
-              <a:t>1/25/2017</a:t>
+              <a:t>1/27/2017</a:t>
             </a:fld>
             <a:endParaRPr lang="en-US"/>
           </a:p>
@@ -2568,7 +2568,7 @@
           <a:p>
             <a:fld id="{75E04F15-32A2-4668-895B-20B33078076B}" type="datetimeFigureOut">
               <a:rPr lang="en-US" smtClean="0"/>
-              <a:t>1/25/2017</a:t>
+              <a:t>1/27/2017</a:t>
             </a:fld>
             <a:endParaRPr lang="en-US"/>
           </a:p>
@@ -3330,13 +3330,18 @@
           <a:p>
             <a:pPr algn="ctr"/>
             <a:r>
-              <a:rPr lang="en-US" dirty="0">
+              <a:rPr lang="en-US" sz="2400" b="1" dirty="0">
                 <a:solidFill>
                   <a:sysClr val="windowText" lastClr="000000"/>
                 </a:solidFill>
               </a:rPr>
               <a:t>BNV</a:t>
             </a:r>
+            <a:endParaRPr lang="en-US" b="1" dirty="0">
+              <a:solidFill>
+                <a:sysClr val="windowText" lastClr="000000"/>
+              </a:solidFill>
+            </a:endParaRPr>
           </a:p>
         </p:txBody>
       </p:sp>
@@ -3498,6 +3503,12 @@
           <a:prstGeom prst="roundRect">
             <a:avLst/>
           </a:prstGeom>
+          <a:solidFill>
+            <a:schemeClr val="accent2">
+              <a:lumMod val="60000"/>
+              <a:lumOff val="40000"/>
+            </a:schemeClr>
+          </a:solidFill>
         </p:spPr>
         <p:style>
           <a:lnRef idx="2">
@@ -3526,14 +3537,26 @@
           <a:p>
             <a:pPr algn="ctr"/>
             <a:r>
-              <a:rPr lang="en-US" dirty="0"/>
+              <a:rPr lang="en-US" dirty="0">
+                <a:solidFill>
+                  <a:schemeClr val="tx1"/>
+                </a:solidFill>
+              </a:rPr>
               <a:t>Flow </a:t>
             </a:r>
             <a:r>
-              <a:rPr lang="en-US" dirty="0" err="1"/>
-              <a:t>Tranlation</a:t>
-            </a:r>
-            <a:endParaRPr lang="en-US" dirty="0"/>
+              <a:rPr lang="en-US" dirty="0" smtClean="0">
+                <a:solidFill>
+                  <a:schemeClr val="tx1"/>
+                </a:solidFill>
+              </a:rPr>
+              <a:t>Translation</a:t>
+            </a:r>
+            <a:endParaRPr lang="en-US" dirty="0">
+              <a:solidFill>
+                <a:schemeClr val="tx1"/>
+              </a:solidFill>
+            </a:endParaRPr>
           </a:p>
         </p:txBody>
       </p:sp>
@@ -3545,12 +3568,18 @@
         </p:nvSpPr>
         <p:spPr>
           <a:xfrm>
-            <a:off x="3471401" y="3038680"/>
-            <a:ext cx="2149237" cy="345763"/>
+            <a:off x="3571599" y="3038678"/>
+            <a:ext cx="1871124" cy="327283"/>
           </a:xfrm>
           <a:prstGeom prst="roundRect">
             <a:avLst/>
           </a:prstGeom>
+          <a:solidFill>
+            <a:schemeClr val="accent2">
+              <a:lumMod val="60000"/>
+              <a:lumOff val="40000"/>
+            </a:schemeClr>
+          </a:solidFill>
         </p:spPr>
         <p:style>
           <a:lnRef idx="2">
@@ -3579,7 +3608,11 @@
           <a:p>
             <a:pPr algn="ctr"/>
             <a:r>
-              <a:rPr lang="en-US" dirty="0"/>
+              <a:rPr lang="en-US" dirty="0">
+                <a:solidFill>
+                  <a:schemeClr val="tx1"/>
+                </a:solidFill>
+              </a:rPr>
               <a:t>Switch Abstraction</a:t>
             </a:r>
           </a:p>
@@ -3675,7 +3708,7 @@
         <p:nvCxnSpPr>
           <p:cNvPr id="36" name="Straight Arrow Connector 35"/>
           <p:cNvCxnSpPr>
-            <a:stCxn id="29" idx="0"/>
+            <a:stCxn id="17" idx="0"/>
             <a:endCxn id="31" idx="2"/>
           </p:cNvCxnSpPr>
           <p:nvPr/>
@@ -3683,7 +3716,7 @@
         <p:spPr>
           <a:xfrm flipH="1" flipV="1">
             <a:off x="1915412" y="2151380"/>
-            <a:ext cx="2630606" cy="887298"/>
+            <a:ext cx="2608837" cy="869434"/>
           </a:xfrm>
           <a:prstGeom prst="straightConnector1">
             <a:avLst/>
@@ -3883,15 +3916,15 @@
         </p:spPr>
         <p:style>
           <a:lnRef idx="2">
-            <a:schemeClr val="accent5">
+            <a:schemeClr val="accent3">
               <a:shade val="50000"/>
             </a:schemeClr>
           </a:lnRef>
           <a:fillRef idx="1">
-            <a:schemeClr val="accent5"/>
+            <a:schemeClr val="accent3"/>
           </a:fillRef>
           <a:effectRef idx="0">
-            <a:schemeClr val="accent5"/>
+            <a:schemeClr val="accent3"/>
           </a:effectRef>
           <a:fontRef idx="minor">
             <a:schemeClr val="lt1"/>
@@ -3908,11 +3941,19 @@
           <a:p>
             <a:pPr algn="ctr"/>
             <a:r>
-              <a:rPr lang="en-US" sz="1400" dirty="0" err="1"/>
+              <a:rPr lang="en-US" sz="1400" dirty="0" err="1">
+                <a:solidFill>
+                  <a:schemeClr val="tx1"/>
+                </a:solidFill>
+              </a:rPr>
               <a:t>OpenDaylight</a:t>
             </a:r>
             <a:r>
-              <a:rPr lang="en-US" sz="1400" dirty="0"/>
+              <a:rPr lang="en-US" sz="1400" dirty="0">
+                <a:solidFill>
+                  <a:schemeClr val="tx1"/>
+                </a:solidFill>
+              </a:rPr>
               <a:t> Controller</a:t>
             </a:r>
           </a:p>
@@ -4453,15 +4494,15 @@
         </p:spPr>
         <p:style>
           <a:lnRef idx="2">
-            <a:schemeClr val="accent5">
+            <a:schemeClr val="accent3">
               <a:shade val="50000"/>
             </a:schemeClr>
           </a:lnRef>
           <a:fillRef idx="1">
-            <a:schemeClr val="accent5"/>
+            <a:schemeClr val="accent3"/>
           </a:fillRef>
           <a:effectRef idx="0">
-            <a:schemeClr val="accent5"/>
+            <a:schemeClr val="accent3"/>
           </a:effectRef>
           <a:fontRef idx="minor">
             <a:schemeClr val="lt1"/>
@@ -4478,7 +4519,11 @@
           <a:p>
             <a:pPr algn="ctr"/>
             <a:r>
-              <a:rPr lang="en-US" sz="1400" dirty="0"/>
+              <a:rPr lang="en-US" sz="1400" dirty="0">
+                <a:solidFill>
+                  <a:schemeClr val="tx1"/>
+                </a:solidFill>
+              </a:rPr>
               <a:t>ONOS Controller</a:t>
             </a:r>
           </a:p>
@@ -5176,15 +5221,15 @@
         </p:spPr>
         <p:style>
           <a:lnRef idx="2">
-            <a:schemeClr val="accent5">
+            <a:schemeClr val="accent3">
               <a:shade val="50000"/>
             </a:schemeClr>
           </a:lnRef>
           <a:fillRef idx="1">
-            <a:schemeClr val="accent5"/>
+            <a:schemeClr val="accent3"/>
           </a:fillRef>
           <a:effectRef idx="0">
-            <a:schemeClr val="accent5"/>
+            <a:schemeClr val="accent3"/>
           </a:effectRef>
           <a:fontRef idx="minor">
             <a:schemeClr val="lt1"/>
@@ -5201,7 +5246,11 @@
           <a:p>
             <a:pPr algn="ctr"/>
             <a:r>
-              <a:rPr lang="en-US" sz="1400" dirty="0"/>
+              <a:rPr lang="en-US" sz="1400" dirty="0">
+                <a:solidFill>
+                  <a:schemeClr val="tx1"/>
+                </a:solidFill>
+              </a:rPr>
               <a:t>POX Controller</a:t>
             </a:r>
           </a:p>
@@ -5351,6 +5400,236 @@
           </a:fontRef>
         </p:style>
       </p:cxnSp>
+      <p:sp>
+        <p:nvSpPr>
+          <p:cNvPr id="70" name="Rounded Rectangle 69"/>
+          <p:cNvSpPr/>
+          <p:nvPr/>
+        </p:nvSpPr>
+        <p:spPr>
+          <a:xfrm>
+            <a:off x="2124769" y="3247742"/>
+            <a:ext cx="945705" cy="619728"/>
+          </a:xfrm>
+          <a:prstGeom prst="roundRect">
+            <a:avLst/>
+          </a:prstGeom>
+          <a:solidFill>
+            <a:schemeClr val="accent2">
+              <a:lumMod val="60000"/>
+              <a:lumOff val="40000"/>
+            </a:schemeClr>
+          </a:solidFill>
+        </p:spPr>
+        <p:style>
+          <a:lnRef idx="2">
+            <a:schemeClr val="accent2">
+              <a:shade val="50000"/>
+            </a:schemeClr>
+          </a:lnRef>
+          <a:fillRef idx="1">
+            <a:schemeClr val="accent2"/>
+          </a:fillRef>
+          <a:effectRef idx="0">
+            <a:schemeClr val="accent2"/>
+          </a:effectRef>
+          <a:fontRef idx="minor">
+            <a:schemeClr val="lt1"/>
+          </a:fontRef>
+        </p:style>
+        <p:txBody>
+          <a:bodyPr rot="0" spcFirstLastPara="0" vertOverflow="overflow" horzOverflow="overflow" vert="horz" wrap="square" lIns="91440" tIns="45720" rIns="91440" bIns="45720" numCol="1" spcCol="0" rtlCol="0" fromWordArt="0" anchor="ctr" anchorCtr="0" forceAA="0" compatLnSpc="1">
+            <a:prstTxWarp prst="textNoShape">
+              <a:avLst/>
+            </a:prstTxWarp>
+            <a:noAutofit/>
+          </a:bodyPr>
+          <a:lstStyle/>
+          <a:p>
+            <a:pPr algn="ctr"/>
+            <a:r>
+              <a:rPr lang="en-US" dirty="0" smtClean="0">
+                <a:solidFill>
+                  <a:schemeClr val="tx1"/>
+                </a:solidFill>
+              </a:rPr>
+              <a:t>Network Mapper</a:t>
+            </a:r>
+            <a:endParaRPr lang="en-US" dirty="0">
+              <a:solidFill>
+                <a:schemeClr val="tx1"/>
+              </a:solidFill>
+            </a:endParaRPr>
+          </a:p>
+        </p:txBody>
+      </p:sp>
+      <p:pic>
+        <p:nvPicPr>
+          <p:cNvPr id="1028" name="Picture 4" descr="Image result for customer icon"/>
+          <p:cNvPicPr>
+            <a:picLocks noChangeAspect="1" noChangeArrowheads="1"/>
+          </p:cNvPicPr>
+          <p:nvPr/>
+        </p:nvPicPr>
+        <p:blipFill>
+          <a:blip r:embed="rId4" cstate="print">
+            <a:extLst>
+              <a:ext uri="{28A0092B-C50C-407E-A947-70E740481C1C}">
+                <a14:useLocalDpi xmlns:a14="http://schemas.microsoft.com/office/drawing/2010/main" val="0"/>
+              </a:ext>
+            </a:extLst>
+          </a:blip>
+          <a:srcRect/>
+          <a:stretch>
+            <a:fillRect/>
+          </a:stretch>
+        </p:blipFill>
+        <p:spPr bwMode="auto">
+          <a:xfrm>
+            <a:off x="459825" y="3202319"/>
+            <a:ext cx="722845" cy="722845"/>
+          </a:xfrm>
+          <a:prstGeom prst="rect">
+            <a:avLst/>
+          </a:prstGeom>
+          <a:noFill/>
+          <a:extLst>
+            <a:ext uri="{909E8E84-426E-40DD-AFC4-6F175D3DCCD1}">
+              <a14:hiddenFill xmlns:a14="http://schemas.microsoft.com/office/drawing/2010/main">
+                <a:solidFill>
+                  <a:srgbClr val="FFFFFF"/>
+                </a:solidFill>
+              </a14:hiddenFill>
+            </a:ext>
+          </a:extLst>
+        </p:spPr>
+      </p:pic>
+      <p:cxnSp>
+        <p:nvCxnSpPr>
+          <p:cNvPr id="3" name="Straight Arrow Connector 2"/>
+          <p:cNvCxnSpPr/>
+          <p:nvPr/>
+        </p:nvCxnSpPr>
+        <p:spPr>
+          <a:xfrm>
+            <a:off x="1182894" y="3365961"/>
+            <a:ext cx="941875" cy="0"/>
+          </a:xfrm>
+          <a:prstGeom prst="straightConnector1">
+            <a:avLst/>
+          </a:prstGeom>
+          <a:ln>
+            <a:tailEnd type="triangle"/>
+          </a:ln>
+        </p:spPr>
+        <p:style>
+          <a:lnRef idx="3">
+            <a:schemeClr val="dk1"/>
+          </a:lnRef>
+          <a:fillRef idx="0">
+            <a:schemeClr val="dk1"/>
+          </a:fillRef>
+          <a:effectRef idx="2">
+            <a:schemeClr val="dk1"/>
+          </a:effectRef>
+          <a:fontRef idx="minor">
+            <a:schemeClr val="tx1"/>
+          </a:fontRef>
+        </p:style>
+      </p:cxnSp>
+      <p:cxnSp>
+        <p:nvCxnSpPr>
+          <p:cNvPr id="6" name="Straight Arrow Connector 5"/>
+          <p:cNvCxnSpPr/>
+          <p:nvPr/>
+        </p:nvCxnSpPr>
+        <p:spPr>
+          <a:xfrm flipH="1">
+            <a:off x="1182670" y="3738668"/>
+            <a:ext cx="942099" cy="0"/>
+          </a:xfrm>
+          <a:prstGeom prst="straightConnector1">
+            <a:avLst/>
+          </a:prstGeom>
+          <a:ln>
+            <a:tailEnd type="triangle"/>
+          </a:ln>
+        </p:spPr>
+        <p:style>
+          <a:lnRef idx="3">
+            <a:schemeClr val="dk1"/>
+          </a:lnRef>
+          <a:fillRef idx="0">
+            <a:schemeClr val="dk1"/>
+          </a:fillRef>
+          <a:effectRef idx="2">
+            <a:schemeClr val="dk1"/>
+          </a:effectRef>
+          <a:fontRef idx="minor">
+            <a:schemeClr val="tx1"/>
+          </a:fontRef>
+        </p:style>
+      </p:cxnSp>
+      <p:sp>
+        <p:nvSpPr>
+          <p:cNvPr id="13" name="TextBox 12"/>
+          <p:cNvSpPr txBox="1"/>
+          <p:nvPr/>
+        </p:nvSpPr>
+        <p:spPr>
+          <a:xfrm>
+            <a:off x="1151620" y="2908580"/>
+            <a:ext cx="1187232" cy="523220"/>
+          </a:xfrm>
+          <a:prstGeom prst="rect">
+            <a:avLst/>
+          </a:prstGeom>
+          <a:noFill/>
+        </p:spPr>
+        <p:txBody>
+          <a:bodyPr wrap="square" rtlCol="0">
+            <a:spAutoFit/>
+          </a:bodyPr>
+          <a:lstStyle/>
+          <a:p>
+            <a:r>
+              <a:rPr lang="en-US" sz="1400" dirty="0" smtClean="0"/>
+              <a:t>Virtual Topology</a:t>
+            </a:r>
+            <a:endParaRPr lang="en-US" sz="1400" dirty="0"/>
+          </a:p>
+        </p:txBody>
+      </p:sp>
+      <p:sp>
+        <p:nvSpPr>
+          <p:cNvPr id="76" name="TextBox 75"/>
+          <p:cNvSpPr txBox="1"/>
+          <p:nvPr/>
+        </p:nvSpPr>
+        <p:spPr>
+          <a:xfrm>
+            <a:off x="1190384" y="3692972"/>
+            <a:ext cx="1187232" cy="523220"/>
+          </a:xfrm>
+          <a:prstGeom prst="rect">
+            <a:avLst/>
+          </a:prstGeom>
+          <a:noFill/>
+        </p:spPr>
+        <p:txBody>
+          <a:bodyPr wrap="square" rtlCol="0">
+            <a:spAutoFit/>
+          </a:bodyPr>
+          <a:lstStyle/>
+          <a:p>
+            <a:r>
+              <a:rPr lang="en-US" sz="1400" dirty="0" smtClean="0"/>
+              <a:t>Tenant Mapping</a:t>
+            </a:r>
+            <a:endParaRPr lang="en-US" sz="1400" dirty="0"/>
+          </a:p>
+        </p:txBody>
+      </p:sp>
     </p:spTree>
     <p:extLst>
       <p:ext uri="{BB962C8B-B14F-4D97-AF65-F5344CB8AC3E}">

--- a/Diagrams/system_overview.pptx
+++ b/Diagrams/system_overview.pptx
@@ -6,6 +6,7 @@
   </p:sldMasterIdLst>
   <p:sldIdLst>
     <p:sldId id="256" r:id="rId2"/>
+    <p:sldId id="257" r:id="rId3"/>
   </p:sldIdLst>
   <p:sldSz cx="9236075" cy="5851525"/>
   <p:notesSz cx="6858000" cy="9144000"/>
@@ -112,6 +113,10 @@
 </p:presentation>
 </file>
 
+<file path=ppt/revisionInfo.xml><?xml version="1.0" encoding="utf-8"?>
+<p1510:revInfo xmlns:a="http://schemas.openxmlformats.org/drawingml/2006/main" xmlns:r="http://schemas.openxmlformats.org/officeDocument/2006/relationships" xmlns:p1510="http://schemas.microsoft.com/office/powerpoint/2015/10/main"/>
+</file>
+
 <file path=ppt/slideLayouts/slideLayout1.xml><?xml version="1.0" encoding="utf-8"?>
 <p:sldLayout xmlns:a="http://schemas.openxmlformats.org/drawingml/2006/main" xmlns:r="http://schemas.openxmlformats.org/officeDocument/2006/relationships" xmlns:p="http://schemas.openxmlformats.org/presentationml/2006/main" type="title" preserve="1">
   <p:cSld name="Title Slide">
@@ -154,7 +159,7 @@
           </a:lstStyle>
           <a:p>
             <a:r>
-              <a:rPr lang="en-US" smtClean="0"/>
+              <a:rPr lang="en-US"/>
               <a:t>Click to edit Master title style</a:t>
             </a:r>
             <a:endParaRPr lang="en-US" dirty="0"/>
@@ -219,7 +224,7 @@
           </a:lstStyle>
           <a:p>
             <a:r>
-              <a:rPr lang="en-US" smtClean="0"/>
+              <a:rPr lang="en-US"/>
               <a:t>Click to edit Master subtitle style</a:t>
             </a:r>
             <a:endParaRPr lang="en-US" dirty="0"/>
@@ -243,7 +248,7 @@
           <a:p>
             <a:fld id="{75E04F15-32A2-4668-895B-20B33078076B}" type="datetimeFigureOut">
               <a:rPr lang="en-US" smtClean="0"/>
-              <a:t>1/27/2017</a:t>
+              <a:t>11/3/2017</a:t>
             </a:fld>
             <a:endParaRPr lang="en-US"/>
           </a:p>
@@ -337,7 +342,7 @@
           <a:lstStyle/>
           <a:p>
             <a:r>
-              <a:rPr lang="en-US" smtClean="0"/>
+              <a:rPr lang="en-US"/>
               <a:t>Click to edit Master title style</a:t>
             </a:r>
             <a:endParaRPr lang="en-US" dirty="0"/>
@@ -361,35 +366,35 @@
           <a:p>
             <a:pPr lvl="0"/>
             <a:r>
-              <a:rPr lang="en-US" smtClean="0"/>
+              <a:rPr lang="en-US"/>
               <a:t>Click to edit Master text styles</a:t>
             </a:r>
           </a:p>
           <a:p>
             <a:pPr lvl="1"/>
             <a:r>
-              <a:rPr lang="en-US" smtClean="0"/>
+              <a:rPr lang="en-US"/>
               <a:t>Second level</a:t>
             </a:r>
           </a:p>
           <a:p>
             <a:pPr lvl="2"/>
             <a:r>
-              <a:rPr lang="en-US" smtClean="0"/>
+              <a:rPr lang="en-US"/>
               <a:t>Third level</a:t>
             </a:r>
           </a:p>
           <a:p>
             <a:pPr lvl="3"/>
             <a:r>
-              <a:rPr lang="en-US" smtClean="0"/>
+              <a:rPr lang="en-US"/>
               <a:t>Fourth level</a:t>
             </a:r>
           </a:p>
           <a:p>
             <a:pPr lvl="4"/>
             <a:r>
-              <a:rPr lang="en-US" smtClean="0"/>
+              <a:rPr lang="en-US"/>
               <a:t>Fifth level</a:t>
             </a:r>
             <a:endParaRPr lang="en-US" dirty="0"/>
@@ -413,7 +418,7 @@
           <a:p>
             <a:fld id="{75E04F15-32A2-4668-895B-20B33078076B}" type="datetimeFigureOut">
               <a:rPr lang="en-US" smtClean="0"/>
-              <a:t>1/27/2017</a:t>
+              <a:t>11/3/2017</a:t>
             </a:fld>
             <a:endParaRPr lang="en-US"/>
           </a:p>
@@ -512,7 +517,7 @@
           <a:lstStyle/>
           <a:p>
             <a:r>
-              <a:rPr lang="en-US" smtClean="0"/>
+              <a:rPr lang="en-US"/>
               <a:t>Click to edit Master title style</a:t>
             </a:r>
             <a:endParaRPr lang="en-US" dirty="0"/>
@@ -541,35 +546,35 @@
           <a:p>
             <a:pPr lvl="0"/>
             <a:r>
-              <a:rPr lang="en-US" smtClean="0"/>
+              <a:rPr lang="en-US"/>
               <a:t>Click to edit Master text styles</a:t>
             </a:r>
           </a:p>
           <a:p>
             <a:pPr lvl="1"/>
             <a:r>
-              <a:rPr lang="en-US" smtClean="0"/>
+              <a:rPr lang="en-US"/>
               <a:t>Second level</a:t>
             </a:r>
           </a:p>
           <a:p>
             <a:pPr lvl="2"/>
             <a:r>
-              <a:rPr lang="en-US" smtClean="0"/>
+              <a:rPr lang="en-US"/>
               <a:t>Third level</a:t>
             </a:r>
           </a:p>
           <a:p>
             <a:pPr lvl="3"/>
             <a:r>
-              <a:rPr lang="en-US" smtClean="0"/>
+              <a:rPr lang="en-US"/>
               <a:t>Fourth level</a:t>
             </a:r>
           </a:p>
           <a:p>
             <a:pPr lvl="4"/>
             <a:r>
-              <a:rPr lang="en-US" smtClean="0"/>
+              <a:rPr lang="en-US"/>
               <a:t>Fifth level</a:t>
             </a:r>
             <a:endParaRPr lang="en-US" dirty="0"/>
@@ -593,7 +598,7 @@
           <a:p>
             <a:fld id="{75E04F15-32A2-4668-895B-20B33078076B}" type="datetimeFigureOut">
               <a:rPr lang="en-US" smtClean="0"/>
-              <a:t>1/27/2017</a:t>
+              <a:t>11/3/2017</a:t>
             </a:fld>
             <a:endParaRPr lang="en-US"/>
           </a:p>
@@ -687,7 +692,7 @@
           <a:lstStyle/>
           <a:p>
             <a:r>
-              <a:rPr lang="en-US" smtClean="0"/>
+              <a:rPr lang="en-US"/>
               <a:t>Click to edit Master title style</a:t>
             </a:r>
             <a:endParaRPr lang="en-US" dirty="0"/>
@@ -711,35 +716,35 @@
           <a:p>
             <a:pPr lvl="0"/>
             <a:r>
-              <a:rPr lang="en-US" smtClean="0"/>
+              <a:rPr lang="en-US"/>
               <a:t>Click to edit Master text styles</a:t>
             </a:r>
           </a:p>
           <a:p>
             <a:pPr lvl="1"/>
             <a:r>
-              <a:rPr lang="en-US" smtClean="0"/>
+              <a:rPr lang="en-US"/>
               <a:t>Second level</a:t>
             </a:r>
           </a:p>
           <a:p>
             <a:pPr lvl="2"/>
             <a:r>
-              <a:rPr lang="en-US" smtClean="0"/>
+              <a:rPr lang="en-US"/>
               <a:t>Third level</a:t>
             </a:r>
           </a:p>
           <a:p>
             <a:pPr lvl="3"/>
             <a:r>
-              <a:rPr lang="en-US" smtClean="0"/>
+              <a:rPr lang="en-US"/>
               <a:t>Fourth level</a:t>
             </a:r>
           </a:p>
           <a:p>
             <a:pPr lvl="4"/>
             <a:r>
-              <a:rPr lang="en-US" smtClean="0"/>
+              <a:rPr lang="en-US"/>
               <a:t>Fifth level</a:t>
             </a:r>
             <a:endParaRPr lang="en-US" dirty="0"/>
@@ -763,7 +768,7 @@
           <a:p>
             <a:fld id="{75E04F15-32A2-4668-895B-20B33078076B}" type="datetimeFigureOut">
               <a:rPr lang="en-US" smtClean="0"/>
-              <a:t>1/27/2017</a:t>
+              <a:t>11/3/2017</a:t>
             </a:fld>
             <a:endParaRPr lang="en-US"/>
           </a:p>
@@ -866,7 +871,7 @@
           </a:lstStyle>
           <a:p>
             <a:r>
-              <a:rPr lang="en-US" smtClean="0"/>
+              <a:rPr lang="en-US"/>
               <a:t>Click to edit Master title style</a:t>
             </a:r>
             <a:endParaRPr lang="en-US" dirty="0"/>
@@ -986,7 +991,7 @@
           <a:p>
             <a:pPr lvl="0"/>
             <a:r>
-              <a:rPr lang="en-US" smtClean="0"/>
+              <a:rPr lang="en-US"/>
               <a:t>Click to edit Master text styles</a:t>
             </a:r>
           </a:p>
@@ -1009,7 +1014,7 @@
           <a:p>
             <a:fld id="{75E04F15-32A2-4668-895B-20B33078076B}" type="datetimeFigureOut">
               <a:rPr lang="en-US" smtClean="0"/>
-              <a:t>1/27/2017</a:t>
+              <a:t>11/3/2017</a:t>
             </a:fld>
             <a:endParaRPr lang="en-US"/>
           </a:p>
@@ -1103,7 +1108,7 @@
           <a:lstStyle/>
           <a:p>
             <a:r>
-              <a:rPr lang="en-US" smtClean="0"/>
+              <a:rPr lang="en-US"/>
               <a:t>Click to edit Master title style</a:t>
             </a:r>
             <a:endParaRPr lang="en-US" dirty="0"/>
@@ -1132,35 +1137,35 @@
           <a:p>
             <a:pPr lvl="0"/>
             <a:r>
-              <a:rPr lang="en-US" smtClean="0"/>
+              <a:rPr lang="en-US"/>
               <a:t>Click to edit Master text styles</a:t>
             </a:r>
           </a:p>
           <a:p>
             <a:pPr lvl="1"/>
             <a:r>
-              <a:rPr lang="en-US" smtClean="0"/>
+              <a:rPr lang="en-US"/>
               <a:t>Second level</a:t>
             </a:r>
           </a:p>
           <a:p>
             <a:pPr lvl="2"/>
             <a:r>
-              <a:rPr lang="en-US" smtClean="0"/>
+              <a:rPr lang="en-US"/>
               <a:t>Third level</a:t>
             </a:r>
           </a:p>
           <a:p>
             <a:pPr lvl="3"/>
             <a:r>
-              <a:rPr lang="en-US" smtClean="0"/>
+              <a:rPr lang="en-US"/>
               <a:t>Fourth level</a:t>
             </a:r>
           </a:p>
           <a:p>
             <a:pPr lvl="4"/>
             <a:r>
-              <a:rPr lang="en-US" smtClean="0"/>
+              <a:rPr lang="en-US"/>
               <a:t>Fifth level</a:t>
             </a:r>
             <a:endParaRPr lang="en-US" dirty="0"/>
@@ -1189,35 +1194,35 @@
           <a:p>
             <a:pPr lvl="0"/>
             <a:r>
-              <a:rPr lang="en-US" smtClean="0"/>
+              <a:rPr lang="en-US"/>
               <a:t>Click to edit Master text styles</a:t>
             </a:r>
           </a:p>
           <a:p>
             <a:pPr lvl="1"/>
             <a:r>
-              <a:rPr lang="en-US" smtClean="0"/>
+              <a:rPr lang="en-US"/>
               <a:t>Second level</a:t>
             </a:r>
           </a:p>
           <a:p>
             <a:pPr lvl="2"/>
             <a:r>
-              <a:rPr lang="en-US" smtClean="0"/>
+              <a:rPr lang="en-US"/>
               <a:t>Third level</a:t>
             </a:r>
           </a:p>
           <a:p>
             <a:pPr lvl="3"/>
             <a:r>
-              <a:rPr lang="en-US" smtClean="0"/>
+              <a:rPr lang="en-US"/>
               <a:t>Fourth level</a:t>
             </a:r>
           </a:p>
           <a:p>
             <a:pPr lvl="4"/>
             <a:r>
-              <a:rPr lang="en-US" smtClean="0"/>
+              <a:rPr lang="en-US"/>
               <a:t>Fifth level</a:t>
             </a:r>
             <a:endParaRPr lang="en-US" dirty="0"/>
@@ -1241,7 +1246,7 @@
           <a:p>
             <a:fld id="{75E04F15-32A2-4668-895B-20B33078076B}" type="datetimeFigureOut">
               <a:rPr lang="en-US" smtClean="0"/>
-              <a:t>1/27/2017</a:t>
+              <a:t>11/3/2017</a:t>
             </a:fld>
             <a:endParaRPr lang="en-US"/>
           </a:p>
@@ -1340,7 +1345,7 @@
           <a:lstStyle/>
           <a:p>
             <a:r>
-              <a:rPr lang="en-US" smtClean="0"/>
+              <a:rPr lang="en-US"/>
               <a:t>Click to edit Master title style</a:t>
             </a:r>
             <a:endParaRPr lang="en-US" dirty="0"/>
@@ -1406,7 +1411,7 @@
           <a:p>
             <a:pPr lvl="0"/>
             <a:r>
-              <a:rPr lang="en-US" smtClean="0"/>
+              <a:rPr lang="en-US"/>
               <a:t>Click to edit Master text styles</a:t>
             </a:r>
           </a:p>
@@ -1434,35 +1439,35 @@
           <a:p>
             <a:pPr lvl="0"/>
             <a:r>
-              <a:rPr lang="en-US" smtClean="0"/>
+              <a:rPr lang="en-US"/>
               <a:t>Click to edit Master text styles</a:t>
             </a:r>
           </a:p>
           <a:p>
             <a:pPr lvl="1"/>
             <a:r>
-              <a:rPr lang="en-US" smtClean="0"/>
+              <a:rPr lang="en-US"/>
               <a:t>Second level</a:t>
             </a:r>
           </a:p>
           <a:p>
             <a:pPr lvl="2"/>
             <a:r>
-              <a:rPr lang="en-US" smtClean="0"/>
+              <a:rPr lang="en-US"/>
               <a:t>Third level</a:t>
             </a:r>
           </a:p>
           <a:p>
             <a:pPr lvl="3"/>
             <a:r>
-              <a:rPr lang="en-US" smtClean="0"/>
+              <a:rPr lang="en-US"/>
               <a:t>Fourth level</a:t>
             </a:r>
           </a:p>
           <a:p>
             <a:pPr lvl="4"/>
             <a:r>
-              <a:rPr lang="en-US" smtClean="0"/>
+              <a:rPr lang="en-US"/>
               <a:t>Fifth level</a:t>
             </a:r>
             <a:endParaRPr lang="en-US" dirty="0"/>
@@ -1528,7 +1533,7 @@
           <a:p>
             <a:pPr lvl="0"/>
             <a:r>
-              <a:rPr lang="en-US" smtClean="0"/>
+              <a:rPr lang="en-US"/>
               <a:t>Click to edit Master text styles</a:t>
             </a:r>
           </a:p>
@@ -1556,35 +1561,35 @@
           <a:p>
             <a:pPr lvl="0"/>
             <a:r>
-              <a:rPr lang="en-US" smtClean="0"/>
+              <a:rPr lang="en-US"/>
               <a:t>Click to edit Master text styles</a:t>
             </a:r>
           </a:p>
           <a:p>
             <a:pPr lvl="1"/>
             <a:r>
-              <a:rPr lang="en-US" smtClean="0"/>
+              <a:rPr lang="en-US"/>
               <a:t>Second level</a:t>
             </a:r>
           </a:p>
           <a:p>
             <a:pPr lvl="2"/>
             <a:r>
-              <a:rPr lang="en-US" smtClean="0"/>
+              <a:rPr lang="en-US"/>
               <a:t>Third level</a:t>
             </a:r>
           </a:p>
           <a:p>
             <a:pPr lvl="3"/>
             <a:r>
-              <a:rPr lang="en-US" smtClean="0"/>
+              <a:rPr lang="en-US"/>
               <a:t>Fourth level</a:t>
             </a:r>
           </a:p>
           <a:p>
             <a:pPr lvl="4"/>
             <a:r>
-              <a:rPr lang="en-US" smtClean="0"/>
+              <a:rPr lang="en-US"/>
               <a:t>Fifth level</a:t>
             </a:r>
             <a:endParaRPr lang="en-US" dirty="0"/>
@@ -1608,7 +1613,7 @@
           <a:p>
             <a:fld id="{75E04F15-32A2-4668-895B-20B33078076B}" type="datetimeFigureOut">
               <a:rPr lang="en-US" smtClean="0"/>
-              <a:t>1/27/2017</a:t>
+              <a:t>11/3/2017</a:t>
             </a:fld>
             <a:endParaRPr lang="en-US"/>
           </a:p>
@@ -1702,7 +1707,7 @@
           <a:lstStyle/>
           <a:p>
             <a:r>
-              <a:rPr lang="en-US" smtClean="0"/>
+              <a:rPr lang="en-US"/>
               <a:t>Click to edit Master title style</a:t>
             </a:r>
             <a:endParaRPr lang="en-US" dirty="0"/>
@@ -1726,7 +1731,7 @@
           <a:p>
             <a:fld id="{75E04F15-32A2-4668-895B-20B33078076B}" type="datetimeFigureOut">
               <a:rPr lang="en-US" smtClean="0"/>
-              <a:t>1/27/2017</a:t>
+              <a:t>11/3/2017</a:t>
             </a:fld>
             <a:endParaRPr lang="en-US"/>
           </a:p>
@@ -1821,7 +1826,7 @@
           <a:p>
             <a:fld id="{75E04F15-32A2-4668-895B-20B33078076B}" type="datetimeFigureOut">
               <a:rPr lang="en-US" smtClean="0"/>
-              <a:t>1/27/2017</a:t>
+              <a:t>11/3/2017</a:t>
             </a:fld>
             <a:endParaRPr lang="en-US"/>
           </a:p>
@@ -1924,7 +1929,7 @@
           </a:lstStyle>
           <a:p>
             <a:r>
-              <a:rPr lang="en-US" smtClean="0"/>
+              <a:rPr lang="en-US"/>
               <a:t>Click to edit Master title style</a:t>
             </a:r>
             <a:endParaRPr lang="en-US" dirty="0"/>
@@ -1981,35 +1986,35 @@
           <a:p>
             <a:pPr lvl="0"/>
             <a:r>
-              <a:rPr lang="en-US" smtClean="0"/>
+              <a:rPr lang="en-US"/>
               <a:t>Click to edit Master text styles</a:t>
             </a:r>
           </a:p>
           <a:p>
             <a:pPr lvl="1"/>
             <a:r>
-              <a:rPr lang="en-US" smtClean="0"/>
+              <a:rPr lang="en-US"/>
               <a:t>Second level</a:t>
             </a:r>
           </a:p>
           <a:p>
             <a:pPr lvl="2"/>
             <a:r>
-              <a:rPr lang="en-US" smtClean="0"/>
+              <a:rPr lang="en-US"/>
               <a:t>Third level</a:t>
             </a:r>
           </a:p>
           <a:p>
             <a:pPr lvl="3"/>
             <a:r>
-              <a:rPr lang="en-US" smtClean="0"/>
+              <a:rPr lang="en-US"/>
               <a:t>Fourth level</a:t>
             </a:r>
           </a:p>
           <a:p>
             <a:pPr lvl="4"/>
             <a:r>
-              <a:rPr lang="en-US" smtClean="0"/>
+              <a:rPr lang="en-US"/>
               <a:t>Fifth level</a:t>
             </a:r>
             <a:endParaRPr lang="en-US" dirty="0"/>
@@ -2075,7 +2080,7 @@
           <a:p>
             <a:pPr lvl="0"/>
             <a:r>
-              <a:rPr lang="en-US" smtClean="0"/>
+              <a:rPr lang="en-US"/>
               <a:t>Click to edit Master text styles</a:t>
             </a:r>
           </a:p>
@@ -2098,7 +2103,7 @@
           <a:p>
             <a:fld id="{75E04F15-32A2-4668-895B-20B33078076B}" type="datetimeFigureOut">
               <a:rPr lang="en-US" smtClean="0"/>
-              <a:t>1/27/2017</a:t>
+              <a:t>11/3/2017</a:t>
             </a:fld>
             <a:endParaRPr lang="en-US"/>
           </a:p>
@@ -2201,7 +2206,7 @@
           </a:lstStyle>
           <a:p>
             <a:r>
-              <a:rPr lang="en-US" smtClean="0"/>
+              <a:rPr lang="en-US"/>
               <a:t>Click to edit Master title style</a:t>
             </a:r>
             <a:endParaRPr lang="en-US" dirty="0"/>
@@ -2266,7 +2271,7 @@
           </a:lstStyle>
           <a:p>
             <a:r>
-              <a:rPr lang="en-US" smtClean="0"/>
+              <a:rPr lang="en-US"/>
               <a:t>Click icon to add picture</a:t>
             </a:r>
             <a:endParaRPr lang="en-US" dirty="0"/>
@@ -2332,7 +2337,7 @@
           <a:p>
             <a:pPr lvl="0"/>
             <a:r>
-              <a:rPr lang="en-US" smtClean="0"/>
+              <a:rPr lang="en-US"/>
               <a:t>Click to edit Master text styles</a:t>
             </a:r>
           </a:p>
@@ -2355,7 +2360,7 @@
           <a:p>
             <a:fld id="{75E04F15-32A2-4668-895B-20B33078076B}" type="datetimeFigureOut">
               <a:rPr lang="en-US" smtClean="0"/>
-              <a:t>1/27/2017</a:t>
+              <a:t>11/3/2017</a:t>
             </a:fld>
             <a:endParaRPr lang="en-US"/>
           </a:p>
@@ -2464,7 +2469,7 @@
           <a:lstStyle/>
           <a:p>
             <a:r>
-              <a:rPr lang="en-US" smtClean="0"/>
+              <a:rPr lang="en-US"/>
               <a:t>Click to edit Master title style</a:t>
             </a:r>
             <a:endParaRPr lang="en-US" dirty="0"/>
@@ -2498,35 +2503,35 @@
           <a:p>
             <a:pPr lvl="0"/>
             <a:r>
-              <a:rPr lang="en-US" smtClean="0"/>
+              <a:rPr lang="en-US"/>
               <a:t>Click to edit Master text styles</a:t>
             </a:r>
           </a:p>
           <a:p>
             <a:pPr lvl="1"/>
             <a:r>
-              <a:rPr lang="en-US" smtClean="0"/>
+              <a:rPr lang="en-US"/>
               <a:t>Second level</a:t>
             </a:r>
           </a:p>
           <a:p>
             <a:pPr lvl="2"/>
             <a:r>
-              <a:rPr lang="en-US" smtClean="0"/>
+              <a:rPr lang="en-US"/>
               <a:t>Third level</a:t>
             </a:r>
           </a:p>
           <a:p>
             <a:pPr lvl="3"/>
             <a:r>
-              <a:rPr lang="en-US" smtClean="0"/>
+              <a:rPr lang="en-US"/>
               <a:t>Fourth level</a:t>
             </a:r>
           </a:p>
           <a:p>
             <a:pPr lvl="4"/>
             <a:r>
-              <a:rPr lang="en-US" smtClean="0"/>
+              <a:rPr lang="en-US"/>
               <a:t>Fifth level</a:t>
             </a:r>
             <a:endParaRPr lang="en-US" dirty="0"/>
@@ -2568,7 +2573,7 @@
           <a:p>
             <a:fld id="{75E04F15-32A2-4668-895B-20B33078076B}" type="datetimeFigureOut">
               <a:rPr lang="en-US" smtClean="0"/>
-              <a:t>1/27/2017</a:t>
+              <a:t>11/3/2017</a:t>
             </a:fld>
             <a:endParaRPr lang="en-US"/>
           </a:p>
@@ -2981,8 +2986,8 @@
         </p:nvSpPr>
         <p:spPr>
           <a:xfrm>
-            <a:off x="618457" y="257266"/>
-            <a:ext cx="2593910" cy="1894114"/>
+            <a:off x="13897" y="257266"/>
+            <a:ext cx="2428717" cy="1894114"/>
           </a:xfrm>
           <a:prstGeom prst="rect">
             <a:avLst/>
@@ -3039,7 +3044,7 @@
         </p:blipFill>
         <p:spPr bwMode="auto">
           <a:xfrm flipH="1">
-            <a:off x="2124769" y="4963267"/>
+            <a:off x="2132326" y="4963267"/>
             <a:ext cx="1446829" cy="569163"/>
           </a:xfrm>
           <a:prstGeom prst="rect">
@@ -3080,7 +3085,7 @@
         </p:blipFill>
         <p:spPr bwMode="auto">
           <a:xfrm flipH="1">
-            <a:off x="3872704" y="4963266"/>
+            <a:off x="3880261" y="4963266"/>
             <a:ext cx="1446829" cy="569163"/>
           </a:xfrm>
           <a:prstGeom prst="rect">
@@ -3121,7 +3126,7 @@
         </p:blipFill>
         <p:spPr bwMode="auto">
           <a:xfrm flipH="1">
-            <a:off x="5620639" y="4963265"/>
+            <a:off x="5628196" y="4963265"/>
             <a:ext cx="1446829" cy="569163"/>
           </a:xfrm>
           <a:prstGeom prst="rect">
@@ -3147,7 +3152,7 @@
         </p:nvSpPr>
         <p:spPr>
           <a:xfrm>
-            <a:off x="2389532" y="5429792"/>
+            <a:off x="2397089" y="5429792"/>
             <a:ext cx="810543" cy="329001"/>
           </a:xfrm>
           <a:prstGeom prst="rect">
@@ -3176,7 +3181,7 @@
         </p:nvSpPr>
         <p:spPr>
           <a:xfrm>
-            <a:off x="4137467" y="5429792"/>
+            <a:off x="4145024" y="5429792"/>
             <a:ext cx="810543" cy="329001"/>
           </a:xfrm>
           <a:prstGeom prst="rect">
@@ -3205,7 +3210,7 @@
         </p:nvSpPr>
         <p:spPr>
           <a:xfrm>
-            <a:off x="5938758" y="5429792"/>
+            <a:off x="5946315" y="5429792"/>
             <a:ext cx="810543" cy="329001"/>
           </a:xfrm>
           <a:prstGeom prst="rect">
@@ -3234,7 +3239,7 @@
         </p:nvCxnSpPr>
         <p:spPr>
           <a:xfrm>
-            <a:off x="3387424" y="5247844"/>
+            <a:off x="3394981" y="5247844"/>
             <a:ext cx="858416" cy="0"/>
           </a:xfrm>
           <a:prstGeom prst="line">
@@ -3265,7 +3270,7 @@
         </p:nvCxnSpPr>
         <p:spPr>
           <a:xfrm>
-            <a:off x="5054769" y="5247844"/>
+            <a:off x="5062326" y="5247844"/>
             <a:ext cx="883989" cy="0"/>
           </a:xfrm>
           <a:prstGeom prst="line">
@@ -3296,7 +3301,7 @@
         </p:nvSpPr>
         <p:spPr>
           <a:xfrm>
-            <a:off x="2124769" y="3020814"/>
+            <a:off x="2132326" y="3020814"/>
             <a:ext cx="4798959" cy="1073021"/>
           </a:xfrm>
           <a:prstGeom prst="roundRect">
@@ -3356,7 +3361,7 @@
         </p:nvCxnSpPr>
         <p:spPr>
           <a:xfrm flipH="1">
-            <a:off x="2848181" y="4093833"/>
+            <a:off x="2855738" y="4093833"/>
             <a:ext cx="1676066" cy="869432"/>
           </a:xfrm>
           <a:prstGeom prst="straightConnector1">
@@ -3394,7 +3399,7 @@
         </p:nvCxnSpPr>
         <p:spPr>
           <a:xfrm>
-            <a:off x="4524249" y="4093835"/>
+            <a:off x="4531806" y="4093835"/>
             <a:ext cx="71869" cy="869431"/>
           </a:xfrm>
           <a:prstGeom prst="straightConnector1">
@@ -3432,7 +3437,7 @@
         </p:nvCxnSpPr>
         <p:spPr>
           <a:xfrm>
-            <a:off x="4524247" y="4093833"/>
+            <a:off x="4531804" y="4093833"/>
             <a:ext cx="1819804" cy="869430"/>
           </a:xfrm>
           <a:prstGeom prst="straightConnector1">
@@ -3467,7 +3472,7 @@
         </p:nvSpPr>
         <p:spPr>
           <a:xfrm>
-            <a:off x="2660070" y="4266980"/>
+            <a:off x="2667627" y="4266980"/>
             <a:ext cx="1001428" cy="329001"/>
           </a:xfrm>
           <a:prstGeom prst="rect">
@@ -3497,7 +3502,7 @@
         </p:nvSpPr>
         <p:spPr>
           <a:xfrm>
-            <a:off x="3571598" y="3738668"/>
+            <a:off x="3579155" y="3738668"/>
             <a:ext cx="1875453" cy="345763"/>
           </a:xfrm>
           <a:prstGeom prst="roundRect">
@@ -3542,21 +3547,8 @@
                   <a:schemeClr val="tx1"/>
                 </a:solidFill>
               </a:rPr>
-              <a:t>Flow </a:t>
-            </a:r>
-            <a:r>
-              <a:rPr lang="en-US" dirty="0" smtClean="0">
-                <a:solidFill>
-                  <a:schemeClr val="tx1"/>
-                </a:solidFill>
-              </a:rPr>
-              <a:t>Translation</a:t>
-            </a:r>
-            <a:endParaRPr lang="en-US" dirty="0">
-              <a:solidFill>
-                <a:schemeClr val="tx1"/>
-              </a:solidFill>
-            </a:endParaRPr>
+              <a:t>Flow Translation</a:t>
+            </a:r>
           </a:p>
         </p:txBody>
       </p:sp>
@@ -3568,7 +3560,7 @@
         </p:nvSpPr>
         <p:spPr>
           <a:xfrm>
-            <a:off x="3571599" y="3038678"/>
+            <a:off x="3579156" y="3038678"/>
             <a:ext cx="1871124" cy="327283"/>
           </a:xfrm>
           <a:prstGeom prst="roundRect">
@@ -3626,8 +3618,8 @@
         </p:nvSpPr>
         <p:spPr>
           <a:xfrm>
-            <a:off x="3212367" y="257266"/>
-            <a:ext cx="2593910" cy="1894114"/>
+            <a:off x="2441459" y="257052"/>
+            <a:ext cx="2408276" cy="1894114"/>
           </a:xfrm>
           <a:prstGeom prst="rect">
             <a:avLst/>
@@ -3669,8 +3661,8 @@
         </p:nvSpPr>
         <p:spPr>
           <a:xfrm>
-            <a:off x="5806277" y="257266"/>
-            <a:ext cx="2593910" cy="1894114"/>
+            <a:off x="4848421" y="255207"/>
+            <a:ext cx="2404872" cy="1894114"/>
           </a:xfrm>
           <a:prstGeom prst="rect">
             <a:avLst/>
@@ -3708,6 +3700,7 @@
         <p:nvCxnSpPr>
           <p:cNvPr id="36" name="Straight Arrow Connector 35"/>
           <p:cNvCxnSpPr>
+            <a:cxnSpLocks/>
             <a:stCxn id="17" idx="0"/>
             <a:endCxn id="31" idx="2"/>
           </p:cNvCxnSpPr>
@@ -3715,8 +3708,8 @@
         </p:nvCxnSpPr>
         <p:spPr>
           <a:xfrm flipH="1" flipV="1">
-            <a:off x="1915412" y="2151380"/>
-            <a:ext cx="2608837" cy="869434"/>
+            <a:off x="1228256" y="2151380"/>
+            <a:ext cx="3303550" cy="869434"/>
           </a:xfrm>
           <a:prstGeom prst="straightConnector1">
             <a:avLst/>
@@ -3744,6 +3737,7 @@
         <p:nvCxnSpPr>
           <p:cNvPr id="38" name="Straight Arrow Connector 37"/>
           <p:cNvCxnSpPr>
+            <a:cxnSpLocks/>
             <a:stCxn id="17" idx="0"/>
             <a:endCxn id="32" idx="2"/>
           </p:cNvCxnSpPr>
@@ -3751,8 +3745,8 @@
         </p:nvCxnSpPr>
         <p:spPr>
           <a:xfrm flipH="1" flipV="1">
-            <a:off x="4509324" y="2151380"/>
-            <a:ext cx="14925" cy="869432"/>
+            <a:off x="3645597" y="2151166"/>
+            <a:ext cx="886209" cy="869648"/>
           </a:xfrm>
           <a:prstGeom prst="straightConnector1">
             <a:avLst/>
@@ -3780,6 +3774,7 @@
         <p:nvCxnSpPr>
           <p:cNvPr id="40" name="Straight Arrow Connector 39"/>
           <p:cNvCxnSpPr>
+            <a:cxnSpLocks/>
             <a:stCxn id="17" idx="0"/>
             <a:endCxn id="33" idx="2"/>
           </p:cNvCxnSpPr>
@@ -3787,8 +3782,8 @@
         </p:nvCxnSpPr>
         <p:spPr>
           <a:xfrm flipV="1">
-            <a:off x="4524249" y="2151380"/>
-            <a:ext cx="2578985" cy="869432"/>
+            <a:off x="4531806" y="2149321"/>
+            <a:ext cx="1519051" cy="871493"/>
           </a:xfrm>
           <a:prstGeom prst="straightConnector1">
             <a:avLst/>
@@ -3820,7 +3815,7 @@
         </p:nvSpPr>
         <p:spPr>
           <a:xfrm>
-            <a:off x="1439945" y="226793"/>
+            <a:off x="722030" y="226793"/>
             <a:ext cx="872226" cy="329001"/>
           </a:xfrm>
           <a:prstGeom prst="rect">
@@ -3849,7 +3844,7 @@
         </p:nvSpPr>
         <p:spPr>
           <a:xfrm>
-            <a:off x="4129132" y="233217"/>
+            <a:off x="3275191" y="233217"/>
             <a:ext cx="872226" cy="329001"/>
           </a:xfrm>
           <a:prstGeom prst="rect">
@@ -3878,7 +3873,7 @@
         </p:nvSpPr>
         <p:spPr>
           <a:xfrm>
-            <a:off x="6725720" y="233217"/>
+            <a:off x="5713082" y="233217"/>
             <a:ext cx="872226" cy="329001"/>
           </a:xfrm>
           <a:prstGeom prst="rect">
@@ -3907,7 +3902,7 @@
         </p:nvSpPr>
         <p:spPr>
           <a:xfrm>
-            <a:off x="1269480" y="700388"/>
+            <a:off x="467382" y="693413"/>
             <a:ext cx="1272155" cy="385637"/>
           </a:xfrm>
           <a:prstGeom prst="roundRect">
@@ -3982,7 +3977,7 @@
         </p:blipFill>
         <p:spPr bwMode="auto">
           <a:xfrm flipH="1">
-            <a:off x="1020771" y="1533916"/>
+            <a:off x="257514" y="1533916"/>
             <a:ext cx="497419" cy="195678"/>
           </a:xfrm>
           <a:prstGeom prst="rect">
@@ -4023,7 +4018,7 @@
         </p:blipFill>
         <p:spPr bwMode="auto">
           <a:xfrm flipH="1">
-            <a:off x="2573055" y="1838038"/>
+            <a:off x="1809798" y="1838038"/>
             <a:ext cx="497419" cy="195678"/>
           </a:xfrm>
           <a:prstGeom prst="rect">
@@ -4064,7 +4059,7 @@
         </p:blipFill>
         <p:spPr bwMode="auto">
           <a:xfrm flipH="1">
-            <a:off x="1349075" y="1842563"/>
+            <a:off x="585818" y="1842563"/>
             <a:ext cx="497419" cy="195678"/>
           </a:xfrm>
           <a:prstGeom prst="rect">
@@ -4105,7 +4100,7 @@
         </p:blipFill>
         <p:spPr bwMode="auto">
           <a:xfrm flipH="1">
-            <a:off x="757557" y="1842563"/>
+            <a:off x="24528" y="1842563"/>
             <a:ext cx="497419" cy="195678"/>
           </a:xfrm>
           <a:prstGeom prst="rect">
@@ -4146,7 +4141,7 @@
         </p:blipFill>
         <p:spPr bwMode="auto">
           <a:xfrm flipH="1">
-            <a:off x="1988389" y="1838038"/>
+            <a:off x="1225132" y="1838038"/>
             <a:ext cx="497419" cy="195678"/>
           </a:xfrm>
           <a:prstGeom prst="rect">
@@ -4187,7 +4182,7 @@
         </p:blipFill>
         <p:spPr bwMode="auto">
           <a:xfrm flipH="1">
-            <a:off x="3600176" y="1617922"/>
+            <a:off x="2572424" y="1602808"/>
             <a:ext cx="497419" cy="195678"/>
           </a:xfrm>
           <a:prstGeom prst="rect">
@@ -4228,7 +4223,7 @@
         </p:blipFill>
         <p:spPr bwMode="auto">
           <a:xfrm flipH="1">
-            <a:off x="2237098" y="1534814"/>
+            <a:off x="1473841" y="1534814"/>
             <a:ext cx="497419" cy="195678"/>
           </a:xfrm>
           <a:prstGeom prst="rect">
@@ -4269,7 +4264,7 @@
         </p:blipFill>
         <p:spPr bwMode="auto">
           <a:xfrm flipH="1">
-            <a:off x="1627350" y="1203687"/>
+            <a:off x="894321" y="1203687"/>
             <a:ext cx="497419" cy="195678"/>
           </a:xfrm>
           <a:prstGeom prst="rect">
@@ -4297,7 +4292,7 @@
         </p:nvCxnSpPr>
         <p:spPr>
           <a:xfrm flipV="1">
-            <a:off x="1269478" y="1311941"/>
+            <a:off x="506221" y="1311941"/>
             <a:ext cx="489766" cy="221977"/>
           </a:xfrm>
           <a:prstGeom prst="line">
@@ -4323,13 +4318,13 @@
         <p:nvCxnSpPr>
           <p:cNvPr id="65" name="Straight Connector 64"/>
           <p:cNvCxnSpPr>
-            <a:stCxn id="54" idx="0"/>
+            <a:cxnSpLocks/>
           </p:cNvCxnSpPr>
           <p:nvPr/>
         </p:nvCxnSpPr>
         <p:spPr>
           <a:xfrm flipV="1">
-            <a:off x="1006264" y="1664386"/>
+            <a:off x="243007" y="1664386"/>
             <a:ext cx="176630" cy="178179"/>
           </a:xfrm>
           <a:prstGeom prst="line">
@@ -4355,13 +4350,14 @@
         <p:nvCxnSpPr>
           <p:cNvPr id="67" name="Straight Connector 66"/>
           <p:cNvCxnSpPr>
+            <a:cxnSpLocks/>
             <a:stCxn id="53" idx="0"/>
           </p:cNvCxnSpPr>
           <p:nvPr/>
         </p:nvCxnSpPr>
         <p:spPr>
           <a:xfrm flipH="1" flipV="1">
-            <a:off x="1356272" y="1631755"/>
+            <a:off x="593015" y="1631755"/>
             <a:ext cx="241510" cy="210808"/>
           </a:xfrm>
           <a:prstGeom prst="line">
@@ -4387,13 +4383,14 @@
         <p:nvCxnSpPr>
           <p:cNvPr id="69" name="Straight Connector 68"/>
           <p:cNvCxnSpPr>
+            <a:cxnSpLocks/>
             <a:stCxn id="55" idx="0"/>
           </p:cNvCxnSpPr>
           <p:nvPr/>
         </p:nvCxnSpPr>
         <p:spPr>
           <a:xfrm flipV="1">
-            <a:off x="2237096" y="1639407"/>
+            <a:off x="1473839" y="1639407"/>
             <a:ext cx="137118" cy="198633"/>
           </a:xfrm>
           <a:prstGeom prst="line">
@@ -4419,13 +4416,14 @@
         <p:nvCxnSpPr>
           <p:cNvPr id="71" name="Straight Connector 70"/>
           <p:cNvCxnSpPr>
+            <a:cxnSpLocks/>
             <a:stCxn id="52" idx="0"/>
           </p:cNvCxnSpPr>
           <p:nvPr/>
         </p:nvCxnSpPr>
         <p:spPr>
           <a:xfrm flipH="1" flipV="1">
-            <a:off x="2600008" y="1664384"/>
+            <a:off x="1836751" y="1664384"/>
             <a:ext cx="221754" cy="173654"/>
           </a:xfrm>
           <a:prstGeom prst="line">
@@ -4455,7 +4453,7 @@
         </p:nvCxnSpPr>
         <p:spPr>
           <a:xfrm flipH="1" flipV="1">
-            <a:off x="1996042" y="1311941"/>
+            <a:off x="1232785" y="1311941"/>
             <a:ext cx="464435" cy="221977"/>
           </a:xfrm>
           <a:prstGeom prst="line">
@@ -4485,7 +4483,7 @@
         </p:nvSpPr>
         <p:spPr>
           <a:xfrm>
-            <a:off x="3964261" y="694309"/>
+            <a:off x="3026264" y="701480"/>
             <a:ext cx="1272155" cy="385637"/>
           </a:xfrm>
           <a:prstGeom prst="roundRect">
@@ -4552,7 +4550,7 @@
         </p:blipFill>
         <p:spPr bwMode="auto">
           <a:xfrm flipH="1">
-            <a:off x="4097595" y="1341219"/>
+            <a:off x="3069843" y="1326105"/>
             <a:ext cx="497419" cy="195678"/>
           </a:xfrm>
           <a:prstGeom prst="rect">
@@ -4593,7 +4591,7 @@
         </p:blipFill>
         <p:spPr bwMode="auto">
           <a:xfrm flipH="1">
-            <a:off x="3848885" y="1815733"/>
+            <a:off x="2821133" y="1800619"/>
             <a:ext cx="497419" cy="195678"/>
           </a:xfrm>
           <a:prstGeom prst="rect">
@@ -4634,7 +4632,7 @@
         </p:blipFill>
         <p:spPr bwMode="auto">
           <a:xfrm flipH="1">
-            <a:off x="4078028" y="1584328"/>
+            <a:off x="3050276" y="1569214"/>
             <a:ext cx="497419" cy="195678"/>
           </a:xfrm>
           <a:prstGeom prst="rect">
@@ -4675,7 +4673,7 @@
         </p:blipFill>
         <p:spPr bwMode="auto">
           <a:xfrm flipH="1">
-            <a:off x="4368471" y="1845603"/>
+            <a:off x="3340719" y="1830489"/>
             <a:ext cx="497419" cy="195678"/>
           </a:xfrm>
           <a:prstGeom prst="rect">
@@ -4716,7 +4714,7 @@
         </p:blipFill>
         <p:spPr bwMode="auto">
           <a:xfrm flipH="1">
-            <a:off x="4626345" y="1409796"/>
+            <a:off x="3598593" y="1394682"/>
             <a:ext cx="497419" cy="195678"/>
           </a:xfrm>
           <a:prstGeom prst="rect">
@@ -4757,7 +4755,7 @@
         </p:blipFill>
         <p:spPr bwMode="auto">
           <a:xfrm flipH="1">
-            <a:off x="4657838" y="1658733"/>
+            <a:off x="3630086" y="1643619"/>
             <a:ext cx="497419" cy="195678"/>
           </a:xfrm>
           <a:prstGeom prst="rect">
@@ -4798,7 +4796,7 @@
         </p:blipFill>
         <p:spPr bwMode="auto">
           <a:xfrm flipH="1">
-            <a:off x="4945303" y="1872852"/>
+            <a:off x="3917551" y="1857738"/>
             <a:ext cx="497419" cy="195678"/>
           </a:xfrm>
           <a:prstGeom prst="rect">
@@ -4839,7 +4837,7 @@
         </p:blipFill>
         <p:spPr bwMode="auto">
           <a:xfrm flipH="1">
-            <a:off x="5133976" y="1546670"/>
+            <a:off x="4129616" y="1538661"/>
             <a:ext cx="497419" cy="195678"/>
           </a:xfrm>
           <a:prstGeom prst="rect">
@@ -4861,13 +4859,14 @@
         <p:nvCxnSpPr>
           <p:cNvPr id="87" name="Straight Connector 86"/>
           <p:cNvCxnSpPr>
+            <a:cxnSpLocks/>
             <a:stCxn id="56" idx="0"/>
           </p:cNvCxnSpPr>
           <p:nvPr/>
         </p:nvCxnSpPr>
         <p:spPr>
           <a:xfrm flipV="1">
-            <a:off x="3848885" y="1471849"/>
+            <a:off x="2821133" y="1456735"/>
             <a:ext cx="372375" cy="146075"/>
           </a:xfrm>
           <a:prstGeom prst="line">
@@ -4893,6 +4892,7 @@
         <p:nvCxnSpPr>
           <p:cNvPr id="89" name="Straight Connector 88"/>
           <p:cNvCxnSpPr>
+            <a:cxnSpLocks/>
             <a:stCxn id="56" idx="0"/>
             <a:endCxn id="79" idx="0"/>
           </p:cNvCxnSpPr>
@@ -4900,7 +4900,7 @@
         </p:nvCxnSpPr>
         <p:spPr>
           <a:xfrm>
-            <a:off x="3848885" y="1617924"/>
+            <a:off x="2821133" y="1602810"/>
             <a:ext cx="248709" cy="197811"/>
           </a:xfrm>
           <a:prstGeom prst="line">
@@ -4930,7 +4930,7 @@
         </p:nvCxnSpPr>
         <p:spPr>
           <a:xfrm>
-            <a:off x="4207971" y="1943332"/>
+            <a:off x="3180219" y="1928218"/>
             <a:ext cx="307970" cy="0"/>
           </a:xfrm>
           <a:prstGeom prst="line">
@@ -4962,7 +4962,7 @@
         </p:nvCxnSpPr>
         <p:spPr>
           <a:xfrm>
-            <a:off x="4415253" y="1701493"/>
+            <a:off x="3387501" y="1686379"/>
             <a:ext cx="201927" cy="144110"/>
           </a:xfrm>
           <a:prstGeom prst="line">
@@ -4994,7 +4994,7 @@
         </p:nvCxnSpPr>
         <p:spPr>
           <a:xfrm>
-            <a:off x="5001358" y="1760957"/>
+            <a:off x="3973606" y="1745843"/>
             <a:ext cx="192652" cy="111897"/>
           </a:xfrm>
           <a:prstGeom prst="line">
@@ -5024,7 +5024,7 @@
         </p:nvCxnSpPr>
         <p:spPr>
           <a:xfrm flipV="1">
-            <a:off x="4481647" y="1676819"/>
+            <a:off x="3453895" y="1661705"/>
             <a:ext cx="331100" cy="23434"/>
           </a:xfrm>
           <a:prstGeom prst="line">
@@ -5056,7 +5056,7 @@
         </p:nvCxnSpPr>
         <p:spPr>
           <a:xfrm flipV="1">
-            <a:off x="4460098" y="1409796"/>
+            <a:off x="3432346" y="1394682"/>
             <a:ext cx="414954" cy="55868"/>
           </a:xfrm>
           <a:prstGeom prst="line">
@@ -5088,7 +5088,7 @@
         </p:nvCxnSpPr>
         <p:spPr>
           <a:xfrm>
-            <a:off x="4423634" y="1441990"/>
+            <a:off x="3395882" y="1426876"/>
             <a:ext cx="482913" cy="216745"/>
           </a:xfrm>
           <a:prstGeom prst="line">
@@ -5118,7 +5118,7 @@
         </p:nvCxnSpPr>
         <p:spPr>
           <a:xfrm>
-            <a:off x="4991951" y="1518733"/>
+            <a:off x="3964199" y="1503619"/>
             <a:ext cx="511339" cy="118825"/>
           </a:xfrm>
           <a:prstGeom prst="line">
@@ -5150,7 +5150,7 @@
         </p:nvCxnSpPr>
         <p:spPr>
           <a:xfrm flipV="1">
-            <a:off x="5194012" y="1639407"/>
+            <a:off x="4166260" y="1624293"/>
             <a:ext cx="83517" cy="233447"/>
           </a:xfrm>
           <a:prstGeom prst="line">
@@ -5182,7 +5182,7 @@
         </p:nvCxnSpPr>
         <p:spPr>
           <a:xfrm flipV="1">
-            <a:off x="4687246" y="1872854"/>
+            <a:off x="3659494" y="1857740"/>
             <a:ext cx="506764" cy="70461"/>
           </a:xfrm>
           <a:prstGeom prst="line">
@@ -5212,7 +5212,7 @@
         </p:nvSpPr>
         <p:spPr>
           <a:xfrm>
-            <a:off x="6585036" y="697377"/>
+            <a:off x="5489271" y="652035"/>
             <a:ext cx="1272155" cy="385637"/>
           </a:xfrm>
           <a:prstGeom prst="roundRect">
@@ -5256,9 +5256,270 @@
           </a:p>
         </p:txBody>
       </p:sp>
+      <p:cxnSp>
+        <p:nvCxnSpPr>
+          <p:cNvPr id="129" name="Straight Connector 128"/>
+          <p:cNvCxnSpPr>
+            <a:stCxn id="79" idx="0"/>
+          </p:cNvCxnSpPr>
+          <p:nvPr/>
+        </p:nvCxnSpPr>
+        <p:spPr>
+          <a:xfrm flipV="1">
+            <a:off x="3069842" y="1691052"/>
+            <a:ext cx="105684" cy="109567"/>
+          </a:xfrm>
+          <a:prstGeom prst="line">
+            <a:avLst/>
+          </a:prstGeom>
+        </p:spPr>
+        <p:style>
+          <a:lnRef idx="1">
+            <a:schemeClr val="dk1"/>
+          </a:lnRef>
+          <a:fillRef idx="0">
+            <a:schemeClr val="dk1"/>
+          </a:fillRef>
+          <a:effectRef idx="0">
+            <a:schemeClr val="dk1"/>
+          </a:effectRef>
+          <a:fontRef idx="minor">
+            <a:schemeClr val="tx1"/>
+          </a:fontRef>
+        </p:style>
+      </p:cxnSp>
+      <p:sp>
+        <p:nvSpPr>
+          <p:cNvPr id="70" name="Rounded Rectangle 69"/>
+          <p:cNvSpPr/>
+          <p:nvPr/>
+        </p:nvSpPr>
+        <p:spPr>
+          <a:xfrm>
+            <a:off x="2132326" y="3247742"/>
+            <a:ext cx="945705" cy="619728"/>
+          </a:xfrm>
+          <a:prstGeom prst="roundRect">
+            <a:avLst/>
+          </a:prstGeom>
+          <a:solidFill>
+            <a:schemeClr val="accent2">
+              <a:lumMod val="60000"/>
+              <a:lumOff val="40000"/>
+            </a:schemeClr>
+          </a:solidFill>
+        </p:spPr>
+        <p:style>
+          <a:lnRef idx="2">
+            <a:schemeClr val="accent2">
+              <a:shade val="50000"/>
+            </a:schemeClr>
+          </a:lnRef>
+          <a:fillRef idx="1">
+            <a:schemeClr val="accent2"/>
+          </a:fillRef>
+          <a:effectRef idx="0">
+            <a:schemeClr val="accent2"/>
+          </a:effectRef>
+          <a:fontRef idx="minor">
+            <a:schemeClr val="lt1"/>
+          </a:fontRef>
+        </p:style>
+        <p:txBody>
+          <a:bodyPr rot="0" spcFirstLastPara="0" vertOverflow="overflow" horzOverflow="overflow" vert="horz" wrap="square" lIns="91440" tIns="45720" rIns="91440" bIns="45720" numCol="1" spcCol="0" rtlCol="0" fromWordArt="0" anchor="ctr" anchorCtr="0" forceAA="0" compatLnSpc="1">
+            <a:prstTxWarp prst="textNoShape">
+              <a:avLst/>
+            </a:prstTxWarp>
+            <a:noAutofit/>
+          </a:bodyPr>
+          <a:lstStyle/>
+          <a:p>
+            <a:pPr algn="ctr"/>
+            <a:r>
+              <a:rPr lang="en-US" dirty="0">
+                <a:solidFill>
+                  <a:schemeClr val="tx1"/>
+                </a:solidFill>
+              </a:rPr>
+              <a:t>BNV Mapper</a:t>
+            </a:r>
+          </a:p>
+        </p:txBody>
+      </p:sp>
       <p:pic>
         <p:nvPicPr>
-          <p:cNvPr id="119" name="Picture 2" descr="https://openclipart.org/image/2400px/svg_to_png/215022/blue-switch.png"/>
+          <p:cNvPr id="1028" name="Picture 4" descr="Image result for customer icon"/>
+          <p:cNvPicPr>
+            <a:picLocks noChangeAspect="1" noChangeArrowheads="1"/>
+          </p:cNvPicPr>
+          <p:nvPr/>
+        </p:nvPicPr>
+        <p:blipFill>
+          <a:blip r:embed="rId4" cstate="print">
+            <a:extLst>
+              <a:ext uri="{28A0092B-C50C-407E-A947-70E740481C1C}">
+                <a14:useLocalDpi xmlns:a14="http://schemas.microsoft.com/office/drawing/2010/main" val="0"/>
+              </a:ext>
+            </a:extLst>
+          </a:blip>
+          <a:srcRect/>
+          <a:stretch>
+            <a:fillRect/>
+          </a:stretch>
+        </p:blipFill>
+        <p:spPr bwMode="auto">
+          <a:xfrm>
+            <a:off x="467382" y="3202319"/>
+            <a:ext cx="722845" cy="722845"/>
+          </a:xfrm>
+          <a:prstGeom prst="rect">
+            <a:avLst/>
+          </a:prstGeom>
+          <a:noFill/>
+          <a:extLst>
+            <a:ext uri="{909E8E84-426E-40DD-AFC4-6F175D3DCCD1}">
+              <a14:hiddenFill xmlns:a14="http://schemas.microsoft.com/office/drawing/2010/main">
+                <a:solidFill>
+                  <a:srgbClr val="FFFFFF"/>
+                </a:solidFill>
+              </a14:hiddenFill>
+            </a:ext>
+          </a:extLst>
+        </p:spPr>
+      </p:pic>
+      <p:cxnSp>
+        <p:nvCxnSpPr>
+          <p:cNvPr id="3" name="Straight Arrow Connector 2"/>
+          <p:cNvCxnSpPr/>
+          <p:nvPr/>
+        </p:nvCxnSpPr>
+        <p:spPr>
+          <a:xfrm>
+            <a:off x="1190451" y="3365961"/>
+            <a:ext cx="941875" cy="0"/>
+          </a:xfrm>
+          <a:prstGeom prst="straightConnector1">
+            <a:avLst/>
+          </a:prstGeom>
+          <a:ln>
+            <a:tailEnd type="triangle"/>
+          </a:ln>
+        </p:spPr>
+        <p:style>
+          <a:lnRef idx="3">
+            <a:schemeClr val="dk1"/>
+          </a:lnRef>
+          <a:fillRef idx="0">
+            <a:schemeClr val="dk1"/>
+          </a:fillRef>
+          <a:effectRef idx="2">
+            <a:schemeClr val="dk1"/>
+          </a:effectRef>
+          <a:fontRef idx="minor">
+            <a:schemeClr val="tx1"/>
+          </a:fontRef>
+        </p:style>
+      </p:cxnSp>
+      <p:cxnSp>
+        <p:nvCxnSpPr>
+          <p:cNvPr id="6" name="Straight Arrow Connector 5"/>
+          <p:cNvCxnSpPr/>
+          <p:nvPr/>
+        </p:nvCxnSpPr>
+        <p:spPr>
+          <a:xfrm flipH="1">
+            <a:off x="1190227" y="3738668"/>
+            <a:ext cx="942099" cy="0"/>
+          </a:xfrm>
+          <a:prstGeom prst="straightConnector1">
+            <a:avLst/>
+          </a:prstGeom>
+          <a:ln>
+            <a:tailEnd type="triangle"/>
+          </a:ln>
+        </p:spPr>
+        <p:style>
+          <a:lnRef idx="3">
+            <a:schemeClr val="dk1"/>
+          </a:lnRef>
+          <a:fillRef idx="0">
+            <a:schemeClr val="dk1"/>
+          </a:fillRef>
+          <a:effectRef idx="2">
+            <a:schemeClr val="dk1"/>
+          </a:effectRef>
+          <a:fontRef idx="minor">
+            <a:schemeClr val="tx1"/>
+          </a:fontRef>
+        </p:style>
+      </p:cxnSp>
+      <p:sp>
+        <p:nvSpPr>
+          <p:cNvPr id="13" name="TextBox 12"/>
+          <p:cNvSpPr txBox="1"/>
+          <p:nvPr/>
+        </p:nvSpPr>
+        <p:spPr>
+          <a:xfrm>
+            <a:off x="1159177" y="2908580"/>
+            <a:ext cx="1187232" cy="523220"/>
+          </a:xfrm>
+          <a:prstGeom prst="rect">
+            <a:avLst/>
+          </a:prstGeom>
+          <a:noFill/>
+        </p:spPr>
+        <p:txBody>
+          <a:bodyPr wrap="square" rtlCol="0">
+            <a:spAutoFit/>
+          </a:bodyPr>
+          <a:lstStyle/>
+          <a:p>
+            <a:r>
+              <a:rPr lang="en-US" sz="1400" dirty="0"/>
+              <a:t>Virtual Topology</a:t>
+            </a:r>
+          </a:p>
+        </p:txBody>
+      </p:sp>
+      <p:sp>
+        <p:nvSpPr>
+          <p:cNvPr id="76" name="TextBox 75"/>
+          <p:cNvSpPr txBox="1"/>
+          <p:nvPr/>
+        </p:nvSpPr>
+        <p:spPr>
+          <a:xfrm>
+            <a:off x="1197941" y="3692972"/>
+            <a:ext cx="1187232" cy="523220"/>
+          </a:xfrm>
+          <a:prstGeom prst="rect">
+            <a:avLst/>
+          </a:prstGeom>
+          <a:noFill/>
+        </p:spPr>
+        <p:txBody>
+          <a:bodyPr wrap="square" rtlCol="0">
+            <a:spAutoFit/>
+          </a:bodyPr>
+          <a:lstStyle/>
+          <a:p>
+            <a:r>
+              <a:rPr lang="en-US" sz="1400" dirty="0"/>
+              <a:t>Tenant Mapping</a:t>
+            </a:r>
+          </a:p>
+        </p:txBody>
+      </p:sp>
+      <p:pic>
+        <p:nvPicPr>
+          <p:cNvPr id="72" name="Picture 2" descr="https://openclipart.org/image/2400px/svg_to_png/215022/blue-switch.png">
+            <a:extLst>
+              <a:ext uri="{FF2B5EF4-FFF2-40B4-BE49-F238E27FC236}">
+                <a16:creationId xmlns:a16="http://schemas.microsoft.com/office/drawing/2014/main" id="{B92059DC-D3F4-48AC-B103-9AA9115C69B8}"/>
+              </a:ext>
+            </a:extLst>
+          </p:cNvPr>
           <p:cNvPicPr>
             <a:picLocks noChangeAspect="1" noChangeArrowheads="1"/>
           </p:cNvPicPr>
@@ -5279,7 +5540,7 @@
         </p:blipFill>
         <p:spPr bwMode="auto">
           <a:xfrm flipH="1">
-            <a:off x="6566460" y="1484797"/>
+            <a:off x="5208609" y="1520062"/>
             <a:ext cx="497419" cy="195678"/>
           </a:xfrm>
           <a:prstGeom prst="rect">
@@ -5299,7 +5560,13 @@
       </p:pic>
       <p:pic>
         <p:nvPicPr>
-          <p:cNvPr id="120" name="Picture 2" descr="https://openclipart.org/image/2400px/svg_to_png/215022/blue-switch.png"/>
+          <p:cNvPr id="74" name="Picture 2" descr="https://openclipart.org/image/2400px/svg_to_png/215022/blue-switch.png">
+            <a:extLst>
+              <a:ext uri="{FF2B5EF4-FFF2-40B4-BE49-F238E27FC236}">
+                <a16:creationId xmlns:a16="http://schemas.microsoft.com/office/drawing/2014/main" id="{B5947960-1A8E-4223-9CDA-B0FCD2B4F956}"/>
+              </a:ext>
+            </a:extLst>
+          </p:cNvPr>
           <p:cNvPicPr>
             <a:picLocks noChangeAspect="1" noChangeArrowheads="1"/>
           </p:cNvPicPr>
@@ -5320,7 +5587,7 @@
         </p:blipFill>
         <p:spPr bwMode="auto">
           <a:xfrm flipH="1">
-            <a:off x="7183936" y="1492858"/>
+            <a:off x="6760893" y="1824184"/>
             <a:ext cx="497419" cy="195678"/>
           </a:xfrm>
           <a:prstGeom prst="rect">
@@ -5338,16 +5605,260 @@
           </a:extLst>
         </p:spPr>
       </p:pic>
+      <p:pic>
+        <p:nvPicPr>
+          <p:cNvPr id="75" name="Picture 2" descr="https://openclipart.org/image/2400px/svg_to_png/215022/blue-switch.png">
+            <a:extLst>
+              <a:ext uri="{FF2B5EF4-FFF2-40B4-BE49-F238E27FC236}">
+                <a16:creationId xmlns:a16="http://schemas.microsoft.com/office/drawing/2014/main" id="{72E1143B-CD28-4776-8924-9EE5781B0932}"/>
+              </a:ext>
+            </a:extLst>
+          </p:cNvPr>
+          <p:cNvPicPr>
+            <a:picLocks noChangeAspect="1" noChangeArrowheads="1"/>
+          </p:cNvPicPr>
+          <p:nvPr/>
+        </p:nvPicPr>
+        <p:blipFill>
+          <a:blip r:embed="rId3" cstate="print">
+            <a:extLst>
+              <a:ext uri="{28A0092B-C50C-407E-A947-70E740481C1C}">
+                <a14:useLocalDpi xmlns:a14="http://schemas.microsoft.com/office/drawing/2010/main" val="0"/>
+              </a:ext>
+            </a:extLst>
+          </a:blip>
+          <a:srcRect/>
+          <a:stretch>
+            <a:fillRect/>
+          </a:stretch>
+        </p:blipFill>
+        <p:spPr bwMode="auto">
+          <a:xfrm flipH="1">
+            <a:off x="5536913" y="1828709"/>
+            <a:ext cx="497419" cy="195678"/>
+          </a:xfrm>
+          <a:prstGeom prst="rect">
+            <a:avLst/>
+          </a:prstGeom>
+          <a:noFill/>
+          <a:extLst>
+            <a:ext uri="{909E8E84-426E-40DD-AFC4-6F175D3DCCD1}">
+              <a14:hiddenFill xmlns:a14="http://schemas.microsoft.com/office/drawing/2010/main">
+                <a:solidFill>
+                  <a:srgbClr val="FFFFFF"/>
+                </a:solidFill>
+              </a14:hiddenFill>
+            </a:ext>
+          </a:extLst>
+        </p:spPr>
+      </p:pic>
+      <p:pic>
+        <p:nvPicPr>
+          <p:cNvPr id="86" name="Picture 2" descr="https://openclipart.org/image/2400px/svg_to_png/215022/blue-switch.png">
+            <a:extLst>
+              <a:ext uri="{FF2B5EF4-FFF2-40B4-BE49-F238E27FC236}">
+                <a16:creationId xmlns:a16="http://schemas.microsoft.com/office/drawing/2014/main" id="{E492ED53-BCAE-4E05-B185-BABA8E67AB65}"/>
+              </a:ext>
+            </a:extLst>
+          </p:cNvPr>
+          <p:cNvPicPr>
+            <a:picLocks noChangeAspect="1" noChangeArrowheads="1"/>
+          </p:cNvPicPr>
+          <p:nvPr/>
+        </p:nvPicPr>
+        <p:blipFill>
+          <a:blip r:embed="rId3" cstate="print">
+            <a:extLst>
+              <a:ext uri="{28A0092B-C50C-407E-A947-70E740481C1C}">
+                <a14:useLocalDpi xmlns:a14="http://schemas.microsoft.com/office/drawing/2010/main" val="0"/>
+              </a:ext>
+            </a:extLst>
+          </a:blip>
+          <a:srcRect/>
+          <a:stretch>
+            <a:fillRect/>
+          </a:stretch>
+        </p:blipFill>
+        <p:spPr bwMode="auto">
+          <a:xfrm flipH="1">
+            <a:off x="4945395" y="1828709"/>
+            <a:ext cx="497419" cy="195678"/>
+          </a:xfrm>
+          <a:prstGeom prst="rect">
+            <a:avLst/>
+          </a:prstGeom>
+          <a:noFill/>
+          <a:extLst>
+            <a:ext uri="{909E8E84-426E-40DD-AFC4-6F175D3DCCD1}">
+              <a14:hiddenFill xmlns:a14="http://schemas.microsoft.com/office/drawing/2010/main">
+                <a:solidFill>
+                  <a:srgbClr val="FFFFFF"/>
+                </a:solidFill>
+              </a14:hiddenFill>
+            </a:ext>
+          </a:extLst>
+        </p:spPr>
+      </p:pic>
+      <p:pic>
+        <p:nvPicPr>
+          <p:cNvPr id="88" name="Picture 2" descr="https://openclipart.org/image/2400px/svg_to_png/215022/blue-switch.png">
+            <a:extLst>
+              <a:ext uri="{FF2B5EF4-FFF2-40B4-BE49-F238E27FC236}">
+                <a16:creationId xmlns:a16="http://schemas.microsoft.com/office/drawing/2014/main" id="{D4D3B828-0D67-4BB3-BFB1-3F0ED60D13A3}"/>
+              </a:ext>
+            </a:extLst>
+          </p:cNvPr>
+          <p:cNvPicPr>
+            <a:picLocks noChangeAspect="1" noChangeArrowheads="1"/>
+          </p:cNvPicPr>
+          <p:nvPr/>
+        </p:nvPicPr>
+        <p:blipFill>
+          <a:blip r:embed="rId3" cstate="print">
+            <a:extLst>
+              <a:ext uri="{28A0092B-C50C-407E-A947-70E740481C1C}">
+                <a14:useLocalDpi xmlns:a14="http://schemas.microsoft.com/office/drawing/2010/main" val="0"/>
+              </a:ext>
+            </a:extLst>
+          </a:blip>
+          <a:srcRect/>
+          <a:stretch>
+            <a:fillRect/>
+          </a:stretch>
+        </p:blipFill>
+        <p:spPr bwMode="auto">
+          <a:xfrm flipH="1">
+            <a:off x="6176227" y="1824184"/>
+            <a:ext cx="497419" cy="195678"/>
+          </a:xfrm>
+          <a:prstGeom prst="rect">
+            <a:avLst/>
+          </a:prstGeom>
+          <a:noFill/>
+          <a:extLst>
+            <a:ext uri="{909E8E84-426E-40DD-AFC4-6F175D3DCCD1}">
+              <a14:hiddenFill xmlns:a14="http://schemas.microsoft.com/office/drawing/2010/main">
+                <a:solidFill>
+                  <a:srgbClr val="FFFFFF"/>
+                </a:solidFill>
+              </a14:hiddenFill>
+            </a:ext>
+          </a:extLst>
+        </p:spPr>
+      </p:pic>
+      <p:pic>
+        <p:nvPicPr>
+          <p:cNvPr id="90" name="Picture 2" descr="https://openclipart.org/image/2400px/svg_to_png/215022/blue-switch.png">
+            <a:extLst>
+              <a:ext uri="{FF2B5EF4-FFF2-40B4-BE49-F238E27FC236}">
+                <a16:creationId xmlns:a16="http://schemas.microsoft.com/office/drawing/2014/main" id="{6769C193-5B2B-4502-B54D-B44B6BEFC39E}"/>
+              </a:ext>
+            </a:extLst>
+          </p:cNvPr>
+          <p:cNvPicPr>
+            <a:picLocks noChangeAspect="1" noChangeArrowheads="1"/>
+          </p:cNvPicPr>
+          <p:nvPr/>
+        </p:nvPicPr>
+        <p:blipFill>
+          <a:blip r:embed="rId3" cstate="print">
+            <a:extLst>
+              <a:ext uri="{28A0092B-C50C-407E-A947-70E740481C1C}">
+                <a14:useLocalDpi xmlns:a14="http://schemas.microsoft.com/office/drawing/2010/main" val="0"/>
+              </a:ext>
+            </a:extLst>
+          </a:blip>
+          <a:srcRect/>
+          <a:stretch>
+            <a:fillRect/>
+          </a:stretch>
+        </p:blipFill>
+        <p:spPr bwMode="auto">
+          <a:xfrm flipH="1">
+            <a:off x="6424936" y="1520960"/>
+            <a:ext cx="497419" cy="195678"/>
+          </a:xfrm>
+          <a:prstGeom prst="rect">
+            <a:avLst/>
+          </a:prstGeom>
+          <a:noFill/>
+          <a:extLst>
+            <a:ext uri="{909E8E84-426E-40DD-AFC4-6F175D3DCCD1}">
+              <a14:hiddenFill xmlns:a14="http://schemas.microsoft.com/office/drawing/2010/main">
+                <a:solidFill>
+                  <a:srgbClr val="FFFFFF"/>
+                </a:solidFill>
+              </a14:hiddenFill>
+            </a:ext>
+          </a:extLst>
+        </p:spPr>
+      </p:pic>
+      <p:pic>
+        <p:nvPicPr>
+          <p:cNvPr id="91" name="Picture 2" descr="https://openclipart.org/image/2400px/svg_to_png/215022/blue-switch.png">
+            <a:extLst>
+              <a:ext uri="{FF2B5EF4-FFF2-40B4-BE49-F238E27FC236}">
+                <a16:creationId xmlns:a16="http://schemas.microsoft.com/office/drawing/2014/main" id="{6B73617F-42BD-418B-B04D-D0494D832499}"/>
+              </a:ext>
+            </a:extLst>
+          </p:cNvPr>
+          <p:cNvPicPr>
+            <a:picLocks noChangeAspect="1" noChangeArrowheads="1"/>
+          </p:cNvPicPr>
+          <p:nvPr/>
+        </p:nvPicPr>
+        <p:blipFill>
+          <a:blip r:embed="rId3" cstate="print">
+            <a:extLst>
+              <a:ext uri="{28A0092B-C50C-407E-A947-70E740481C1C}">
+                <a14:useLocalDpi xmlns:a14="http://schemas.microsoft.com/office/drawing/2010/main" val="0"/>
+              </a:ext>
+            </a:extLst>
+          </a:blip>
+          <a:srcRect/>
+          <a:stretch>
+            <a:fillRect/>
+          </a:stretch>
+        </p:blipFill>
+        <p:spPr bwMode="auto">
+          <a:xfrm flipH="1">
+            <a:off x="5573115" y="1189815"/>
+            <a:ext cx="497419" cy="195678"/>
+          </a:xfrm>
+          <a:prstGeom prst="rect">
+            <a:avLst/>
+          </a:prstGeom>
+          <a:noFill/>
+          <a:extLst>
+            <a:ext uri="{909E8E84-426E-40DD-AFC4-6F175D3DCCD1}">
+              <a14:hiddenFill xmlns:a14="http://schemas.microsoft.com/office/drawing/2010/main">
+                <a:solidFill>
+                  <a:srgbClr val="FFFFFF"/>
+                </a:solidFill>
+              </a14:hiddenFill>
+            </a:ext>
+          </a:extLst>
+        </p:spPr>
+      </p:pic>
       <p:cxnSp>
         <p:nvCxnSpPr>
-          <p:cNvPr id="122" name="Straight Connector 121"/>
-          <p:cNvCxnSpPr/>
+          <p:cNvPr id="93" name="Straight Connector 92">
+            <a:extLst>
+              <a:ext uri="{FF2B5EF4-FFF2-40B4-BE49-F238E27FC236}">
+                <a16:creationId xmlns:a16="http://schemas.microsoft.com/office/drawing/2014/main" id="{3EE0AB34-1497-4F8F-82DA-7861FC3D3D49}"/>
+              </a:ext>
+            </a:extLst>
+          </p:cNvPr>
+          <p:cNvCxnSpPr>
+            <a:cxnSpLocks/>
+            <a:stCxn id="72" idx="0"/>
+          </p:cNvCxnSpPr>
           <p:nvPr/>
         </p:nvCxnSpPr>
         <p:spPr>
-          <a:xfrm>
-            <a:off x="6923726" y="1578143"/>
-            <a:ext cx="401216" cy="12554"/>
+          <a:xfrm flipV="1">
+            <a:off x="5457318" y="1318100"/>
+            <a:ext cx="246973" cy="201962"/>
           </a:xfrm>
           <a:prstGeom prst="line">
             <a:avLst/>
@@ -5370,16 +5881,22 @@
       </p:cxnSp>
       <p:cxnSp>
         <p:nvCxnSpPr>
-          <p:cNvPr id="129" name="Straight Connector 128"/>
+          <p:cNvPr id="95" name="Straight Connector 94">
+            <a:extLst>
+              <a:ext uri="{FF2B5EF4-FFF2-40B4-BE49-F238E27FC236}">
+                <a16:creationId xmlns:a16="http://schemas.microsoft.com/office/drawing/2014/main" id="{4C4D59B3-2A6D-49DC-8D9B-60930F9CCACF}"/>
+              </a:ext>
+            </a:extLst>
+          </p:cNvPr>
           <p:cNvCxnSpPr>
-            <a:stCxn id="79" idx="0"/>
+            <a:cxnSpLocks/>
           </p:cNvCxnSpPr>
           <p:nvPr/>
         </p:nvCxnSpPr>
         <p:spPr>
           <a:xfrm flipV="1">
-            <a:off x="4097594" y="1706166"/>
-            <a:ext cx="105684" cy="109567"/>
+            <a:off x="5209216" y="1665646"/>
+            <a:ext cx="176630" cy="178179"/>
           </a:xfrm>
           <a:prstGeom prst="line">
             <a:avLst/>
@@ -5400,16 +5917,1042 @@
           </a:fontRef>
         </p:style>
       </p:cxnSp>
-      <p:sp>
-        <p:nvSpPr>
-          <p:cNvPr id="70" name="Rounded Rectangle 69"/>
+      <p:cxnSp>
+        <p:nvCxnSpPr>
+          <p:cNvPr id="96" name="Straight Connector 95">
+            <a:extLst>
+              <a:ext uri="{FF2B5EF4-FFF2-40B4-BE49-F238E27FC236}">
+                <a16:creationId xmlns:a16="http://schemas.microsoft.com/office/drawing/2014/main" id="{9213E8AB-76DA-47AE-995F-3BFD8CC4A864}"/>
+              </a:ext>
+            </a:extLst>
+          </p:cNvPr>
+          <p:cNvCxnSpPr>
+            <a:cxnSpLocks/>
+          </p:cNvCxnSpPr>
+          <p:nvPr/>
+        </p:nvCxnSpPr>
+        <p:spPr>
+          <a:xfrm flipH="1" flipV="1">
+            <a:off x="5559224" y="1633015"/>
+            <a:ext cx="241510" cy="210808"/>
+          </a:xfrm>
+          <a:prstGeom prst="line">
+            <a:avLst/>
+          </a:prstGeom>
+        </p:spPr>
+        <p:style>
+          <a:lnRef idx="1">
+            <a:schemeClr val="dk1"/>
+          </a:lnRef>
+          <a:fillRef idx="0">
+            <a:schemeClr val="dk1"/>
+          </a:fillRef>
+          <a:effectRef idx="0">
+            <a:schemeClr val="dk1"/>
+          </a:effectRef>
+          <a:fontRef idx="minor">
+            <a:schemeClr val="tx1"/>
+          </a:fontRef>
+        </p:style>
+      </p:cxnSp>
+      <p:cxnSp>
+        <p:nvCxnSpPr>
+          <p:cNvPr id="98" name="Straight Connector 97">
+            <a:extLst>
+              <a:ext uri="{FF2B5EF4-FFF2-40B4-BE49-F238E27FC236}">
+                <a16:creationId xmlns:a16="http://schemas.microsoft.com/office/drawing/2014/main" id="{50FCCF99-6F81-440D-AC63-C73B3E8DF563}"/>
+              </a:ext>
+            </a:extLst>
+          </p:cNvPr>
+          <p:cNvCxnSpPr>
+            <a:cxnSpLocks/>
+          </p:cNvCxnSpPr>
+          <p:nvPr/>
+        </p:nvCxnSpPr>
+        <p:spPr>
+          <a:xfrm flipV="1">
+            <a:off x="6440048" y="1640667"/>
+            <a:ext cx="137118" cy="198633"/>
+          </a:xfrm>
+          <a:prstGeom prst="line">
+            <a:avLst/>
+          </a:prstGeom>
+        </p:spPr>
+        <p:style>
+          <a:lnRef idx="1">
+            <a:schemeClr val="dk1"/>
+          </a:lnRef>
+          <a:fillRef idx="0">
+            <a:schemeClr val="dk1"/>
+          </a:fillRef>
+          <a:effectRef idx="0">
+            <a:schemeClr val="dk1"/>
+          </a:effectRef>
+          <a:fontRef idx="minor">
+            <a:schemeClr val="tx1"/>
+          </a:fontRef>
+        </p:style>
+      </p:cxnSp>
+      <p:cxnSp>
+        <p:nvCxnSpPr>
+          <p:cNvPr id="100" name="Straight Connector 99">
+            <a:extLst>
+              <a:ext uri="{FF2B5EF4-FFF2-40B4-BE49-F238E27FC236}">
+                <a16:creationId xmlns:a16="http://schemas.microsoft.com/office/drawing/2014/main" id="{3AFA258F-2465-4F84-A34D-6BA5CFF7B089}"/>
+              </a:ext>
+            </a:extLst>
+          </p:cNvPr>
+          <p:cNvCxnSpPr>
+            <a:cxnSpLocks/>
+          </p:cNvCxnSpPr>
+          <p:nvPr/>
+        </p:nvCxnSpPr>
+        <p:spPr>
+          <a:xfrm flipH="1" flipV="1">
+            <a:off x="6802960" y="1665644"/>
+            <a:ext cx="221754" cy="173654"/>
+          </a:xfrm>
+          <a:prstGeom prst="line">
+            <a:avLst/>
+          </a:prstGeom>
+        </p:spPr>
+        <p:style>
+          <a:lnRef idx="1">
+            <a:schemeClr val="dk1"/>
+          </a:lnRef>
+          <a:fillRef idx="0">
+            <a:schemeClr val="dk1"/>
+          </a:fillRef>
+          <a:effectRef idx="0">
+            <a:schemeClr val="dk1"/>
+          </a:effectRef>
+          <a:fontRef idx="minor">
+            <a:schemeClr val="tx1"/>
+          </a:fontRef>
+        </p:style>
+      </p:cxnSp>
+      <p:cxnSp>
+        <p:nvCxnSpPr>
+          <p:cNvPr id="102" name="Straight Connector 101">
+            <a:extLst>
+              <a:ext uri="{FF2B5EF4-FFF2-40B4-BE49-F238E27FC236}">
+                <a16:creationId xmlns:a16="http://schemas.microsoft.com/office/drawing/2014/main" id="{CDE1ECB8-F076-4CF5-B53C-14438AAC839E}"/>
+              </a:ext>
+            </a:extLst>
+          </p:cNvPr>
+          <p:cNvCxnSpPr>
+            <a:cxnSpLocks/>
+          </p:cNvCxnSpPr>
+          <p:nvPr/>
+        </p:nvCxnSpPr>
+        <p:spPr>
+          <a:xfrm flipH="1" flipV="1">
+            <a:off x="6508607" y="1302102"/>
+            <a:ext cx="154823" cy="233077"/>
+          </a:xfrm>
+          <a:prstGeom prst="line">
+            <a:avLst/>
+          </a:prstGeom>
+        </p:spPr>
+        <p:style>
+          <a:lnRef idx="1">
+            <a:schemeClr val="dk1"/>
+          </a:lnRef>
+          <a:fillRef idx="0">
+            <a:schemeClr val="dk1"/>
+          </a:fillRef>
+          <a:effectRef idx="0">
+            <a:schemeClr val="dk1"/>
+          </a:effectRef>
+          <a:fontRef idx="minor">
+            <a:schemeClr val="tx1"/>
+          </a:fontRef>
+        </p:style>
+      </p:cxnSp>
+      <p:pic>
+        <p:nvPicPr>
+          <p:cNvPr id="104" name="Picture 2" descr="https://openclipart.org/image/2400px/svg_to_png/215022/blue-switch.png">
+            <a:extLst>
+              <a:ext uri="{FF2B5EF4-FFF2-40B4-BE49-F238E27FC236}">
+                <a16:creationId xmlns:a16="http://schemas.microsoft.com/office/drawing/2014/main" id="{5F4E1897-F364-4838-9E39-31729D8F7634}"/>
+              </a:ext>
+            </a:extLst>
+          </p:cNvPr>
+          <p:cNvPicPr>
+            <a:picLocks noChangeAspect="1" noChangeArrowheads="1"/>
+          </p:cNvPicPr>
+          <p:nvPr/>
+        </p:nvPicPr>
+        <p:blipFill>
+          <a:blip r:embed="rId3" cstate="print">
+            <a:extLst>
+              <a:ext uri="{28A0092B-C50C-407E-A947-70E740481C1C}">
+                <a14:useLocalDpi xmlns:a14="http://schemas.microsoft.com/office/drawing/2010/main" val="0"/>
+              </a:ext>
+            </a:extLst>
+          </a:blip>
+          <a:srcRect/>
+          <a:stretch>
+            <a:fillRect/>
+          </a:stretch>
+        </p:blipFill>
+        <p:spPr bwMode="auto">
+          <a:xfrm flipH="1">
+            <a:off x="6160534" y="1173352"/>
+            <a:ext cx="497419" cy="195678"/>
+          </a:xfrm>
+          <a:prstGeom prst="rect">
+            <a:avLst/>
+          </a:prstGeom>
+          <a:noFill/>
+          <a:extLst>
+            <a:ext uri="{909E8E84-426E-40DD-AFC4-6F175D3DCCD1}">
+              <a14:hiddenFill xmlns:a14="http://schemas.microsoft.com/office/drawing/2010/main">
+                <a:solidFill>
+                  <a:srgbClr val="FFFFFF"/>
+                </a:solidFill>
+              </a14:hiddenFill>
+            </a:ext>
+          </a:extLst>
+        </p:spPr>
+      </p:pic>
+      <p:cxnSp>
+        <p:nvCxnSpPr>
+          <p:cNvPr id="106" name="Straight Connector 105">
+            <a:extLst>
+              <a:ext uri="{FF2B5EF4-FFF2-40B4-BE49-F238E27FC236}">
+                <a16:creationId xmlns:a16="http://schemas.microsoft.com/office/drawing/2014/main" id="{21BA8FF7-37C2-48DE-8688-0277C8F8AF39}"/>
+              </a:ext>
+            </a:extLst>
+          </p:cNvPr>
+          <p:cNvCxnSpPr>
+            <a:cxnSpLocks/>
+          </p:cNvCxnSpPr>
+          <p:nvPr/>
+        </p:nvCxnSpPr>
+        <p:spPr>
+          <a:xfrm flipV="1">
+            <a:off x="5533516" y="1302102"/>
+            <a:ext cx="760378" cy="318740"/>
+          </a:xfrm>
+          <a:prstGeom prst="line">
+            <a:avLst/>
+          </a:prstGeom>
+        </p:spPr>
+        <p:style>
+          <a:lnRef idx="1">
+            <a:schemeClr val="dk1"/>
+          </a:lnRef>
+          <a:fillRef idx="0">
+            <a:schemeClr val="dk1"/>
+          </a:fillRef>
+          <a:effectRef idx="0">
+            <a:schemeClr val="dk1"/>
+          </a:effectRef>
+          <a:fontRef idx="minor">
+            <a:schemeClr val="tx1"/>
+          </a:fontRef>
+        </p:style>
+      </p:cxnSp>
+      <p:cxnSp>
+        <p:nvCxnSpPr>
+          <p:cNvPr id="108" name="Straight Connector 107">
+            <a:extLst>
+              <a:ext uri="{FF2B5EF4-FFF2-40B4-BE49-F238E27FC236}">
+                <a16:creationId xmlns:a16="http://schemas.microsoft.com/office/drawing/2014/main" id="{6B251039-16DA-4677-8821-797B12612913}"/>
+              </a:ext>
+            </a:extLst>
+          </p:cNvPr>
+          <p:cNvCxnSpPr>
+            <a:cxnSpLocks/>
+          </p:cNvCxnSpPr>
+          <p:nvPr/>
+        </p:nvCxnSpPr>
+        <p:spPr>
+          <a:xfrm flipH="1" flipV="1">
+            <a:off x="5920741" y="1332482"/>
+            <a:ext cx="648621" cy="253931"/>
+          </a:xfrm>
+          <a:prstGeom prst="line">
+            <a:avLst/>
+          </a:prstGeom>
+        </p:spPr>
+        <p:style>
+          <a:lnRef idx="1">
+            <a:schemeClr val="dk1"/>
+          </a:lnRef>
+          <a:fillRef idx="0">
+            <a:schemeClr val="dk1"/>
+          </a:fillRef>
+          <a:effectRef idx="0">
+            <a:schemeClr val="dk1"/>
+          </a:effectRef>
+          <a:fontRef idx="minor">
+            <a:schemeClr val="tx1"/>
+          </a:fontRef>
+        </p:style>
+      </p:cxnSp>
+      <p:sp>
+        <p:nvSpPr>
+          <p:cNvPr id="111" name="Rectangle 110">
+            <a:extLst>
+              <a:ext uri="{FF2B5EF4-FFF2-40B4-BE49-F238E27FC236}">
+                <a16:creationId xmlns:a16="http://schemas.microsoft.com/office/drawing/2014/main" id="{76BDBFD5-0D32-45C1-8A9C-132629855749}"/>
+              </a:ext>
+            </a:extLst>
+          </p:cNvPr>
           <p:cNvSpPr/>
           <p:nvPr/>
         </p:nvSpPr>
         <p:spPr>
           <a:xfrm>
-            <a:off x="2124769" y="3247742"/>
-            <a:ext cx="945705" cy="619728"/>
+            <a:off x="7450350" y="255207"/>
+            <a:ext cx="1769732" cy="1894114"/>
+          </a:xfrm>
+          <a:prstGeom prst="rect">
+            <a:avLst/>
+          </a:prstGeom>
+        </p:spPr>
+        <p:style>
+          <a:lnRef idx="2">
+            <a:schemeClr val="dk1"/>
+          </a:lnRef>
+          <a:fillRef idx="1">
+            <a:schemeClr val="lt1"/>
+          </a:fillRef>
+          <a:effectRef idx="0">
+            <a:schemeClr val="dk1"/>
+          </a:effectRef>
+          <a:fontRef idx="minor">
+            <a:schemeClr val="dk1"/>
+          </a:fontRef>
+        </p:style>
+        <p:txBody>
+          <a:bodyPr rot="0" spcFirstLastPara="0" vertOverflow="overflow" horzOverflow="overflow" vert="horz" wrap="square" lIns="91440" tIns="45720" rIns="91440" bIns="45720" numCol="1" spcCol="0" rtlCol="0" fromWordArt="0" anchor="ctr" anchorCtr="0" forceAA="0" compatLnSpc="1">
+            <a:prstTxWarp prst="textNoShape">
+              <a:avLst/>
+            </a:prstTxWarp>
+            <a:noAutofit/>
+          </a:bodyPr>
+          <a:lstStyle/>
+          <a:p>
+            <a:pPr algn="ctr"/>
+            <a:r>
+              <a:rPr lang="en-US" dirty="0" err="1"/>
+              <a:t>FatTree</a:t>
+            </a:r>
+            <a:r>
+              <a:rPr lang="en-US" dirty="0"/>
+              <a:t>, </a:t>
+            </a:r>
+            <a:r>
+              <a:rPr lang="en-US" dirty="0" err="1"/>
+              <a:t>JellyFish</a:t>
+            </a:r>
+            <a:r>
+              <a:rPr lang="en-US" dirty="0"/>
+              <a:t>, </a:t>
+            </a:r>
+            <a:r>
+              <a:rPr lang="en-US" dirty="0" err="1"/>
+              <a:t>HyperCube</a:t>
+            </a:r>
+            <a:r>
+              <a:rPr lang="en-US" dirty="0"/>
+              <a:t>, HyperX, </a:t>
+            </a:r>
+            <a:r>
+              <a:rPr lang="en-US" dirty="0" err="1"/>
+              <a:t>Xpander</a:t>
+            </a:r>
+            <a:r>
+              <a:rPr lang="en-US" dirty="0"/>
+              <a:t>, </a:t>
+            </a:r>
+          </a:p>
+          <a:p>
+            <a:pPr algn="ctr"/>
+            <a:r>
+              <a:rPr lang="en-US" dirty="0"/>
+              <a:t>Arbitrary topologies…</a:t>
+            </a:r>
+            <a:r>
+              <a:rPr lang="en-US" dirty="0" err="1"/>
+              <a:t>etc</a:t>
+            </a:r>
+            <a:endParaRPr lang="en-US" dirty="0"/>
+          </a:p>
+        </p:txBody>
+      </p:sp>
+      <p:sp>
+        <p:nvSpPr>
+          <p:cNvPr id="112" name="TextBox 111">
+            <a:extLst>
+              <a:ext uri="{FF2B5EF4-FFF2-40B4-BE49-F238E27FC236}">
+                <a16:creationId xmlns:a16="http://schemas.microsoft.com/office/drawing/2014/main" id="{A373FA3C-EF3D-4F9F-82F0-4B6FC5A8AB05}"/>
+              </a:ext>
+            </a:extLst>
+          </p:cNvPr>
+          <p:cNvSpPr txBox="1"/>
+          <p:nvPr/>
+        </p:nvSpPr>
+        <p:spPr>
+          <a:xfrm>
+            <a:off x="7899023" y="230924"/>
+            <a:ext cx="877035" cy="329001"/>
+          </a:xfrm>
+          <a:prstGeom prst="rect">
+            <a:avLst/>
+          </a:prstGeom>
+          <a:noFill/>
+        </p:spPr>
+        <p:txBody>
+          <a:bodyPr wrap="none" rtlCol="0">
+            <a:spAutoFit/>
+          </a:bodyPr>
+          <a:lstStyle/>
+          <a:p>
+            <a:r>
+              <a:rPr lang="en-US" dirty="0"/>
+              <a:t>Tenant n</a:t>
+            </a:r>
+          </a:p>
+        </p:txBody>
+      </p:sp>
+      <p:sp>
+        <p:nvSpPr>
+          <p:cNvPr id="47" name="TextBox 46">
+            <a:extLst>
+              <a:ext uri="{FF2B5EF4-FFF2-40B4-BE49-F238E27FC236}">
+                <a16:creationId xmlns:a16="http://schemas.microsoft.com/office/drawing/2014/main" id="{432DA72F-831C-4B47-8741-6C508BF44D16}"/>
+              </a:ext>
+            </a:extLst>
+          </p:cNvPr>
+          <p:cNvSpPr txBox="1"/>
+          <p:nvPr/>
+        </p:nvSpPr>
+        <p:spPr>
+          <a:xfrm>
+            <a:off x="7187444" y="1087117"/>
+            <a:ext cx="320922" cy="329001"/>
+          </a:xfrm>
+          <a:prstGeom prst="rect">
+            <a:avLst/>
+          </a:prstGeom>
+          <a:noFill/>
+        </p:spPr>
+        <p:txBody>
+          <a:bodyPr wrap="none" rtlCol="0">
+            <a:spAutoFit/>
+          </a:bodyPr>
+          <a:lstStyle/>
+          <a:p>
+            <a:r>
+              <a:rPr lang="en-US" dirty="0"/>
+              <a:t>…</a:t>
+            </a:r>
+          </a:p>
+        </p:txBody>
+      </p:sp>
+      <p:cxnSp>
+        <p:nvCxnSpPr>
+          <p:cNvPr id="114" name="Straight Arrow Connector 113">
+            <a:extLst>
+              <a:ext uri="{FF2B5EF4-FFF2-40B4-BE49-F238E27FC236}">
+                <a16:creationId xmlns:a16="http://schemas.microsoft.com/office/drawing/2014/main" id="{C375E27A-8730-4545-8130-9A105CD9C062}"/>
+              </a:ext>
+            </a:extLst>
+          </p:cNvPr>
+          <p:cNvCxnSpPr>
+            <a:cxnSpLocks/>
+            <a:stCxn id="29" idx="0"/>
+            <a:endCxn id="111" idx="2"/>
+          </p:cNvCxnSpPr>
+          <p:nvPr/>
+        </p:nvCxnSpPr>
+        <p:spPr>
+          <a:xfrm flipV="1">
+            <a:off x="4514718" y="2149321"/>
+            <a:ext cx="3820498" cy="889357"/>
+          </a:xfrm>
+          <a:prstGeom prst="straightConnector1">
+            <a:avLst/>
+          </a:prstGeom>
+          <a:ln>
+            <a:tailEnd type="triangle"/>
+          </a:ln>
+        </p:spPr>
+        <p:style>
+          <a:lnRef idx="3">
+            <a:schemeClr val="dk1"/>
+          </a:lnRef>
+          <a:fillRef idx="0">
+            <a:schemeClr val="dk1"/>
+          </a:fillRef>
+          <a:effectRef idx="2">
+            <a:schemeClr val="dk1"/>
+          </a:effectRef>
+          <a:fontRef idx="minor">
+            <a:schemeClr val="tx1"/>
+          </a:fontRef>
+        </p:style>
+      </p:cxnSp>
+    </p:spTree>
+    <p:extLst>
+      <p:ext uri="{BB962C8B-B14F-4D97-AF65-F5344CB8AC3E}">
+        <p14:creationId xmlns:p14="http://schemas.microsoft.com/office/powerpoint/2010/main" val="4148510050"/>
+      </p:ext>
+    </p:extLst>
+  </p:cSld>
+  <p:clrMapOvr>
+    <a:masterClrMapping/>
+  </p:clrMapOvr>
+</p:sld>
+</file>
+
+<file path=ppt/slides/slide2.xml><?xml version="1.0" encoding="utf-8"?>
+<p:sld xmlns:a="http://schemas.openxmlformats.org/drawingml/2006/main" xmlns:r="http://schemas.openxmlformats.org/officeDocument/2006/relationships" xmlns:p="http://schemas.openxmlformats.org/presentationml/2006/main">
+  <p:cSld>
+    <p:spTree>
+      <p:nvGrpSpPr>
+        <p:cNvPr id="1" name=""/>
+        <p:cNvGrpSpPr/>
+        <p:nvPr/>
+      </p:nvGrpSpPr>
+      <p:grpSpPr>
+        <a:xfrm>
+          <a:off x="0" y="0"/>
+          <a:ext cx="0" cy="0"/>
+          <a:chOff x="0" y="0"/>
+          <a:chExt cx="0" cy="0"/>
+        </a:xfrm>
+      </p:grpSpPr>
+      <p:sp>
+        <p:nvSpPr>
+          <p:cNvPr id="31" name="Rectangle 30"/>
+          <p:cNvSpPr/>
+          <p:nvPr/>
+        </p:nvSpPr>
+        <p:spPr>
+          <a:xfrm>
+            <a:off x="13897" y="257266"/>
+            <a:ext cx="2428717" cy="1894114"/>
+          </a:xfrm>
+          <a:prstGeom prst="rect">
+            <a:avLst/>
+          </a:prstGeom>
+        </p:spPr>
+        <p:style>
+          <a:lnRef idx="2">
+            <a:schemeClr val="dk1"/>
+          </a:lnRef>
+          <a:fillRef idx="1">
+            <a:schemeClr val="lt1"/>
+          </a:fillRef>
+          <a:effectRef idx="0">
+            <a:schemeClr val="dk1"/>
+          </a:effectRef>
+          <a:fontRef idx="minor">
+            <a:schemeClr val="dk1"/>
+          </a:fontRef>
+        </p:style>
+        <p:txBody>
+          <a:bodyPr rot="0" spcFirstLastPara="0" vertOverflow="overflow" horzOverflow="overflow" vert="horz" wrap="square" lIns="91440" tIns="45720" rIns="91440" bIns="45720" numCol="1" spcCol="0" rtlCol="0" fromWordArt="0" anchor="ctr" anchorCtr="0" forceAA="0" compatLnSpc="1">
+            <a:prstTxWarp prst="textNoShape">
+              <a:avLst/>
+            </a:prstTxWarp>
+            <a:noAutofit/>
+          </a:bodyPr>
+          <a:lstStyle/>
+          <a:p>
+            <a:pPr algn="ctr"/>
+            <a:endParaRPr lang="en-US"/>
+          </a:p>
+        </p:txBody>
+      </p:sp>
+      <p:pic>
+        <p:nvPicPr>
+          <p:cNvPr id="7" name="Picture 2" descr="https://openclipart.org/image/2400px/svg_to_png/215022/blue-switch.png"/>
+          <p:cNvPicPr>
+            <a:picLocks noChangeAspect="1" noChangeArrowheads="1"/>
+          </p:cNvPicPr>
+          <p:nvPr/>
+        </p:nvPicPr>
+        <p:blipFill>
+          <a:blip r:embed="rId2" cstate="print">
+            <a:extLst>
+              <a:ext uri="{28A0092B-C50C-407E-A947-70E740481C1C}">
+                <a14:useLocalDpi xmlns:a14="http://schemas.microsoft.com/office/drawing/2010/main" val="0"/>
+              </a:ext>
+            </a:extLst>
+          </a:blip>
+          <a:srcRect/>
+          <a:stretch>
+            <a:fillRect/>
+          </a:stretch>
+        </p:blipFill>
+        <p:spPr bwMode="auto">
+          <a:xfrm flipH="1">
+            <a:off x="2132326" y="4963267"/>
+            <a:ext cx="1446829" cy="569163"/>
+          </a:xfrm>
+          <a:prstGeom prst="rect">
+            <a:avLst/>
+          </a:prstGeom>
+          <a:noFill/>
+          <a:extLst>
+            <a:ext uri="{909E8E84-426E-40DD-AFC4-6F175D3DCCD1}">
+              <a14:hiddenFill xmlns:a14="http://schemas.microsoft.com/office/drawing/2010/main">
+                <a:solidFill>
+                  <a:srgbClr val="FFFFFF"/>
+                </a:solidFill>
+              </a14:hiddenFill>
+            </a:ext>
+          </a:extLst>
+        </p:spPr>
+      </p:pic>
+      <p:pic>
+        <p:nvPicPr>
+          <p:cNvPr id="8" name="Picture 2" descr="https://openclipart.org/image/2400px/svg_to_png/215022/blue-switch.png"/>
+          <p:cNvPicPr>
+            <a:picLocks noChangeAspect="1" noChangeArrowheads="1"/>
+          </p:cNvPicPr>
+          <p:nvPr/>
+        </p:nvPicPr>
+        <p:blipFill>
+          <a:blip r:embed="rId2" cstate="print">
+            <a:extLst>
+              <a:ext uri="{28A0092B-C50C-407E-A947-70E740481C1C}">
+                <a14:useLocalDpi xmlns:a14="http://schemas.microsoft.com/office/drawing/2010/main" val="0"/>
+              </a:ext>
+            </a:extLst>
+          </a:blip>
+          <a:srcRect/>
+          <a:stretch>
+            <a:fillRect/>
+          </a:stretch>
+        </p:blipFill>
+        <p:spPr bwMode="auto">
+          <a:xfrm flipH="1">
+            <a:off x="3880261" y="4963266"/>
+            <a:ext cx="1446829" cy="569163"/>
+          </a:xfrm>
+          <a:prstGeom prst="rect">
+            <a:avLst/>
+          </a:prstGeom>
+          <a:noFill/>
+          <a:extLst>
+            <a:ext uri="{909E8E84-426E-40DD-AFC4-6F175D3DCCD1}">
+              <a14:hiddenFill xmlns:a14="http://schemas.microsoft.com/office/drawing/2010/main">
+                <a:solidFill>
+                  <a:srgbClr val="FFFFFF"/>
+                </a:solidFill>
+              </a14:hiddenFill>
+            </a:ext>
+          </a:extLst>
+        </p:spPr>
+      </p:pic>
+      <p:pic>
+        <p:nvPicPr>
+          <p:cNvPr id="9" name="Picture 2" descr="https://openclipart.org/image/2400px/svg_to_png/215022/blue-switch.png"/>
+          <p:cNvPicPr>
+            <a:picLocks noChangeAspect="1" noChangeArrowheads="1"/>
+          </p:cNvPicPr>
+          <p:nvPr/>
+        </p:nvPicPr>
+        <p:blipFill>
+          <a:blip r:embed="rId2" cstate="print">
+            <a:extLst>
+              <a:ext uri="{28A0092B-C50C-407E-A947-70E740481C1C}">
+                <a14:useLocalDpi xmlns:a14="http://schemas.microsoft.com/office/drawing/2010/main" val="0"/>
+              </a:ext>
+            </a:extLst>
+          </a:blip>
+          <a:srcRect/>
+          <a:stretch>
+            <a:fillRect/>
+          </a:stretch>
+        </p:blipFill>
+        <p:spPr bwMode="auto">
+          <a:xfrm flipH="1">
+            <a:off x="5628196" y="4963265"/>
+            <a:ext cx="1446829" cy="569163"/>
+          </a:xfrm>
+          <a:prstGeom prst="rect">
+            <a:avLst/>
+          </a:prstGeom>
+          <a:noFill/>
+          <a:extLst>
+            <a:ext uri="{909E8E84-426E-40DD-AFC4-6F175D3DCCD1}">
+              <a14:hiddenFill xmlns:a14="http://schemas.microsoft.com/office/drawing/2010/main">
+                <a:solidFill>
+                  <a:srgbClr val="FFFFFF"/>
+                </a:solidFill>
+              </a14:hiddenFill>
+            </a:ext>
+          </a:extLst>
+        </p:spPr>
+      </p:pic>
+      <p:sp>
+        <p:nvSpPr>
+          <p:cNvPr id="10" name="TextBox 9"/>
+          <p:cNvSpPr txBox="1"/>
+          <p:nvPr/>
+        </p:nvSpPr>
+        <p:spPr>
+          <a:xfrm>
+            <a:off x="2397089" y="5429792"/>
+            <a:ext cx="810543" cy="329001"/>
+          </a:xfrm>
+          <a:prstGeom prst="rect">
+            <a:avLst/>
+          </a:prstGeom>
+          <a:noFill/>
+        </p:spPr>
+        <p:txBody>
+          <a:bodyPr wrap="none" rtlCol="0">
+            <a:spAutoFit/>
+          </a:bodyPr>
+          <a:lstStyle/>
+          <a:p>
+            <a:r>
+              <a:rPr lang="en-US" dirty="0"/>
+              <a:t>Switch1</a:t>
+            </a:r>
+          </a:p>
+        </p:txBody>
+      </p:sp>
+      <p:sp>
+        <p:nvSpPr>
+          <p:cNvPr id="11" name="TextBox 10"/>
+          <p:cNvSpPr txBox="1"/>
+          <p:nvPr/>
+        </p:nvSpPr>
+        <p:spPr>
+          <a:xfrm>
+            <a:off x="4145024" y="5429792"/>
+            <a:ext cx="810543" cy="329001"/>
+          </a:xfrm>
+          <a:prstGeom prst="rect">
+            <a:avLst/>
+          </a:prstGeom>
+          <a:noFill/>
+        </p:spPr>
+        <p:txBody>
+          <a:bodyPr wrap="none" rtlCol="0">
+            <a:spAutoFit/>
+          </a:bodyPr>
+          <a:lstStyle/>
+          <a:p>
+            <a:r>
+              <a:rPr lang="en-US" dirty="0"/>
+              <a:t>Switch2</a:t>
+            </a:r>
+          </a:p>
+        </p:txBody>
+      </p:sp>
+      <p:sp>
+        <p:nvSpPr>
+          <p:cNvPr id="12" name="TextBox 11"/>
+          <p:cNvSpPr txBox="1"/>
+          <p:nvPr/>
+        </p:nvSpPr>
+        <p:spPr>
+          <a:xfrm>
+            <a:off x="5946315" y="5429792"/>
+            <a:ext cx="810543" cy="329001"/>
+          </a:xfrm>
+          <a:prstGeom prst="rect">
+            <a:avLst/>
+          </a:prstGeom>
+          <a:noFill/>
+        </p:spPr>
+        <p:txBody>
+          <a:bodyPr wrap="none" rtlCol="0">
+            <a:spAutoFit/>
+          </a:bodyPr>
+          <a:lstStyle/>
+          <a:p>
+            <a:r>
+              <a:rPr lang="en-US" dirty="0"/>
+              <a:t>Switch3</a:t>
+            </a:r>
+          </a:p>
+        </p:txBody>
+      </p:sp>
+      <p:cxnSp>
+        <p:nvCxnSpPr>
+          <p:cNvPr id="14" name="Straight Connector 13"/>
+          <p:cNvCxnSpPr/>
+          <p:nvPr/>
+        </p:nvCxnSpPr>
+        <p:spPr>
+          <a:xfrm>
+            <a:off x="3394981" y="5247844"/>
+            <a:ext cx="858416" cy="0"/>
+          </a:xfrm>
+          <a:prstGeom prst="line">
+            <a:avLst/>
+          </a:prstGeom>
+          <a:ln w="28575"/>
+        </p:spPr>
+        <p:style>
+          <a:lnRef idx="3">
+            <a:schemeClr val="dk1"/>
+          </a:lnRef>
+          <a:fillRef idx="0">
+            <a:schemeClr val="dk1"/>
+          </a:fillRef>
+          <a:effectRef idx="2">
+            <a:schemeClr val="dk1"/>
+          </a:effectRef>
+          <a:fontRef idx="minor">
+            <a:schemeClr val="tx1"/>
+          </a:fontRef>
+        </p:style>
+      </p:cxnSp>
+      <p:cxnSp>
+        <p:nvCxnSpPr>
+          <p:cNvPr id="16" name="Straight Connector 15"/>
+          <p:cNvCxnSpPr/>
+          <p:nvPr/>
+        </p:nvCxnSpPr>
+        <p:spPr>
+          <a:xfrm>
+            <a:off x="5062326" y="5247844"/>
+            <a:ext cx="883989" cy="0"/>
+          </a:xfrm>
+          <a:prstGeom prst="line">
+            <a:avLst/>
+          </a:prstGeom>
+          <a:ln w="28575"/>
+        </p:spPr>
+        <p:style>
+          <a:lnRef idx="3">
+            <a:schemeClr val="dk1"/>
+          </a:lnRef>
+          <a:fillRef idx="0">
+            <a:schemeClr val="dk1"/>
+          </a:fillRef>
+          <a:effectRef idx="2">
+            <a:schemeClr val="dk1"/>
+          </a:effectRef>
+          <a:fontRef idx="minor">
+            <a:schemeClr val="tx1"/>
+          </a:fontRef>
+        </p:style>
+      </p:cxnSp>
+      <p:sp>
+        <p:nvSpPr>
+          <p:cNvPr id="17" name="Rounded Rectangle 16"/>
+          <p:cNvSpPr/>
+          <p:nvPr/>
+        </p:nvSpPr>
+        <p:spPr>
+          <a:xfrm>
+            <a:off x="2132326" y="3020814"/>
+            <a:ext cx="4798959" cy="1073021"/>
+          </a:xfrm>
+          <a:prstGeom prst="roundRect">
+            <a:avLst/>
+          </a:prstGeom>
+        </p:spPr>
+        <p:style>
+          <a:lnRef idx="2">
+            <a:schemeClr val="accent1">
+              <a:shade val="50000"/>
+            </a:schemeClr>
+          </a:lnRef>
+          <a:fillRef idx="1">
+            <a:schemeClr val="accent1"/>
+          </a:fillRef>
+          <a:effectRef idx="0">
+            <a:schemeClr val="accent1"/>
+          </a:effectRef>
+          <a:fontRef idx="minor">
+            <a:schemeClr val="lt1"/>
+          </a:fontRef>
+        </p:style>
+        <p:txBody>
+          <a:bodyPr rot="0" spcFirstLastPara="0" vertOverflow="overflow" horzOverflow="overflow" vert="horz" wrap="square" lIns="91440" tIns="45720" rIns="91440" bIns="45720" numCol="1" spcCol="0" rtlCol="0" fromWordArt="0" anchor="ctr" anchorCtr="0" forceAA="0" compatLnSpc="1">
+            <a:prstTxWarp prst="textNoShape">
+              <a:avLst/>
+            </a:prstTxWarp>
+            <a:noAutofit/>
+          </a:bodyPr>
+          <a:lstStyle/>
+          <a:p>
+            <a:pPr algn="ctr"/>
+            <a:r>
+              <a:rPr lang="en-US" sz="2400" b="1" dirty="0">
+                <a:solidFill>
+                  <a:sysClr val="windowText" lastClr="000000"/>
+                </a:solidFill>
+              </a:rPr>
+              <a:t>BNV</a:t>
+            </a:r>
+            <a:endParaRPr lang="en-US" b="1" dirty="0">
+              <a:solidFill>
+                <a:sysClr val="windowText" lastClr="000000"/>
+              </a:solidFill>
+            </a:endParaRPr>
+          </a:p>
+        </p:txBody>
+      </p:sp>
+      <p:cxnSp>
+        <p:nvCxnSpPr>
+          <p:cNvPr id="19" name="Straight Arrow Connector 18"/>
+          <p:cNvCxnSpPr>
+            <a:stCxn id="17" idx="2"/>
+            <a:endCxn id="7" idx="0"/>
+          </p:cNvCxnSpPr>
+          <p:nvPr/>
+        </p:nvCxnSpPr>
+        <p:spPr>
+          <a:xfrm flipH="1">
+            <a:off x="2855738" y="4093833"/>
+            <a:ext cx="1676066" cy="869432"/>
+          </a:xfrm>
+          <a:prstGeom prst="straightConnector1">
+            <a:avLst/>
+          </a:prstGeom>
+          <a:ln>
+            <a:prstDash val="dash"/>
+            <a:headEnd type="triangle" w="med" len="med"/>
+            <a:tailEnd type="triangle" w="med" len="med"/>
+          </a:ln>
+        </p:spPr>
+        <p:style>
+          <a:lnRef idx="3">
+            <a:schemeClr val="dk1"/>
+          </a:lnRef>
+          <a:fillRef idx="0">
+            <a:schemeClr val="dk1"/>
+          </a:fillRef>
+          <a:effectRef idx="2">
+            <a:schemeClr val="dk1"/>
+          </a:effectRef>
+          <a:fontRef idx="minor">
+            <a:schemeClr val="tx1"/>
+          </a:fontRef>
+        </p:style>
+      </p:cxnSp>
+      <p:cxnSp>
+        <p:nvCxnSpPr>
+          <p:cNvPr id="21" name="Straight Arrow Connector 20"/>
+          <p:cNvCxnSpPr>
+            <a:stCxn id="17" idx="2"/>
+            <a:endCxn id="8" idx="0"/>
+          </p:cNvCxnSpPr>
+          <p:nvPr/>
+        </p:nvCxnSpPr>
+        <p:spPr>
+          <a:xfrm>
+            <a:off x="4531806" y="4093835"/>
+            <a:ext cx="71869" cy="869431"/>
+          </a:xfrm>
+          <a:prstGeom prst="straightConnector1">
+            <a:avLst/>
+          </a:prstGeom>
+          <a:ln>
+            <a:prstDash val="dash"/>
+            <a:headEnd type="triangle" w="med" len="med"/>
+            <a:tailEnd type="triangle" w="med" len="med"/>
+          </a:ln>
+        </p:spPr>
+        <p:style>
+          <a:lnRef idx="3">
+            <a:schemeClr val="dk1"/>
+          </a:lnRef>
+          <a:fillRef idx="0">
+            <a:schemeClr val="dk1"/>
+          </a:fillRef>
+          <a:effectRef idx="2">
+            <a:schemeClr val="dk1"/>
+          </a:effectRef>
+          <a:fontRef idx="minor">
+            <a:schemeClr val="tx1"/>
+          </a:fontRef>
+        </p:style>
+      </p:cxnSp>
+      <p:cxnSp>
+        <p:nvCxnSpPr>
+          <p:cNvPr id="23" name="Straight Arrow Connector 22"/>
+          <p:cNvCxnSpPr>
+            <a:stCxn id="17" idx="2"/>
+            <a:endCxn id="9" idx="0"/>
+          </p:cNvCxnSpPr>
+          <p:nvPr/>
+        </p:nvCxnSpPr>
+        <p:spPr>
+          <a:xfrm>
+            <a:off x="4531804" y="4093833"/>
+            <a:ext cx="1819804" cy="869430"/>
+          </a:xfrm>
+          <a:prstGeom prst="straightConnector1">
+            <a:avLst/>
+          </a:prstGeom>
+          <a:ln>
+            <a:prstDash val="dash"/>
+            <a:headEnd type="triangle" w="med" len="med"/>
+            <a:tailEnd type="triangle" w="med" len="med"/>
+          </a:ln>
+        </p:spPr>
+        <p:style>
+          <a:lnRef idx="3">
+            <a:schemeClr val="dk1"/>
+          </a:lnRef>
+          <a:fillRef idx="0">
+            <a:schemeClr val="dk1"/>
+          </a:fillRef>
+          <a:effectRef idx="2">
+            <a:schemeClr val="dk1"/>
+          </a:effectRef>
+          <a:fontRef idx="minor">
+            <a:schemeClr val="tx1"/>
+          </a:fontRef>
+        </p:style>
+      </p:cxnSp>
+      <p:sp>
+        <p:nvSpPr>
+          <p:cNvPr id="24" name="TextBox 23"/>
+          <p:cNvSpPr txBox="1"/>
+          <p:nvPr/>
+        </p:nvSpPr>
+        <p:spPr>
+          <a:xfrm>
+            <a:off x="2667627" y="4266980"/>
+            <a:ext cx="1001428" cy="329001"/>
+          </a:xfrm>
+          <a:prstGeom prst="rect">
+            <a:avLst/>
+          </a:prstGeom>
+          <a:noFill/>
+        </p:spPr>
+        <p:txBody>
+          <a:bodyPr wrap="none" rtlCol="0">
+            <a:spAutoFit/>
+          </a:bodyPr>
+          <a:lstStyle/>
+          <a:p>
+            <a:r>
+              <a:rPr lang="en-US" dirty="0" err="1"/>
+              <a:t>OpenFlow</a:t>
+            </a:r>
+            <a:endParaRPr lang="en-US" dirty="0"/>
+          </a:p>
+        </p:txBody>
+      </p:sp>
+      <p:sp>
+        <p:nvSpPr>
+          <p:cNvPr id="28" name="Rounded Rectangle 27"/>
+          <p:cNvSpPr/>
+          <p:nvPr/>
+        </p:nvSpPr>
+        <p:spPr>
+          <a:xfrm>
+            <a:off x="3579155" y="3738668"/>
+            <a:ext cx="1875453" cy="345763"/>
           </a:xfrm>
           <a:prstGeom prst="roundRect">
             <a:avLst/>
@@ -5448,18 +6991,1807 @@
           <a:p>
             <a:pPr algn="ctr"/>
             <a:r>
-              <a:rPr lang="en-US" dirty="0" smtClean="0">
+              <a:rPr lang="en-US" dirty="0">
                 <a:solidFill>
                   <a:schemeClr val="tx1"/>
                 </a:solidFill>
               </a:rPr>
-              <a:t>Network Mapper</a:t>
-            </a:r>
-            <a:endParaRPr lang="en-US" dirty="0">
-              <a:solidFill>
-                <a:schemeClr val="tx1"/>
-              </a:solidFill>
-            </a:endParaRPr>
+              <a:t>Flow Translation</a:t>
+            </a:r>
+          </a:p>
+        </p:txBody>
+      </p:sp>
+      <p:sp>
+        <p:nvSpPr>
+          <p:cNvPr id="29" name="Rounded Rectangle 28"/>
+          <p:cNvSpPr/>
+          <p:nvPr/>
+        </p:nvSpPr>
+        <p:spPr>
+          <a:xfrm>
+            <a:off x="3579156" y="3023564"/>
+            <a:ext cx="1871124" cy="374121"/>
+          </a:xfrm>
+          <a:prstGeom prst="roundRect">
+            <a:avLst/>
+          </a:prstGeom>
+          <a:solidFill>
+            <a:schemeClr val="accent2">
+              <a:lumMod val="60000"/>
+              <a:lumOff val="40000"/>
+            </a:schemeClr>
+          </a:solidFill>
+        </p:spPr>
+        <p:style>
+          <a:lnRef idx="2">
+            <a:schemeClr val="accent2">
+              <a:shade val="50000"/>
+            </a:schemeClr>
+          </a:lnRef>
+          <a:fillRef idx="1">
+            <a:schemeClr val="accent2"/>
+          </a:fillRef>
+          <a:effectRef idx="0">
+            <a:schemeClr val="accent2"/>
+          </a:effectRef>
+          <a:fontRef idx="minor">
+            <a:schemeClr val="lt1"/>
+          </a:fontRef>
+        </p:style>
+        <p:txBody>
+          <a:bodyPr rot="0" spcFirstLastPara="0" vertOverflow="overflow" horzOverflow="overflow" vert="horz" wrap="square" lIns="91440" tIns="45720" rIns="91440" bIns="45720" numCol="1" spcCol="0" rtlCol="0" fromWordArt="0" anchor="ctr" anchorCtr="0" forceAA="0" compatLnSpc="1">
+            <a:prstTxWarp prst="textNoShape">
+              <a:avLst/>
+            </a:prstTxWarp>
+            <a:noAutofit/>
+          </a:bodyPr>
+          <a:lstStyle/>
+          <a:p>
+            <a:pPr algn="ctr"/>
+            <a:r>
+              <a:rPr lang="en-US" dirty="0">
+                <a:solidFill>
+                  <a:schemeClr val="tx1"/>
+                </a:solidFill>
+              </a:rPr>
+              <a:t>Topology Abstraction</a:t>
+            </a:r>
+          </a:p>
+        </p:txBody>
+      </p:sp>
+      <p:sp>
+        <p:nvSpPr>
+          <p:cNvPr id="32" name="Rectangle 31"/>
+          <p:cNvSpPr/>
+          <p:nvPr/>
+        </p:nvSpPr>
+        <p:spPr>
+          <a:xfrm>
+            <a:off x="2441459" y="257052"/>
+            <a:ext cx="2408276" cy="1894114"/>
+          </a:xfrm>
+          <a:prstGeom prst="rect">
+            <a:avLst/>
+          </a:prstGeom>
+        </p:spPr>
+        <p:style>
+          <a:lnRef idx="2">
+            <a:schemeClr val="dk1"/>
+          </a:lnRef>
+          <a:fillRef idx="1">
+            <a:schemeClr val="lt1"/>
+          </a:fillRef>
+          <a:effectRef idx="0">
+            <a:schemeClr val="dk1"/>
+          </a:effectRef>
+          <a:fontRef idx="minor">
+            <a:schemeClr val="dk1"/>
+          </a:fontRef>
+        </p:style>
+        <p:txBody>
+          <a:bodyPr rot="0" spcFirstLastPara="0" vertOverflow="overflow" horzOverflow="overflow" vert="horz" wrap="square" lIns="91440" tIns="45720" rIns="91440" bIns="45720" numCol="1" spcCol="0" rtlCol="0" fromWordArt="0" anchor="ctr" anchorCtr="0" forceAA="0" compatLnSpc="1">
+            <a:prstTxWarp prst="textNoShape">
+              <a:avLst/>
+            </a:prstTxWarp>
+            <a:noAutofit/>
+          </a:bodyPr>
+          <a:lstStyle/>
+          <a:p>
+            <a:pPr algn="ctr"/>
+            <a:endParaRPr lang="en-US"/>
+          </a:p>
+        </p:txBody>
+      </p:sp>
+      <p:sp>
+        <p:nvSpPr>
+          <p:cNvPr id="33" name="Rectangle 32"/>
+          <p:cNvSpPr/>
+          <p:nvPr/>
+        </p:nvSpPr>
+        <p:spPr>
+          <a:xfrm>
+            <a:off x="4848421" y="255207"/>
+            <a:ext cx="2404872" cy="1894114"/>
+          </a:xfrm>
+          <a:prstGeom prst="rect">
+            <a:avLst/>
+          </a:prstGeom>
+        </p:spPr>
+        <p:style>
+          <a:lnRef idx="2">
+            <a:schemeClr val="dk1"/>
+          </a:lnRef>
+          <a:fillRef idx="1">
+            <a:schemeClr val="lt1"/>
+          </a:fillRef>
+          <a:effectRef idx="0">
+            <a:schemeClr val="dk1"/>
+          </a:effectRef>
+          <a:fontRef idx="minor">
+            <a:schemeClr val="dk1"/>
+          </a:fontRef>
+        </p:style>
+        <p:txBody>
+          <a:bodyPr rot="0" spcFirstLastPara="0" vertOverflow="overflow" horzOverflow="overflow" vert="horz" wrap="square" lIns="91440" tIns="45720" rIns="91440" bIns="45720" numCol="1" spcCol="0" rtlCol="0" fromWordArt="0" anchor="ctr" anchorCtr="0" forceAA="0" compatLnSpc="1">
+            <a:prstTxWarp prst="textNoShape">
+              <a:avLst/>
+            </a:prstTxWarp>
+            <a:noAutofit/>
+          </a:bodyPr>
+          <a:lstStyle/>
+          <a:p>
+            <a:pPr algn="ctr"/>
+            <a:endParaRPr lang="en-US"/>
+          </a:p>
+        </p:txBody>
+      </p:sp>
+      <p:cxnSp>
+        <p:nvCxnSpPr>
+          <p:cNvPr id="36" name="Straight Arrow Connector 35"/>
+          <p:cNvCxnSpPr>
+            <a:cxnSpLocks/>
+            <a:stCxn id="17" idx="0"/>
+            <a:endCxn id="31" idx="2"/>
+          </p:cNvCxnSpPr>
+          <p:nvPr/>
+        </p:nvCxnSpPr>
+        <p:spPr>
+          <a:xfrm flipH="1" flipV="1">
+            <a:off x="1228256" y="2151380"/>
+            <a:ext cx="3303550" cy="869434"/>
+          </a:xfrm>
+          <a:prstGeom prst="straightConnector1">
+            <a:avLst/>
+          </a:prstGeom>
+          <a:ln>
+            <a:tailEnd type="triangle"/>
+          </a:ln>
+        </p:spPr>
+        <p:style>
+          <a:lnRef idx="3">
+            <a:schemeClr val="dk1"/>
+          </a:lnRef>
+          <a:fillRef idx="0">
+            <a:schemeClr val="dk1"/>
+          </a:fillRef>
+          <a:effectRef idx="2">
+            <a:schemeClr val="dk1"/>
+          </a:effectRef>
+          <a:fontRef idx="minor">
+            <a:schemeClr val="tx1"/>
+          </a:fontRef>
+        </p:style>
+      </p:cxnSp>
+      <p:cxnSp>
+        <p:nvCxnSpPr>
+          <p:cNvPr id="38" name="Straight Arrow Connector 37"/>
+          <p:cNvCxnSpPr>
+            <a:cxnSpLocks/>
+            <a:stCxn id="17" idx="0"/>
+            <a:endCxn id="32" idx="2"/>
+          </p:cNvCxnSpPr>
+          <p:nvPr/>
+        </p:nvCxnSpPr>
+        <p:spPr>
+          <a:xfrm flipH="1" flipV="1">
+            <a:off x="3645597" y="2151166"/>
+            <a:ext cx="886209" cy="869648"/>
+          </a:xfrm>
+          <a:prstGeom prst="straightConnector1">
+            <a:avLst/>
+          </a:prstGeom>
+          <a:ln>
+            <a:tailEnd type="triangle"/>
+          </a:ln>
+        </p:spPr>
+        <p:style>
+          <a:lnRef idx="3">
+            <a:schemeClr val="dk1"/>
+          </a:lnRef>
+          <a:fillRef idx="0">
+            <a:schemeClr val="dk1"/>
+          </a:fillRef>
+          <a:effectRef idx="2">
+            <a:schemeClr val="dk1"/>
+          </a:effectRef>
+          <a:fontRef idx="minor">
+            <a:schemeClr val="tx1"/>
+          </a:fontRef>
+        </p:style>
+      </p:cxnSp>
+      <p:cxnSp>
+        <p:nvCxnSpPr>
+          <p:cNvPr id="40" name="Straight Arrow Connector 39"/>
+          <p:cNvCxnSpPr>
+            <a:cxnSpLocks/>
+            <a:stCxn id="17" idx="0"/>
+            <a:endCxn id="33" idx="2"/>
+          </p:cNvCxnSpPr>
+          <p:nvPr/>
+        </p:nvCxnSpPr>
+        <p:spPr>
+          <a:xfrm flipV="1">
+            <a:off x="4531806" y="2149321"/>
+            <a:ext cx="1519051" cy="871493"/>
+          </a:xfrm>
+          <a:prstGeom prst="straightConnector1">
+            <a:avLst/>
+          </a:prstGeom>
+          <a:ln>
+            <a:tailEnd type="triangle"/>
+          </a:ln>
+        </p:spPr>
+        <p:style>
+          <a:lnRef idx="3">
+            <a:schemeClr val="dk1"/>
+          </a:lnRef>
+          <a:fillRef idx="0">
+            <a:schemeClr val="dk1"/>
+          </a:fillRef>
+          <a:effectRef idx="2">
+            <a:schemeClr val="dk1"/>
+          </a:effectRef>
+          <a:fontRef idx="minor">
+            <a:schemeClr val="tx1"/>
+          </a:fontRef>
+        </p:style>
+      </p:cxnSp>
+      <p:sp>
+        <p:nvSpPr>
+          <p:cNvPr id="41" name="TextBox 40"/>
+          <p:cNvSpPr txBox="1"/>
+          <p:nvPr/>
+        </p:nvSpPr>
+        <p:spPr>
+          <a:xfrm>
+            <a:off x="722030" y="226793"/>
+            <a:ext cx="872226" cy="329001"/>
+          </a:xfrm>
+          <a:prstGeom prst="rect">
+            <a:avLst/>
+          </a:prstGeom>
+          <a:noFill/>
+        </p:spPr>
+        <p:txBody>
+          <a:bodyPr wrap="none" rtlCol="0">
+            <a:spAutoFit/>
+          </a:bodyPr>
+          <a:lstStyle/>
+          <a:p>
+            <a:r>
+              <a:rPr lang="en-US" dirty="0"/>
+              <a:t>Tenant 1</a:t>
+            </a:r>
+          </a:p>
+        </p:txBody>
+      </p:sp>
+      <p:sp>
+        <p:nvSpPr>
+          <p:cNvPr id="42" name="TextBox 41"/>
+          <p:cNvSpPr txBox="1"/>
+          <p:nvPr/>
+        </p:nvSpPr>
+        <p:spPr>
+          <a:xfrm>
+            <a:off x="3275191" y="233217"/>
+            <a:ext cx="872226" cy="329001"/>
+          </a:xfrm>
+          <a:prstGeom prst="rect">
+            <a:avLst/>
+          </a:prstGeom>
+          <a:noFill/>
+        </p:spPr>
+        <p:txBody>
+          <a:bodyPr wrap="none" rtlCol="0">
+            <a:spAutoFit/>
+          </a:bodyPr>
+          <a:lstStyle/>
+          <a:p>
+            <a:r>
+              <a:rPr lang="en-US" dirty="0"/>
+              <a:t>Tenant 2</a:t>
+            </a:r>
+          </a:p>
+        </p:txBody>
+      </p:sp>
+      <p:sp>
+        <p:nvSpPr>
+          <p:cNvPr id="43" name="TextBox 42"/>
+          <p:cNvSpPr txBox="1"/>
+          <p:nvPr/>
+        </p:nvSpPr>
+        <p:spPr>
+          <a:xfrm>
+            <a:off x="5713082" y="233217"/>
+            <a:ext cx="872226" cy="329001"/>
+          </a:xfrm>
+          <a:prstGeom prst="rect">
+            <a:avLst/>
+          </a:prstGeom>
+          <a:noFill/>
+        </p:spPr>
+        <p:txBody>
+          <a:bodyPr wrap="none" rtlCol="0">
+            <a:spAutoFit/>
+          </a:bodyPr>
+          <a:lstStyle/>
+          <a:p>
+            <a:r>
+              <a:rPr lang="en-US" dirty="0"/>
+              <a:t>Tenant 3</a:t>
+            </a:r>
+          </a:p>
+        </p:txBody>
+      </p:sp>
+      <p:sp>
+        <p:nvSpPr>
+          <p:cNvPr id="50" name="Rounded Rectangle 49"/>
+          <p:cNvSpPr/>
+          <p:nvPr/>
+        </p:nvSpPr>
+        <p:spPr>
+          <a:xfrm>
+            <a:off x="467382" y="693413"/>
+            <a:ext cx="1272155" cy="385637"/>
+          </a:xfrm>
+          <a:prstGeom prst="roundRect">
+            <a:avLst/>
+          </a:prstGeom>
+        </p:spPr>
+        <p:style>
+          <a:lnRef idx="2">
+            <a:schemeClr val="accent3">
+              <a:shade val="50000"/>
+            </a:schemeClr>
+          </a:lnRef>
+          <a:fillRef idx="1">
+            <a:schemeClr val="accent3"/>
+          </a:fillRef>
+          <a:effectRef idx="0">
+            <a:schemeClr val="accent3"/>
+          </a:effectRef>
+          <a:fontRef idx="minor">
+            <a:schemeClr val="lt1"/>
+          </a:fontRef>
+        </p:style>
+        <p:txBody>
+          <a:bodyPr rot="0" spcFirstLastPara="0" vertOverflow="overflow" horzOverflow="overflow" vert="horz" wrap="square" lIns="91440" tIns="45720" rIns="91440" bIns="45720" numCol="1" spcCol="0" rtlCol="0" fromWordArt="0" anchor="ctr" anchorCtr="0" forceAA="0" compatLnSpc="1">
+            <a:prstTxWarp prst="textNoShape">
+              <a:avLst/>
+            </a:prstTxWarp>
+            <a:noAutofit/>
+          </a:bodyPr>
+          <a:lstStyle/>
+          <a:p>
+            <a:pPr algn="ctr"/>
+            <a:r>
+              <a:rPr lang="en-US" sz="1400" dirty="0" err="1">
+                <a:solidFill>
+                  <a:schemeClr val="tx1"/>
+                </a:solidFill>
+              </a:rPr>
+              <a:t>OpenDaylight</a:t>
+            </a:r>
+            <a:r>
+              <a:rPr lang="en-US" sz="1400" dirty="0">
+                <a:solidFill>
+                  <a:schemeClr val="tx1"/>
+                </a:solidFill>
+              </a:rPr>
+              <a:t> Controller</a:t>
+            </a:r>
+          </a:p>
+        </p:txBody>
+      </p:sp>
+      <p:pic>
+        <p:nvPicPr>
+          <p:cNvPr id="51" name="Picture 2" descr="https://openclipart.org/image/2400px/svg_to_png/215022/blue-switch.png"/>
+          <p:cNvPicPr>
+            <a:picLocks noChangeAspect="1" noChangeArrowheads="1"/>
+          </p:cNvPicPr>
+          <p:nvPr/>
+        </p:nvPicPr>
+        <p:blipFill>
+          <a:blip r:embed="rId3" cstate="print">
+            <a:extLst>
+              <a:ext uri="{28A0092B-C50C-407E-A947-70E740481C1C}">
+                <a14:useLocalDpi xmlns:a14="http://schemas.microsoft.com/office/drawing/2010/main" val="0"/>
+              </a:ext>
+            </a:extLst>
+          </a:blip>
+          <a:srcRect/>
+          <a:stretch>
+            <a:fillRect/>
+          </a:stretch>
+        </p:blipFill>
+        <p:spPr bwMode="auto">
+          <a:xfrm flipH="1">
+            <a:off x="257514" y="1533916"/>
+            <a:ext cx="497419" cy="195678"/>
+          </a:xfrm>
+          <a:prstGeom prst="rect">
+            <a:avLst/>
+          </a:prstGeom>
+          <a:noFill/>
+          <a:extLst>
+            <a:ext uri="{909E8E84-426E-40DD-AFC4-6F175D3DCCD1}">
+              <a14:hiddenFill xmlns:a14="http://schemas.microsoft.com/office/drawing/2010/main">
+                <a:solidFill>
+                  <a:srgbClr val="FFFFFF"/>
+                </a:solidFill>
+              </a14:hiddenFill>
+            </a:ext>
+          </a:extLst>
+        </p:spPr>
+      </p:pic>
+      <p:pic>
+        <p:nvPicPr>
+          <p:cNvPr id="52" name="Picture 2" descr="https://openclipart.org/image/2400px/svg_to_png/215022/blue-switch.png"/>
+          <p:cNvPicPr>
+            <a:picLocks noChangeAspect="1" noChangeArrowheads="1"/>
+          </p:cNvPicPr>
+          <p:nvPr/>
+        </p:nvPicPr>
+        <p:blipFill>
+          <a:blip r:embed="rId3" cstate="print">
+            <a:extLst>
+              <a:ext uri="{28A0092B-C50C-407E-A947-70E740481C1C}">
+                <a14:useLocalDpi xmlns:a14="http://schemas.microsoft.com/office/drawing/2010/main" val="0"/>
+              </a:ext>
+            </a:extLst>
+          </a:blip>
+          <a:srcRect/>
+          <a:stretch>
+            <a:fillRect/>
+          </a:stretch>
+        </p:blipFill>
+        <p:spPr bwMode="auto">
+          <a:xfrm flipH="1">
+            <a:off x="1809798" y="1838038"/>
+            <a:ext cx="497419" cy="195678"/>
+          </a:xfrm>
+          <a:prstGeom prst="rect">
+            <a:avLst/>
+          </a:prstGeom>
+          <a:noFill/>
+          <a:extLst>
+            <a:ext uri="{909E8E84-426E-40DD-AFC4-6F175D3DCCD1}">
+              <a14:hiddenFill xmlns:a14="http://schemas.microsoft.com/office/drawing/2010/main">
+                <a:solidFill>
+                  <a:srgbClr val="FFFFFF"/>
+                </a:solidFill>
+              </a14:hiddenFill>
+            </a:ext>
+          </a:extLst>
+        </p:spPr>
+      </p:pic>
+      <p:pic>
+        <p:nvPicPr>
+          <p:cNvPr id="53" name="Picture 2" descr="https://openclipart.org/image/2400px/svg_to_png/215022/blue-switch.png"/>
+          <p:cNvPicPr>
+            <a:picLocks noChangeAspect="1" noChangeArrowheads="1"/>
+          </p:cNvPicPr>
+          <p:nvPr/>
+        </p:nvPicPr>
+        <p:blipFill>
+          <a:blip r:embed="rId3" cstate="print">
+            <a:extLst>
+              <a:ext uri="{28A0092B-C50C-407E-A947-70E740481C1C}">
+                <a14:useLocalDpi xmlns:a14="http://schemas.microsoft.com/office/drawing/2010/main" val="0"/>
+              </a:ext>
+            </a:extLst>
+          </a:blip>
+          <a:srcRect/>
+          <a:stretch>
+            <a:fillRect/>
+          </a:stretch>
+        </p:blipFill>
+        <p:spPr bwMode="auto">
+          <a:xfrm flipH="1">
+            <a:off x="585818" y="1842563"/>
+            <a:ext cx="497419" cy="195678"/>
+          </a:xfrm>
+          <a:prstGeom prst="rect">
+            <a:avLst/>
+          </a:prstGeom>
+          <a:noFill/>
+          <a:extLst>
+            <a:ext uri="{909E8E84-426E-40DD-AFC4-6F175D3DCCD1}">
+              <a14:hiddenFill xmlns:a14="http://schemas.microsoft.com/office/drawing/2010/main">
+                <a:solidFill>
+                  <a:srgbClr val="FFFFFF"/>
+                </a:solidFill>
+              </a14:hiddenFill>
+            </a:ext>
+          </a:extLst>
+        </p:spPr>
+      </p:pic>
+      <p:pic>
+        <p:nvPicPr>
+          <p:cNvPr id="54" name="Picture 2" descr="https://openclipart.org/image/2400px/svg_to_png/215022/blue-switch.png"/>
+          <p:cNvPicPr>
+            <a:picLocks noChangeAspect="1" noChangeArrowheads="1"/>
+          </p:cNvPicPr>
+          <p:nvPr/>
+        </p:nvPicPr>
+        <p:blipFill>
+          <a:blip r:embed="rId3" cstate="print">
+            <a:extLst>
+              <a:ext uri="{28A0092B-C50C-407E-A947-70E740481C1C}">
+                <a14:useLocalDpi xmlns:a14="http://schemas.microsoft.com/office/drawing/2010/main" val="0"/>
+              </a:ext>
+            </a:extLst>
+          </a:blip>
+          <a:srcRect/>
+          <a:stretch>
+            <a:fillRect/>
+          </a:stretch>
+        </p:blipFill>
+        <p:spPr bwMode="auto">
+          <a:xfrm flipH="1">
+            <a:off x="24528" y="1842563"/>
+            <a:ext cx="497419" cy="195678"/>
+          </a:xfrm>
+          <a:prstGeom prst="rect">
+            <a:avLst/>
+          </a:prstGeom>
+          <a:noFill/>
+          <a:extLst>
+            <a:ext uri="{909E8E84-426E-40DD-AFC4-6F175D3DCCD1}">
+              <a14:hiddenFill xmlns:a14="http://schemas.microsoft.com/office/drawing/2010/main">
+                <a:solidFill>
+                  <a:srgbClr val="FFFFFF"/>
+                </a:solidFill>
+              </a14:hiddenFill>
+            </a:ext>
+          </a:extLst>
+        </p:spPr>
+      </p:pic>
+      <p:pic>
+        <p:nvPicPr>
+          <p:cNvPr id="55" name="Picture 2" descr="https://openclipart.org/image/2400px/svg_to_png/215022/blue-switch.png"/>
+          <p:cNvPicPr>
+            <a:picLocks noChangeAspect="1" noChangeArrowheads="1"/>
+          </p:cNvPicPr>
+          <p:nvPr/>
+        </p:nvPicPr>
+        <p:blipFill>
+          <a:blip r:embed="rId3" cstate="print">
+            <a:extLst>
+              <a:ext uri="{28A0092B-C50C-407E-A947-70E740481C1C}">
+                <a14:useLocalDpi xmlns:a14="http://schemas.microsoft.com/office/drawing/2010/main" val="0"/>
+              </a:ext>
+            </a:extLst>
+          </a:blip>
+          <a:srcRect/>
+          <a:stretch>
+            <a:fillRect/>
+          </a:stretch>
+        </p:blipFill>
+        <p:spPr bwMode="auto">
+          <a:xfrm flipH="1">
+            <a:off x="1225132" y="1838038"/>
+            <a:ext cx="497419" cy="195678"/>
+          </a:xfrm>
+          <a:prstGeom prst="rect">
+            <a:avLst/>
+          </a:prstGeom>
+          <a:noFill/>
+          <a:extLst>
+            <a:ext uri="{909E8E84-426E-40DD-AFC4-6F175D3DCCD1}">
+              <a14:hiddenFill xmlns:a14="http://schemas.microsoft.com/office/drawing/2010/main">
+                <a:solidFill>
+                  <a:srgbClr val="FFFFFF"/>
+                </a:solidFill>
+              </a14:hiddenFill>
+            </a:ext>
+          </a:extLst>
+        </p:spPr>
+      </p:pic>
+      <p:pic>
+        <p:nvPicPr>
+          <p:cNvPr id="56" name="Picture 2" descr="https://openclipart.org/image/2400px/svg_to_png/215022/blue-switch.png"/>
+          <p:cNvPicPr>
+            <a:picLocks noChangeAspect="1" noChangeArrowheads="1"/>
+          </p:cNvPicPr>
+          <p:nvPr/>
+        </p:nvPicPr>
+        <p:blipFill>
+          <a:blip r:embed="rId3" cstate="print">
+            <a:extLst>
+              <a:ext uri="{28A0092B-C50C-407E-A947-70E740481C1C}">
+                <a14:useLocalDpi xmlns:a14="http://schemas.microsoft.com/office/drawing/2010/main" val="0"/>
+              </a:ext>
+            </a:extLst>
+          </a:blip>
+          <a:srcRect/>
+          <a:stretch>
+            <a:fillRect/>
+          </a:stretch>
+        </p:blipFill>
+        <p:spPr bwMode="auto">
+          <a:xfrm flipH="1">
+            <a:off x="2572424" y="1602808"/>
+            <a:ext cx="497419" cy="195678"/>
+          </a:xfrm>
+          <a:prstGeom prst="rect">
+            <a:avLst/>
+          </a:prstGeom>
+          <a:noFill/>
+          <a:extLst>
+            <a:ext uri="{909E8E84-426E-40DD-AFC4-6F175D3DCCD1}">
+              <a14:hiddenFill xmlns:a14="http://schemas.microsoft.com/office/drawing/2010/main">
+                <a:solidFill>
+                  <a:srgbClr val="FFFFFF"/>
+                </a:solidFill>
+              </a14:hiddenFill>
+            </a:ext>
+          </a:extLst>
+        </p:spPr>
+      </p:pic>
+      <p:pic>
+        <p:nvPicPr>
+          <p:cNvPr id="58" name="Picture 2" descr="https://openclipart.org/image/2400px/svg_to_png/215022/blue-switch.png"/>
+          <p:cNvPicPr>
+            <a:picLocks noChangeAspect="1" noChangeArrowheads="1"/>
+          </p:cNvPicPr>
+          <p:nvPr/>
+        </p:nvPicPr>
+        <p:blipFill>
+          <a:blip r:embed="rId3" cstate="print">
+            <a:extLst>
+              <a:ext uri="{28A0092B-C50C-407E-A947-70E740481C1C}">
+                <a14:useLocalDpi xmlns:a14="http://schemas.microsoft.com/office/drawing/2010/main" val="0"/>
+              </a:ext>
+            </a:extLst>
+          </a:blip>
+          <a:srcRect/>
+          <a:stretch>
+            <a:fillRect/>
+          </a:stretch>
+        </p:blipFill>
+        <p:spPr bwMode="auto">
+          <a:xfrm flipH="1">
+            <a:off x="1473841" y="1534814"/>
+            <a:ext cx="497419" cy="195678"/>
+          </a:xfrm>
+          <a:prstGeom prst="rect">
+            <a:avLst/>
+          </a:prstGeom>
+          <a:noFill/>
+          <a:extLst>
+            <a:ext uri="{909E8E84-426E-40DD-AFC4-6F175D3DCCD1}">
+              <a14:hiddenFill xmlns:a14="http://schemas.microsoft.com/office/drawing/2010/main">
+                <a:solidFill>
+                  <a:srgbClr val="FFFFFF"/>
+                </a:solidFill>
+              </a14:hiddenFill>
+            </a:ext>
+          </a:extLst>
+        </p:spPr>
+      </p:pic>
+      <p:pic>
+        <p:nvPicPr>
+          <p:cNvPr id="59" name="Picture 2" descr="https://openclipart.org/image/2400px/svg_to_png/215022/blue-switch.png"/>
+          <p:cNvPicPr>
+            <a:picLocks noChangeAspect="1" noChangeArrowheads="1"/>
+          </p:cNvPicPr>
+          <p:nvPr/>
+        </p:nvPicPr>
+        <p:blipFill>
+          <a:blip r:embed="rId3" cstate="print">
+            <a:extLst>
+              <a:ext uri="{28A0092B-C50C-407E-A947-70E740481C1C}">
+                <a14:useLocalDpi xmlns:a14="http://schemas.microsoft.com/office/drawing/2010/main" val="0"/>
+              </a:ext>
+            </a:extLst>
+          </a:blip>
+          <a:srcRect/>
+          <a:stretch>
+            <a:fillRect/>
+          </a:stretch>
+        </p:blipFill>
+        <p:spPr bwMode="auto">
+          <a:xfrm flipH="1">
+            <a:off x="894321" y="1203687"/>
+            <a:ext cx="497419" cy="195678"/>
+          </a:xfrm>
+          <a:prstGeom prst="rect">
+            <a:avLst/>
+          </a:prstGeom>
+          <a:noFill/>
+          <a:extLst>
+            <a:ext uri="{909E8E84-426E-40DD-AFC4-6F175D3DCCD1}">
+              <a14:hiddenFill xmlns:a14="http://schemas.microsoft.com/office/drawing/2010/main">
+                <a:solidFill>
+                  <a:srgbClr val="FFFFFF"/>
+                </a:solidFill>
+              </a14:hiddenFill>
+            </a:ext>
+          </a:extLst>
+        </p:spPr>
+      </p:pic>
+      <p:cxnSp>
+        <p:nvCxnSpPr>
+          <p:cNvPr id="63" name="Straight Connector 62"/>
+          <p:cNvCxnSpPr>
+            <a:stCxn id="51" idx="0"/>
+          </p:cNvCxnSpPr>
+          <p:nvPr/>
+        </p:nvCxnSpPr>
+        <p:spPr>
+          <a:xfrm flipV="1">
+            <a:off x="506221" y="1311941"/>
+            <a:ext cx="489766" cy="221977"/>
+          </a:xfrm>
+          <a:prstGeom prst="line">
+            <a:avLst/>
+          </a:prstGeom>
+        </p:spPr>
+        <p:style>
+          <a:lnRef idx="1">
+            <a:schemeClr val="dk1"/>
+          </a:lnRef>
+          <a:fillRef idx="0">
+            <a:schemeClr val="dk1"/>
+          </a:fillRef>
+          <a:effectRef idx="0">
+            <a:schemeClr val="dk1"/>
+          </a:effectRef>
+          <a:fontRef idx="minor">
+            <a:schemeClr val="tx1"/>
+          </a:fontRef>
+        </p:style>
+      </p:cxnSp>
+      <p:cxnSp>
+        <p:nvCxnSpPr>
+          <p:cNvPr id="65" name="Straight Connector 64"/>
+          <p:cNvCxnSpPr>
+            <a:cxnSpLocks/>
+          </p:cNvCxnSpPr>
+          <p:nvPr/>
+        </p:nvCxnSpPr>
+        <p:spPr>
+          <a:xfrm flipV="1">
+            <a:off x="243007" y="1664386"/>
+            <a:ext cx="176630" cy="178179"/>
+          </a:xfrm>
+          <a:prstGeom prst="line">
+            <a:avLst/>
+          </a:prstGeom>
+        </p:spPr>
+        <p:style>
+          <a:lnRef idx="1">
+            <a:schemeClr val="dk1"/>
+          </a:lnRef>
+          <a:fillRef idx="0">
+            <a:schemeClr val="dk1"/>
+          </a:fillRef>
+          <a:effectRef idx="0">
+            <a:schemeClr val="dk1"/>
+          </a:effectRef>
+          <a:fontRef idx="minor">
+            <a:schemeClr val="tx1"/>
+          </a:fontRef>
+        </p:style>
+      </p:cxnSp>
+      <p:cxnSp>
+        <p:nvCxnSpPr>
+          <p:cNvPr id="67" name="Straight Connector 66"/>
+          <p:cNvCxnSpPr>
+            <a:cxnSpLocks/>
+            <a:stCxn id="53" idx="0"/>
+          </p:cNvCxnSpPr>
+          <p:nvPr/>
+        </p:nvCxnSpPr>
+        <p:spPr>
+          <a:xfrm flipH="1" flipV="1">
+            <a:off x="593015" y="1631755"/>
+            <a:ext cx="241510" cy="210808"/>
+          </a:xfrm>
+          <a:prstGeom prst="line">
+            <a:avLst/>
+          </a:prstGeom>
+        </p:spPr>
+        <p:style>
+          <a:lnRef idx="1">
+            <a:schemeClr val="dk1"/>
+          </a:lnRef>
+          <a:fillRef idx="0">
+            <a:schemeClr val="dk1"/>
+          </a:fillRef>
+          <a:effectRef idx="0">
+            <a:schemeClr val="dk1"/>
+          </a:effectRef>
+          <a:fontRef idx="minor">
+            <a:schemeClr val="tx1"/>
+          </a:fontRef>
+        </p:style>
+      </p:cxnSp>
+      <p:cxnSp>
+        <p:nvCxnSpPr>
+          <p:cNvPr id="69" name="Straight Connector 68"/>
+          <p:cNvCxnSpPr>
+            <a:cxnSpLocks/>
+            <a:stCxn id="55" idx="0"/>
+          </p:cNvCxnSpPr>
+          <p:nvPr/>
+        </p:nvCxnSpPr>
+        <p:spPr>
+          <a:xfrm flipV="1">
+            <a:off x="1473839" y="1639407"/>
+            <a:ext cx="137118" cy="198633"/>
+          </a:xfrm>
+          <a:prstGeom prst="line">
+            <a:avLst/>
+          </a:prstGeom>
+        </p:spPr>
+        <p:style>
+          <a:lnRef idx="1">
+            <a:schemeClr val="dk1"/>
+          </a:lnRef>
+          <a:fillRef idx="0">
+            <a:schemeClr val="dk1"/>
+          </a:fillRef>
+          <a:effectRef idx="0">
+            <a:schemeClr val="dk1"/>
+          </a:effectRef>
+          <a:fontRef idx="minor">
+            <a:schemeClr val="tx1"/>
+          </a:fontRef>
+        </p:style>
+      </p:cxnSp>
+      <p:cxnSp>
+        <p:nvCxnSpPr>
+          <p:cNvPr id="71" name="Straight Connector 70"/>
+          <p:cNvCxnSpPr>
+            <a:cxnSpLocks/>
+            <a:stCxn id="52" idx="0"/>
+          </p:cNvCxnSpPr>
+          <p:nvPr/>
+        </p:nvCxnSpPr>
+        <p:spPr>
+          <a:xfrm flipH="1" flipV="1">
+            <a:off x="1836751" y="1664384"/>
+            <a:ext cx="221754" cy="173654"/>
+          </a:xfrm>
+          <a:prstGeom prst="line">
+            <a:avLst/>
+          </a:prstGeom>
+        </p:spPr>
+        <p:style>
+          <a:lnRef idx="1">
+            <a:schemeClr val="dk1"/>
+          </a:lnRef>
+          <a:fillRef idx="0">
+            <a:schemeClr val="dk1"/>
+          </a:fillRef>
+          <a:effectRef idx="0">
+            <a:schemeClr val="dk1"/>
+          </a:effectRef>
+          <a:fontRef idx="minor">
+            <a:schemeClr val="tx1"/>
+          </a:fontRef>
+        </p:style>
+      </p:cxnSp>
+      <p:cxnSp>
+        <p:nvCxnSpPr>
+          <p:cNvPr id="73" name="Straight Connector 72"/>
+          <p:cNvCxnSpPr/>
+          <p:nvPr/>
+        </p:nvCxnSpPr>
+        <p:spPr>
+          <a:xfrm flipH="1" flipV="1">
+            <a:off x="1232785" y="1311941"/>
+            <a:ext cx="464435" cy="221977"/>
+          </a:xfrm>
+          <a:prstGeom prst="line">
+            <a:avLst/>
+          </a:prstGeom>
+        </p:spPr>
+        <p:style>
+          <a:lnRef idx="1">
+            <a:schemeClr val="dk1"/>
+          </a:lnRef>
+          <a:fillRef idx="0">
+            <a:schemeClr val="dk1"/>
+          </a:fillRef>
+          <a:effectRef idx="0">
+            <a:schemeClr val="dk1"/>
+          </a:effectRef>
+          <a:fontRef idx="minor">
+            <a:schemeClr val="tx1"/>
+          </a:fontRef>
+        </p:style>
+      </p:cxnSp>
+      <p:sp>
+        <p:nvSpPr>
+          <p:cNvPr id="77" name="Rounded Rectangle 76"/>
+          <p:cNvSpPr/>
+          <p:nvPr/>
+        </p:nvSpPr>
+        <p:spPr>
+          <a:xfrm>
+            <a:off x="3026264" y="701480"/>
+            <a:ext cx="1272155" cy="385637"/>
+          </a:xfrm>
+          <a:prstGeom prst="roundRect">
+            <a:avLst/>
+          </a:prstGeom>
+        </p:spPr>
+        <p:style>
+          <a:lnRef idx="2">
+            <a:schemeClr val="accent3">
+              <a:shade val="50000"/>
+            </a:schemeClr>
+          </a:lnRef>
+          <a:fillRef idx="1">
+            <a:schemeClr val="accent3"/>
+          </a:fillRef>
+          <a:effectRef idx="0">
+            <a:schemeClr val="accent3"/>
+          </a:effectRef>
+          <a:fontRef idx="minor">
+            <a:schemeClr val="lt1"/>
+          </a:fontRef>
+        </p:style>
+        <p:txBody>
+          <a:bodyPr rot="0" spcFirstLastPara="0" vertOverflow="overflow" horzOverflow="overflow" vert="horz" wrap="square" lIns="91440" tIns="45720" rIns="91440" bIns="45720" numCol="1" spcCol="0" rtlCol="0" fromWordArt="0" anchor="ctr" anchorCtr="0" forceAA="0" compatLnSpc="1">
+            <a:prstTxWarp prst="textNoShape">
+              <a:avLst/>
+            </a:prstTxWarp>
+            <a:noAutofit/>
+          </a:bodyPr>
+          <a:lstStyle/>
+          <a:p>
+            <a:pPr algn="ctr"/>
+            <a:r>
+              <a:rPr lang="en-US" sz="1400" dirty="0">
+                <a:solidFill>
+                  <a:schemeClr val="tx1"/>
+                </a:solidFill>
+              </a:rPr>
+              <a:t>ONOS Controller</a:t>
+            </a:r>
+          </a:p>
+        </p:txBody>
+      </p:sp>
+      <p:pic>
+        <p:nvPicPr>
+          <p:cNvPr id="78" name="Picture 2" descr="https://openclipart.org/image/2400px/svg_to_png/215022/blue-switch.png"/>
+          <p:cNvPicPr>
+            <a:picLocks noChangeAspect="1" noChangeArrowheads="1"/>
+          </p:cNvPicPr>
+          <p:nvPr/>
+        </p:nvPicPr>
+        <p:blipFill>
+          <a:blip r:embed="rId3" cstate="print">
+            <a:extLst>
+              <a:ext uri="{28A0092B-C50C-407E-A947-70E740481C1C}">
+                <a14:useLocalDpi xmlns:a14="http://schemas.microsoft.com/office/drawing/2010/main" val="0"/>
+              </a:ext>
+            </a:extLst>
+          </a:blip>
+          <a:srcRect/>
+          <a:stretch>
+            <a:fillRect/>
+          </a:stretch>
+        </p:blipFill>
+        <p:spPr bwMode="auto">
+          <a:xfrm flipH="1">
+            <a:off x="3069843" y="1326105"/>
+            <a:ext cx="497419" cy="195678"/>
+          </a:xfrm>
+          <a:prstGeom prst="rect">
+            <a:avLst/>
+          </a:prstGeom>
+          <a:noFill/>
+          <a:extLst>
+            <a:ext uri="{909E8E84-426E-40DD-AFC4-6F175D3DCCD1}">
+              <a14:hiddenFill xmlns:a14="http://schemas.microsoft.com/office/drawing/2010/main">
+                <a:solidFill>
+                  <a:srgbClr val="FFFFFF"/>
+                </a:solidFill>
+              </a14:hiddenFill>
+            </a:ext>
+          </a:extLst>
+        </p:spPr>
+      </p:pic>
+      <p:pic>
+        <p:nvPicPr>
+          <p:cNvPr id="79" name="Picture 2" descr="https://openclipart.org/image/2400px/svg_to_png/215022/blue-switch.png"/>
+          <p:cNvPicPr>
+            <a:picLocks noChangeAspect="1" noChangeArrowheads="1"/>
+          </p:cNvPicPr>
+          <p:nvPr/>
+        </p:nvPicPr>
+        <p:blipFill>
+          <a:blip r:embed="rId3" cstate="print">
+            <a:extLst>
+              <a:ext uri="{28A0092B-C50C-407E-A947-70E740481C1C}">
+                <a14:useLocalDpi xmlns:a14="http://schemas.microsoft.com/office/drawing/2010/main" val="0"/>
+              </a:ext>
+            </a:extLst>
+          </a:blip>
+          <a:srcRect/>
+          <a:stretch>
+            <a:fillRect/>
+          </a:stretch>
+        </p:blipFill>
+        <p:spPr bwMode="auto">
+          <a:xfrm flipH="1">
+            <a:off x="2821133" y="1800619"/>
+            <a:ext cx="497419" cy="195678"/>
+          </a:xfrm>
+          <a:prstGeom prst="rect">
+            <a:avLst/>
+          </a:prstGeom>
+          <a:noFill/>
+          <a:extLst>
+            <a:ext uri="{909E8E84-426E-40DD-AFC4-6F175D3DCCD1}">
+              <a14:hiddenFill xmlns:a14="http://schemas.microsoft.com/office/drawing/2010/main">
+                <a:solidFill>
+                  <a:srgbClr val="FFFFFF"/>
+                </a:solidFill>
+              </a14:hiddenFill>
+            </a:ext>
+          </a:extLst>
+        </p:spPr>
+      </p:pic>
+      <p:pic>
+        <p:nvPicPr>
+          <p:cNvPr id="80" name="Picture 2" descr="https://openclipart.org/image/2400px/svg_to_png/215022/blue-switch.png"/>
+          <p:cNvPicPr>
+            <a:picLocks noChangeAspect="1" noChangeArrowheads="1"/>
+          </p:cNvPicPr>
+          <p:nvPr/>
+        </p:nvPicPr>
+        <p:blipFill>
+          <a:blip r:embed="rId3" cstate="print">
+            <a:extLst>
+              <a:ext uri="{28A0092B-C50C-407E-A947-70E740481C1C}">
+                <a14:useLocalDpi xmlns:a14="http://schemas.microsoft.com/office/drawing/2010/main" val="0"/>
+              </a:ext>
+            </a:extLst>
+          </a:blip>
+          <a:srcRect/>
+          <a:stretch>
+            <a:fillRect/>
+          </a:stretch>
+        </p:blipFill>
+        <p:spPr bwMode="auto">
+          <a:xfrm flipH="1">
+            <a:off x="3050276" y="1569214"/>
+            <a:ext cx="497419" cy="195678"/>
+          </a:xfrm>
+          <a:prstGeom prst="rect">
+            <a:avLst/>
+          </a:prstGeom>
+          <a:noFill/>
+          <a:extLst>
+            <a:ext uri="{909E8E84-426E-40DD-AFC4-6F175D3DCCD1}">
+              <a14:hiddenFill xmlns:a14="http://schemas.microsoft.com/office/drawing/2010/main">
+                <a:solidFill>
+                  <a:srgbClr val="FFFFFF"/>
+                </a:solidFill>
+              </a14:hiddenFill>
+            </a:ext>
+          </a:extLst>
+        </p:spPr>
+      </p:pic>
+      <p:pic>
+        <p:nvPicPr>
+          <p:cNvPr id="81" name="Picture 2" descr="https://openclipart.org/image/2400px/svg_to_png/215022/blue-switch.png"/>
+          <p:cNvPicPr>
+            <a:picLocks noChangeAspect="1" noChangeArrowheads="1"/>
+          </p:cNvPicPr>
+          <p:nvPr/>
+        </p:nvPicPr>
+        <p:blipFill>
+          <a:blip r:embed="rId3" cstate="print">
+            <a:extLst>
+              <a:ext uri="{28A0092B-C50C-407E-A947-70E740481C1C}">
+                <a14:useLocalDpi xmlns:a14="http://schemas.microsoft.com/office/drawing/2010/main" val="0"/>
+              </a:ext>
+            </a:extLst>
+          </a:blip>
+          <a:srcRect/>
+          <a:stretch>
+            <a:fillRect/>
+          </a:stretch>
+        </p:blipFill>
+        <p:spPr bwMode="auto">
+          <a:xfrm flipH="1">
+            <a:off x="3340719" y="1830489"/>
+            <a:ext cx="497419" cy="195678"/>
+          </a:xfrm>
+          <a:prstGeom prst="rect">
+            <a:avLst/>
+          </a:prstGeom>
+          <a:noFill/>
+          <a:extLst>
+            <a:ext uri="{909E8E84-426E-40DD-AFC4-6F175D3DCCD1}">
+              <a14:hiddenFill xmlns:a14="http://schemas.microsoft.com/office/drawing/2010/main">
+                <a:solidFill>
+                  <a:srgbClr val="FFFFFF"/>
+                </a:solidFill>
+              </a14:hiddenFill>
+            </a:ext>
+          </a:extLst>
+        </p:spPr>
+      </p:pic>
+      <p:pic>
+        <p:nvPicPr>
+          <p:cNvPr id="82" name="Picture 2" descr="https://openclipart.org/image/2400px/svg_to_png/215022/blue-switch.png"/>
+          <p:cNvPicPr>
+            <a:picLocks noChangeAspect="1" noChangeArrowheads="1"/>
+          </p:cNvPicPr>
+          <p:nvPr/>
+        </p:nvPicPr>
+        <p:blipFill>
+          <a:blip r:embed="rId3" cstate="print">
+            <a:extLst>
+              <a:ext uri="{28A0092B-C50C-407E-A947-70E740481C1C}">
+                <a14:useLocalDpi xmlns:a14="http://schemas.microsoft.com/office/drawing/2010/main" val="0"/>
+              </a:ext>
+            </a:extLst>
+          </a:blip>
+          <a:srcRect/>
+          <a:stretch>
+            <a:fillRect/>
+          </a:stretch>
+        </p:blipFill>
+        <p:spPr bwMode="auto">
+          <a:xfrm flipH="1">
+            <a:off x="3598593" y="1394682"/>
+            <a:ext cx="497419" cy="195678"/>
+          </a:xfrm>
+          <a:prstGeom prst="rect">
+            <a:avLst/>
+          </a:prstGeom>
+          <a:noFill/>
+          <a:extLst>
+            <a:ext uri="{909E8E84-426E-40DD-AFC4-6F175D3DCCD1}">
+              <a14:hiddenFill xmlns:a14="http://schemas.microsoft.com/office/drawing/2010/main">
+                <a:solidFill>
+                  <a:srgbClr val="FFFFFF"/>
+                </a:solidFill>
+              </a14:hiddenFill>
+            </a:ext>
+          </a:extLst>
+        </p:spPr>
+      </p:pic>
+      <p:pic>
+        <p:nvPicPr>
+          <p:cNvPr id="83" name="Picture 2" descr="https://openclipart.org/image/2400px/svg_to_png/215022/blue-switch.png"/>
+          <p:cNvPicPr>
+            <a:picLocks noChangeAspect="1" noChangeArrowheads="1"/>
+          </p:cNvPicPr>
+          <p:nvPr/>
+        </p:nvPicPr>
+        <p:blipFill>
+          <a:blip r:embed="rId3" cstate="print">
+            <a:extLst>
+              <a:ext uri="{28A0092B-C50C-407E-A947-70E740481C1C}">
+                <a14:useLocalDpi xmlns:a14="http://schemas.microsoft.com/office/drawing/2010/main" val="0"/>
+              </a:ext>
+            </a:extLst>
+          </a:blip>
+          <a:srcRect/>
+          <a:stretch>
+            <a:fillRect/>
+          </a:stretch>
+        </p:blipFill>
+        <p:spPr bwMode="auto">
+          <a:xfrm flipH="1">
+            <a:off x="3630086" y="1643619"/>
+            <a:ext cx="497419" cy="195678"/>
+          </a:xfrm>
+          <a:prstGeom prst="rect">
+            <a:avLst/>
+          </a:prstGeom>
+          <a:noFill/>
+          <a:extLst>
+            <a:ext uri="{909E8E84-426E-40DD-AFC4-6F175D3DCCD1}">
+              <a14:hiddenFill xmlns:a14="http://schemas.microsoft.com/office/drawing/2010/main">
+                <a:solidFill>
+                  <a:srgbClr val="FFFFFF"/>
+                </a:solidFill>
+              </a14:hiddenFill>
+            </a:ext>
+          </a:extLst>
+        </p:spPr>
+      </p:pic>
+      <p:pic>
+        <p:nvPicPr>
+          <p:cNvPr id="84" name="Picture 2" descr="https://openclipart.org/image/2400px/svg_to_png/215022/blue-switch.png"/>
+          <p:cNvPicPr>
+            <a:picLocks noChangeAspect="1" noChangeArrowheads="1"/>
+          </p:cNvPicPr>
+          <p:nvPr/>
+        </p:nvPicPr>
+        <p:blipFill>
+          <a:blip r:embed="rId3" cstate="print">
+            <a:extLst>
+              <a:ext uri="{28A0092B-C50C-407E-A947-70E740481C1C}">
+                <a14:useLocalDpi xmlns:a14="http://schemas.microsoft.com/office/drawing/2010/main" val="0"/>
+              </a:ext>
+            </a:extLst>
+          </a:blip>
+          <a:srcRect/>
+          <a:stretch>
+            <a:fillRect/>
+          </a:stretch>
+        </p:blipFill>
+        <p:spPr bwMode="auto">
+          <a:xfrm flipH="1">
+            <a:off x="3917551" y="1857738"/>
+            <a:ext cx="497419" cy="195678"/>
+          </a:xfrm>
+          <a:prstGeom prst="rect">
+            <a:avLst/>
+          </a:prstGeom>
+          <a:noFill/>
+          <a:extLst>
+            <a:ext uri="{909E8E84-426E-40DD-AFC4-6F175D3DCCD1}">
+              <a14:hiddenFill xmlns:a14="http://schemas.microsoft.com/office/drawing/2010/main">
+                <a:solidFill>
+                  <a:srgbClr val="FFFFFF"/>
+                </a:solidFill>
+              </a14:hiddenFill>
+            </a:ext>
+          </a:extLst>
+        </p:spPr>
+      </p:pic>
+      <p:pic>
+        <p:nvPicPr>
+          <p:cNvPr id="85" name="Picture 2" descr="https://openclipart.org/image/2400px/svg_to_png/215022/blue-switch.png"/>
+          <p:cNvPicPr>
+            <a:picLocks noChangeAspect="1" noChangeArrowheads="1"/>
+          </p:cNvPicPr>
+          <p:nvPr/>
+        </p:nvPicPr>
+        <p:blipFill>
+          <a:blip r:embed="rId3" cstate="print">
+            <a:extLst>
+              <a:ext uri="{28A0092B-C50C-407E-A947-70E740481C1C}">
+                <a14:useLocalDpi xmlns:a14="http://schemas.microsoft.com/office/drawing/2010/main" val="0"/>
+              </a:ext>
+            </a:extLst>
+          </a:blip>
+          <a:srcRect/>
+          <a:stretch>
+            <a:fillRect/>
+          </a:stretch>
+        </p:blipFill>
+        <p:spPr bwMode="auto">
+          <a:xfrm flipH="1">
+            <a:off x="4129616" y="1538661"/>
+            <a:ext cx="497419" cy="195678"/>
+          </a:xfrm>
+          <a:prstGeom prst="rect">
+            <a:avLst/>
+          </a:prstGeom>
+          <a:noFill/>
+          <a:extLst>
+            <a:ext uri="{909E8E84-426E-40DD-AFC4-6F175D3DCCD1}">
+              <a14:hiddenFill xmlns:a14="http://schemas.microsoft.com/office/drawing/2010/main">
+                <a:solidFill>
+                  <a:srgbClr val="FFFFFF"/>
+                </a:solidFill>
+              </a14:hiddenFill>
+            </a:ext>
+          </a:extLst>
+        </p:spPr>
+      </p:pic>
+      <p:cxnSp>
+        <p:nvCxnSpPr>
+          <p:cNvPr id="87" name="Straight Connector 86"/>
+          <p:cNvCxnSpPr>
+            <a:cxnSpLocks/>
+            <a:stCxn id="56" idx="0"/>
+          </p:cNvCxnSpPr>
+          <p:nvPr/>
+        </p:nvCxnSpPr>
+        <p:spPr>
+          <a:xfrm flipV="1">
+            <a:off x="2821133" y="1456735"/>
+            <a:ext cx="372375" cy="146075"/>
+          </a:xfrm>
+          <a:prstGeom prst="line">
+            <a:avLst/>
+          </a:prstGeom>
+        </p:spPr>
+        <p:style>
+          <a:lnRef idx="1">
+            <a:schemeClr val="dk1"/>
+          </a:lnRef>
+          <a:fillRef idx="0">
+            <a:schemeClr val="dk1"/>
+          </a:fillRef>
+          <a:effectRef idx="0">
+            <a:schemeClr val="dk1"/>
+          </a:effectRef>
+          <a:fontRef idx="minor">
+            <a:schemeClr val="tx1"/>
+          </a:fontRef>
+        </p:style>
+      </p:cxnSp>
+      <p:cxnSp>
+        <p:nvCxnSpPr>
+          <p:cNvPr id="89" name="Straight Connector 88"/>
+          <p:cNvCxnSpPr>
+            <a:cxnSpLocks/>
+            <a:stCxn id="56" idx="0"/>
+            <a:endCxn id="79" idx="0"/>
+          </p:cNvCxnSpPr>
+          <p:nvPr/>
+        </p:nvCxnSpPr>
+        <p:spPr>
+          <a:xfrm>
+            <a:off x="2821133" y="1602810"/>
+            <a:ext cx="248709" cy="197811"/>
+          </a:xfrm>
+          <a:prstGeom prst="line">
+            <a:avLst/>
+          </a:prstGeom>
+        </p:spPr>
+        <p:style>
+          <a:lnRef idx="1">
+            <a:schemeClr val="dk1"/>
+          </a:lnRef>
+          <a:fillRef idx="0">
+            <a:schemeClr val="dk1"/>
+          </a:fillRef>
+          <a:effectRef idx="0">
+            <a:schemeClr val="dk1"/>
+          </a:effectRef>
+          <a:fontRef idx="minor">
+            <a:schemeClr val="tx1"/>
+          </a:fontRef>
+        </p:style>
+      </p:cxnSp>
+      <p:cxnSp>
+        <p:nvCxnSpPr>
+          <p:cNvPr id="92" name="Straight Connector 91"/>
+          <p:cNvCxnSpPr/>
+          <p:nvPr/>
+        </p:nvCxnSpPr>
+        <p:spPr>
+          <a:xfrm>
+            <a:off x="3180219" y="1928218"/>
+            <a:ext cx="307970" cy="0"/>
+          </a:xfrm>
+          <a:prstGeom prst="line">
+            <a:avLst/>
+          </a:prstGeom>
+        </p:spPr>
+        <p:style>
+          <a:lnRef idx="1">
+            <a:schemeClr val="dk1"/>
+          </a:lnRef>
+          <a:fillRef idx="0">
+            <a:schemeClr val="dk1"/>
+          </a:fillRef>
+          <a:effectRef idx="0">
+            <a:schemeClr val="dk1"/>
+          </a:effectRef>
+          <a:fontRef idx="minor">
+            <a:schemeClr val="tx1"/>
+          </a:fontRef>
+        </p:style>
+      </p:cxnSp>
+      <p:cxnSp>
+        <p:nvCxnSpPr>
+          <p:cNvPr id="94" name="Straight Connector 93"/>
+          <p:cNvCxnSpPr>
+            <a:endCxn id="81" idx="0"/>
+          </p:cNvCxnSpPr>
+          <p:nvPr/>
+        </p:nvCxnSpPr>
+        <p:spPr>
+          <a:xfrm>
+            <a:off x="3387501" y="1686379"/>
+            <a:ext cx="201927" cy="144110"/>
+          </a:xfrm>
+          <a:prstGeom prst="line">
+            <a:avLst/>
+          </a:prstGeom>
+        </p:spPr>
+        <p:style>
+          <a:lnRef idx="1">
+            <a:schemeClr val="dk1"/>
+          </a:lnRef>
+          <a:fillRef idx="0">
+            <a:schemeClr val="dk1"/>
+          </a:fillRef>
+          <a:effectRef idx="0">
+            <a:schemeClr val="dk1"/>
+          </a:effectRef>
+          <a:fontRef idx="minor">
+            <a:schemeClr val="tx1"/>
+          </a:fontRef>
+        </p:style>
+      </p:cxnSp>
+      <p:cxnSp>
+        <p:nvCxnSpPr>
+          <p:cNvPr id="97" name="Straight Connector 96"/>
+          <p:cNvCxnSpPr>
+            <a:endCxn id="84" idx="0"/>
+          </p:cNvCxnSpPr>
+          <p:nvPr/>
+        </p:nvCxnSpPr>
+        <p:spPr>
+          <a:xfrm>
+            <a:off x="3973606" y="1745843"/>
+            <a:ext cx="192652" cy="111897"/>
+          </a:xfrm>
+          <a:prstGeom prst="line">
+            <a:avLst/>
+          </a:prstGeom>
+        </p:spPr>
+        <p:style>
+          <a:lnRef idx="1">
+            <a:schemeClr val="dk1"/>
+          </a:lnRef>
+          <a:fillRef idx="0">
+            <a:schemeClr val="dk1"/>
+          </a:fillRef>
+          <a:effectRef idx="0">
+            <a:schemeClr val="dk1"/>
+          </a:effectRef>
+          <a:fontRef idx="minor">
+            <a:schemeClr val="tx1"/>
+          </a:fontRef>
+        </p:style>
+      </p:cxnSp>
+      <p:cxnSp>
+        <p:nvCxnSpPr>
+          <p:cNvPr id="99" name="Straight Connector 98"/>
+          <p:cNvCxnSpPr/>
+          <p:nvPr/>
+        </p:nvCxnSpPr>
+        <p:spPr>
+          <a:xfrm flipV="1">
+            <a:off x="3453895" y="1661705"/>
+            <a:ext cx="331100" cy="23434"/>
+          </a:xfrm>
+          <a:prstGeom prst="line">
+            <a:avLst/>
+          </a:prstGeom>
+        </p:spPr>
+        <p:style>
+          <a:lnRef idx="1">
+            <a:schemeClr val="dk1"/>
+          </a:lnRef>
+          <a:fillRef idx="0">
+            <a:schemeClr val="dk1"/>
+          </a:fillRef>
+          <a:effectRef idx="0">
+            <a:schemeClr val="dk1"/>
+          </a:effectRef>
+          <a:fontRef idx="minor">
+            <a:schemeClr val="tx1"/>
+          </a:fontRef>
+        </p:style>
+      </p:cxnSp>
+      <p:cxnSp>
+        <p:nvCxnSpPr>
+          <p:cNvPr id="101" name="Straight Connector 100"/>
+          <p:cNvCxnSpPr>
+            <a:endCxn id="82" idx="0"/>
+          </p:cNvCxnSpPr>
+          <p:nvPr/>
+        </p:nvCxnSpPr>
+        <p:spPr>
+          <a:xfrm flipV="1">
+            <a:off x="3432346" y="1394682"/>
+            <a:ext cx="414954" cy="55868"/>
+          </a:xfrm>
+          <a:prstGeom prst="line">
+            <a:avLst/>
+          </a:prstGeom>
+        </p:spPr>
+        <p:style>
+          <a:lnRef idx="1">
+            <a:schemeClr val="dk1"/>
+          </a:lnRef>
+          <a:fillRef idx="0">
+            <a:schemeClr val="dk1"/>
+          </a:fillRef>
+          <a:effectRef idx="0">
+            <a:schemeClr val="dk1"/>
+          </a:effectRef>
+          <a:fontRef idx="minor">
+            <a:schemeClr val="tx1"/>
+          </a:fontRef>
+        </p:style>
+      </p:cxnSp>
+      <p:cxnSp>
+        <p:nvCxnSpPr>
+          <p:cNvPr id="103" name="Straight Connector 102"/>
+          <p:cNvCxnSpPr>
+            <a:endCxn id="83" idx="0"/>
+          </p:cNvCxnSpPr>
+          <p:nvPr/>
+        </p:nvCxnSpPr>
+        <p:spPr>
+          <a:xfrm>
+            <a:off x="3395882" y="1426876"/>
+            <a:ext cx="482913" cy="216745"/>
+          </a:xfrm>
+          <a:prstGeom prst="line">
+            <a:avLst/>
+          </a:prstGeom>
+        </p:spPr>
+        <p:style>
+          <a:lnRef idx="1">
+            <a:schemeClr val="dk1"/>
+          </a:lnRef>
+          <a:fillRef idx="0">
+            <a:schemeClr val="dk1"/>
+          </a:fillRef>
+          <a:effectRef idx="0">
+            <a:schemeClr val="dk1"/>
+          </a:effectRef>
+          <a:fontRef idx="minor">
+            <a:schemeClr val="tx1"/>
+          </a:fontRef>
+        </p:style>
+      </p:cxnSp>
+      <p:cxnSp>
+        <p:nvCxnSpPr>
+          <p:cNvPr id="105" name="Straight Connector 104"/>
+          <p:cNvCxnSpPr/>
+          <p:nvPr/>
+        </p:nvCxnSpPr>
+        <p:spPr>
+          <a:xfrm>
+            <a:off x="3964199" y="1503619"/>
+            <a:ext cx="511339" cy="118825"/>
+          </a:xfrm>
+          <a:prstGeom prst="line">
+            <a:avLst/>
+          </a:prstGeom>
+        </p:spPr>
+        <p:style>
+          <a:lnRef idx="1">
+            <a:schemeClr val="dk1"/>
+          </a:lnRef>
+          <a:fillRef idx="0">
+            <a:schemeClr val="dk1"/>
+          </a:fillRef>
+          <a:effectRef idx="0">
+            <a:schemeClr val="dk1"/>
+          </a:effectRef>
+          <a:fontRef idx="minor">
+            <a:schemeClr val="tx1"/>
+          </a:fontRef>
+        </p:style>
+      </p:cxnSp>
+      <p:cxnSp>
+        <p:nvCxnSpPr>
+          <p:cNvPr id="107" name="Straight Connector 106"/>
+          <p:cNvCxnSpPr>
+            <a:stCxn id="84" idx="0"/>
+          </p:cNvCxnSpPr>
+          <p:nvPr/>
+        </p:nvCxnSpPr>
+        <p:spPr>
+          <a:xfrm flipV="1">
+            <a:off x="4166260" y="1624293"/>
+            <a:ext cx="83517" cy="233447"/>
+          </a:xfrm>
+          <a:prstGeom prst="line">
+            <a:avLst/>
+          </a:prstGeom>
+        </p:spPr>
+        <p:style>
+          <a:lnRef idx="1">
+            <a:schemeClr val="dk1"/>
+          </a:lnRef>
+          <a:fillRef idx="0">
+            <a:schemeClr val="dk1"/>
+          </a:fillRef>
+          <a:effectRef idx="0">
+            <a:schemeClr val="dk1"/>
+          </a:effectRef>
+          <a:fontRef idx="minor">
+            <a:schemeClr val="tx1"/>
+          </a:fontRef>
+        </p:style>
+      </p:cxnSp>
+      <p:cxnSp>
+        <p:nvCxnSpPr>
+          <p:cNvPr id="109" name="Straight Connector 108"/>
+          <p:cNvCxnSpPr>
+            <a:endCxn id="84" idx="0"/>
+          </p:cNvCxnSpPr>
+          <p:nvPr/>
+        </p:nvCxnSpPr>
+        <p:spPr>
+          <a:xfrm flipV="1">
+            <a:off x="3659494" y="1857740"/>
+            <a:ext cx="506764" cy="70461"/>
+          </a:xfrm>
+          <a:prstGeom prst="line">
+            <a:avLst/>
+          </a:prstGeom>
+        </p:spPr>
+        <p:style>
+          <a:lnRef idx="1">
+            <a:schemeClr val="dk1"/>
+          </a:lnRef>
+          <a:fillRef idx="0">
+            <a:schemeClr val="dk1"/>
+          </a:fillRef>
+          <a:effectRef idx="0">
+            <a:schemeClr val="dk1"/>
+          </a:effectRef>
+          <a:fontRef idx="minor">
+            <a:schemeClr val="tx1"/>
+          </a:fontRef>
+        </p:style>
+      </p:cxnSp>
+      <p:sp>
+        <p:nvSpPr>
+          <p:cNvPr id="118" name="Rounded Rectangle 117"/>
+          <p:cNvSpPr/>
+          <p:nvPr/>
+        </p:nvSpPr>
+        <p:spPr>
+          <a:xfrm>
+            <a:off x="5489271" y="652035"/>
+            <a:ext cx="1272155" cy="385637"/>
+          </a:xfrm>
+          <a:prstGeom prst="roundRect">
+            <a:avLst/>
+          </a:prstGeom>
+        </p:spPr>
+        <p:style>
+          <a:lnRef idx="2">
+            <a:schemeClr val="accent3">
+              <a:shade val="50000"/>
+            </a:schemeClr>
+          </a:lnRef>
+          <a:fillRef idx="1">
+            <a:schemeClr val="accent3"/>
+          </a:fillRef>
+          <a:effectRef idx="0">
+            <a:schemeClr val="accent3"/>
+          </a:effectRef>
+          <a:fontRef idx="minor">
+            <a:schemeClr val="lt1"/>
+          </a:fontRef>
+        </p:style>
+        <p:txBody>
+          <a:bodyPr rot="0" spcFirstLastPara="0" vertOverflow="overflow" horzOverflow="overflow" vert="horz" wrap="square" lIns="91440" tIns="45720" rIns="91440" bIns="45720" numCol="1" spcCol="0" rtlCol="0" fromWordArt="0" anchor="ctr" anchorCtr="0" forceAA="0" compatLnSpc="1">
+            <a:prstTxWarp prst="textNoShape">
+              <a:avLst/>
+            </a:prstTxWarp>
+            <a:noAutofit/>
+          </a:bodyPr>
+          <a:lstStyle/>
+          <a:p>
+            <a:pPr algn="ctr"/>
+            <a:r>
+              <a:rPr lang="en-US" sz="1400" dirty="0">
+                <a:solidFill>
+                  <a:schemeClr val="tx1"/>
+                </a:solidFill>
+              </a:rPr>
+              <a:t>POX Controller</a:t>
+            </a:r>
+          </a:p>
+        </p:txBody>
+      </p:sp>
+      <p:cxnSp>
+        <p:nvCxnSpPr>
+          <p:cNvPr id="129" name="Straight Connector 128"/>
+          <p:cNvCxnSpPr>
+            <a:stCxn id="79" idx="0"/>
+          </p:cNvCxnSpPr>
+          <p:nvPr/>
+        </p:nvCxnSpPr>
+        <p:spPr>
+          <a:xfrm flipV="1">
+            <a:off x="3069842" y="1691052"/>
+            <a:ext cx="105684" cy="109567"/>
+          </a:xfrm>
+          <a:prstGeom prst="line">
+            <a:avLst/>
+          </a:prstGeom>
+        </p:spPr>
+        <p:style>
+          <a:lnRef idx="1">
+            <a:schemeClr val="dk1"/>
+          </a:lnRef>
+          <a:fillRef idx="0">
+            <a:schemeClr val="dk1"/>
+          </a:fillRef>
+          <a:effectRef idx="0">
+            <a:schemeClr val="dk1"/>
+          </a:effectRef>
+          <a:fontRef idx="minor">
+            <a:schemeClr val="tx1"/>
+          </a:fontRef>
+        </p:style>
+      </p:cxnSp>
+      <p:sp>
+        <p:nvSpPr>
+          <p:cNvPr id="70" name="Rounded Rectangle 69"/>
+          <p:cNvSpPr/>
+          <p:nvPr/>
+        </p:nvSpPr>
+        <p:spPr>
+          <a:xfrm>
+            <a:off x="2132326" y="3247742"/>
+            <a:ext cx="945705" cy="619728"/>
+          </a:xfrm>
+          <a:prstGeom prst="roundRect">
+            <a:avLst/>
+          </a:prstGeom>
+          <a:solidFill>
+            <a:schemeClr val="accent2">
+              <a:lumMod val="60000"/>
+              <a:lumOff val="40000"/>
+            </a:schemeClr>
+          </a:solidFill>
+        </p:spPr>
+        <p:style>
+          <a:lnRef idx="2">
+            <a:schemeClr val="accent2">
+              <a:shade val="50000"/>
+            </a:schemeClr>
+          </a:lnRef>
+          <a:fillRef idx="1">
+            <a:schemeClr val="accent2"/>
+          </a:fillRef>
+          <a:effectRef idx="0">
+            <a:schemeClr val="accent2"/>
+          </a:effectRef>
+          <a:fontRef idx="minor">
+            <a:schemeClr val="lt1"/>
+          </a:fontRef>
+        </p:style>
+        <p:txBody>
+          <a:bodyPr rot="0" spcFirstLastPara="0" vertOverflow="overflow" horzOverflow="overflow" vert="horz" wrap="square" lIns="91440" tIns="45720" rIns="91440" bIns="45720" numCol="1" spcCol="0" rtlCol="0" fromWordArt="0" anchor="ctr" anchorCtr="0" forceAA="0" compatLnSpc="1">
+            <a:prstTxWarp prst="textNoShape">
+              <a:avLst/>
+            </a:prstTxWarp>
+            <a:noAutofit/>
+          </a:bodyPr>
+          <a:lstStyle/>
+          <a:p>
+            <a:pPr algn="ctr"/>
+            <a:r>
+              <a:rPr lang="en-US" dirty="0">
+                <a:solidFill>
+                  <a:schemeClr val="tx1"/>
+                </a:solidFill>
+              </a:rPr>
+              <a:t>BNV Mapper</a:t>
+            </a:r>
           </a:p>
         </p:txBody>
       </p:sp>
@@ -5486,7 +8818,7 @@
         </p:blipFill>
         <p:spPr bwMode="auto">
           <a:xfrm>
-            <a:off x="459825" y="3202319"/>
+            <a:off x="467382" y="3202319"/>
             <a:ext cx="722845" cy="722845"/>
           </a:xfrm>
           <a:prstGeom prst="rect">
@@ -5512,7 +8844,7 @@
         </p:nvCxnSpPr>
         <p:spPr>
           <a:xfrm>
-            <a:off x="1182894" y="3365961"/>
+            <a:off x="1190451" y="3365961"/>
             <a:ext cx="941875" cy="0"/>
           </a:xfrm>
           <a:prstGeom prst="straightConnector1">
@@ -5545,7 +8877,7 @@
         </p:nvCxnSpPr>
         <p:spPr>
           <a:xfrm flipH="1">
-            <a:off x="1182670" y="3738668"/>
+            <a:off x="1190227" y="3738668"/>
             <a:ext cx="942099" cy="0"/>
           </a:xfrm>
           <a:prstGeom prst="straightConnector1">
@@ -5578,7 +8910,7 @@
         </p:nvSpPr>
         <p:spPr>
           <a:xfrm>
-            <a:off x="1151620" y="2908580"/>
+            <a:off x="1159177" y="2908580"/>
             <a:ext cx="1187232" cy="523220"/>
           </a:xfrm>
           <a:prstGeom prst="rect">
@@ -5593,10 +8925,9 @@
           <a:lstStyle/>
           <a:p>
             <a:r>
-              <a:rPr lang="en-US" sz="1400" dirty="0" smtClean="0"/>
+              <a:rPr lang="en-US" sz="1400" dirty="0"/>
               <a:t>Virtual Topology</a:t>
             </a:r>
-            <a:endParaRPr lang="en-US" sz="1400" dirty="0"/>
           </a:p>
         </p:txBody>
       </p:sp>
@@ -5608,7 +8939,7 @@
         </p:nvSpPr>
         <p:spPr>
           <a:xfrm>
-            <a:off x="1190384" y="3692972"/>
+            <a:off x="1197941" y="3692972"/>
             <a:ext cx="1187232" cy="523220"/>
           </a:xfrm>
           <a:prstGeom prst="rect">
@@ -5623,17 +8954,972 @@
           <a:lstStyle/>
           <a:p>
             <a:r>
-              <a:rPr lang="en-US" sz="1400" dirty="0" smtClean="0"/>
+              <a:rPr lang="en-US" sz="1400" dirty="0"/>
               <a:t>Tenant Mapping</a:t>
             </a:r>
-            <a:endParaRPr lang="en-US" sz="1400" dirty="0"/>
+          </a:p>
+        </p:txBody>
+      </p:sp>
+      <p:pic>
+        <p:nvPicPr>
+          <p:cNvPr id="72" name="Picture 2" descr="https://openclipart.org/image/2400px/svg_to_png/215022/blue-switch.png">
+            <a:extLst>
+              <a:ext uri="{FF2B5EF4-FFF2-40B4-BE49-F238E27FC236}">
+                <a16:creationId xmlns:a16="http://schemas.microsoft.com/office/drawing/2014/main" id="{B92059DC-D3F4-48AC-B103-9AA9115C69B8}"/>
+              </a:ext>
+            </a:extLst>
+          </p:cNvPr>
+          <p:cNvPicPr>
+            <a:picLocks noChangeAspect="1" noChangeArrowheads="1"/>
+          </p:cNvPicPr>
+          <p:nvPr/>
+        </p:nvPicPr>
+        <p:blipFill>
+          <a:blip r:embed="rId3" cstate="print">
+            <a:extLst>
+              <a:ext uri="{28A0092B-C50C-407E-A947-70E740481C1C}">
+                <a14:useLocalDpi xmlns:a14="http://schemas.microsoft.com/office/drawing/2010/main" val="0"/>
+              </a:ext>
+            </a:extLst>
+          </a:blip>
+          <a:srcRect/>
+          <a:stretch>
+            <a:fillRect/>
+          </a:stretch>
+        </p:blipFill>
+        <p:spPr bwMode="auto">
+          <a:xfrm flipH="1">
+            <a:off x="5208609" y="1520062"/>
+            <a:ext cx="497419" cy="195678"/>
+          </a:xfrm>
+          <a:prstGeom prst="rect">
+            <a:avLst/>
+          </a:prstGeom>
+          <a:noFill/>
+          <a:extLst>
+            <a:ext uri="{909E8E84-426E-40DD-AFC4-6F175D3DCCD1}">
+              <a14:hiddenFill xmlns:a14="http://schemas.microsoft.com/office/drawing/2010/main">
+                <a:solidFill>
+                  <a:srgbClr val="FFFFFF"/>
+                </a:solidFill>
+              </a14:hiddenFill>
+            </a:ext>
+          </a:extLst>
+        </p:spPr>
+      </p:pic>
+      <p:pic>
+        <p:nvPicPr>
+          <p:cNvPr id="74" name="Picture 2" descr="https://openclipart.org/image/2400px/svg_to_png/215022/blue-switch.png">
+            <a:extLst>
+              <a:ext uri="{FF2B5EF4-FFF2-40B4-BE49-F238E27FC236}">
+                <a16:creationId xmlns:a16="http://schemas.microsoft.com/office/drawing/2014/main" id="{B5947960-1A8E-4223-9CDA-B0FCD2B4F956}"/>
+              </a:ext>
+            </a:extLst>
+          </p:cNvPr>
+          <p:cNvPicPr>
+            <a:picLocks noChangeAspect="1" noChangeArrowheads="1"/>
+          </p:cNvPicPr>
+          <p:nvPr/>
+        </p:nvPicPr>
+        <p:blipFill>
+          <a:blip r:embed="rId3" cstate="print">
+            <a:extLst>
+              <a:ext uri="{28A0092B-C50C-407E-A947-70E740481C1C}">
+                <a14:useLocalDpi xmlns:a14="http://schemas.microsoft.com/office/drawing/2010/main" val="0"/>
+              </a:ext>
+            </a:extLst>
+          </a:blip>
+          <a:srcRect/>
+          <a:stretch>
+            <a:fillRect/>
+          </a:stretch>
+        </p:blipFill>
+        <p:spPr bwMode="auto">
+          <a:xfrm flipH="1">
+            <a:off x="6760893" y="1824184"/>
+            <a:ext cx="497419" cy="195678"/>
+          </a:xfrm>
+          <a:prstGeom prst="rect">
+            <a:avLst/>
+          </a:prstGeom>
+          <a:noFill/>
+          <a:extLst>
+            <a:ext uri="{909E8E84-426E-40DD-AFC4-6F175D3DCCD1}">
+              <a14:hiddenFill xmlns:a14="http://schemas.microsoft.com/office/drawing/2010/main">
+                <a:solidFill>
+                  <a:srgbClr val="FFFFFF"/>
+                </a:solidFill>
+              </a14:hiddenFill>
+            </a:ext>
+          </a:extLst>
+        </p:spPr>
+      </p:pic>
+      <p:pic>
+        <p:nvPicPr>
+          <p:cNvPr id="75" name="Picture 2" descr="https://openclipart.org/image/2400px/svg_to_png/215022/blue-switch.png">
+            <a:extLst>
+              <a:ext uri="{FF2B5EF4-FFF2-40B4-BE49-F238E27FC236}">
+                <a16:creationId xmlns:a16="http://schemas.microsoft.com/office/drawing/2014/main" id="{72E1143B-CD28-4776-8924-9EE5781B0932}"/>
+              </a:ext>
+            </a:extLst>
+          </p:cNvPr>
+          <p:cNvPicPr>
+            <a:picLocks noChangeAspect="1" noChangeArrowheads="1"/>
+          </p:cNvPicPr>
+          <p:nvPr/>
+        </p:nvPicPr>
+        <p:blipFill>
+          <a:blip r:embed="rId3" cstate="print">
+            <a:extLst>
+              <a:ext uri="{28A0092B-C50C-407E-A947-70E740481C1C}">
+                <a14:useLocalDpi xmlns:a14="http://schemas.microsoft.com/office/drawing/2010/main" val="0"/>
+              </a:ext>
+            </a:extLst>
+          </a:blip>
+          <a:srcRect/>
+          <a:stretch>
+            <a:fillRect/>
+          </a:stretch>
+        </p:blipFill>
+        <p:spPr bwMode="auto">
+          <a:xfrm flipH="1">
+            <a:off x="5536913" y="1828709"/>
+            <a:ext cx="497419" cy="195678"/>
+          </a:xfrm>
+          <a:prstGeom prst="rect">
+            <a:avLst/>
+          </a:prstGeom>
+          <a:noFill/>
+          <a:extLst>
+            <a:ext uri="{909E8E84-426E-40DD-AFC4-6F175D3DCCD1}">
+              <a14:hiddenFill xmlns:a14="http://schemas.microsoft.com/office/drawing/2010/main">
+                <a:solidFill>
+                  <a:srgbClr val="FFFFFF"/>
+                </a:solidFill>
+              </a14:hiddenFill>
+            </a:ext>
+          </a:extLst>
+        </p:spPr>
+      </p:pic>
+      <p:pic>
+        <p:nvPicPr>
+          <p:cNvPr id="86" name="Picture 2" descr="https://openclipart.org/image/2400px/svg_to_png/215022/blue-switch.png">
+            <a:extLst>
+              <a:ext uri="{FF2B5EF4-FFF2-40B4-BE49-F238E27FC236}">
+                <a16:creationId xmlns:a16="http://schemas.microsoft.com/office/drawing/2014/main" id="{E492ED53-BCAE-4E05-B185-BABA8E67AB65}"/>
+              </a:ext>
+            </a:extLst>
+          </p:cNvPr>
+          <p:cNvPicPr>
+            <a:picLocks noChangeAspect="1" noChangeArrowheads="1"/>
+          </p:cNvPicPr>
+          <p:nvPr/>
+        </p:nvPicPr>
+        <p:blipFill>
+          <a:blip r:embed="rId3" cstate="print">
+            <a:extLst>
+              <a:ext uri="{28A0092B-C50C-407E-A947-70E740481C1C}">
+                <a14:useLocalDpi xmlns:a14="http://schemas.microsoft.com/office/drawing/2010/main" val="0"/>
+              </a:ext>
+            </a:extLst>
+          </a:blip>
+          <a:srcRect/>
+          <a:stretch>
+            <a:fillRect/>
+          </a:stretch>
+        </p:blipFill>
+        <p:spPr bwMode="auto">
+          <a:xfrm flipH="1">
+            <a:off x="4945395" y="1828709"/>
+            <a:ext cx="497419" cy="195678"/>
+          </a:xfrm>
+          <a:prstGeom prst="rect">
+            <a:avLst/>
+          </a:prstGeom>
+          <a:noFill/>
+          <a:extLst>
+            <a:ext uri="{909E8E84-426E-40DD-AFC4-6F175D3DCCD1}">
+              <a14:hiddenFill xmlns:a14="http://schemas.microsoft.com/office/drawing/2010/main">
+                <a:solidFill>
+                  <a:srgbClr val="FFFFFF"/>
+                </a:solidFill>
+              </a14:hiddenFill>
+            </a:ext>
+          </a:extLst>
+        </p:spPr>
+      </p:pic>
+      <p:pic>
+        <p:nvPicPr>
+          <p:cNvPr id="88" name="Picture 2" descr="https://openclipart.org/image/2400px/svg_to_png/215022/blue-switch.png">
+            <a:extLst>
+              <a:ext uri="{FF2B5EF4-FFF2-40B4-BE49-F238E27FC236}">
+                <a16:creationId xmlns:a16="http://schemas.microsoft.com/office/drawing/2014/main" id="{D4D3B828-0D67-4BB3-BFB1-3F0ED60D13A3}"/>
+              </a:ext>
+            </a:extLst>
+          </p:cNvPr>
+          <p:cNvPicPr>
+            <a:picLocks noChangeAspect="1" noChangeArrowheads="1"/>
+          </p:cNvPicPr>
+          <p:nvPr/>
+        </p:nvPicPr>
+        <p:blipFill>
+          <a:blip r:embed="rId3" cstate="print">
+            <a:extLst>
+              <a:ext uri="{28A0092B-C50C-407E-A947-70E740481C1C}">
+                <a14:useLocalDpi xmlns:a14="http://schemas.microsoft.com/office/drawing/2010/main" val="0"/>
+              </a:ext>
+            </a:extLst>
+          </a:blip>
+          <a:srcRect/>
+          <a:stretch>
+            <a:fillRect/>
+          </a:stretch>
+        </p:blipFill>
+        <p:spPr bwMode="auto">
+          <a:xfrm flipH="1">
+            <a:off x="6176227" y="1824184"/>
+            <a:ext cx="497419" cy="195678"/>
+          </a:xfrm>
+          <a:prstGeom prst="rect">
+            <a:avLst/>
+          </a:prstGeom>
+          <a:noFill/>
+          <a:extLst>
+            <a:ext uri="{909E8E84-426E-40DD-AFC4-6F175D3DCCD1}">
+              <a14:hiddenFill xmlns:a14="http://schemas.microsoft.com/office/drawing/2010/main">
+                <a:solidFill>
+                  <a:srgbClr val="FFFFFF"/>
+                </a:solidFill>
+              </a14:hiddenFill>
+            </a:ext>
+          </a:extLst>
+        </p:spPr>
+      </p:pic>
+      <p:pic>
+        <p:nvPicPr>
+          <p:cNvPr id="90" name="Picture 2" descr="https://openclipart.org/image/2400px/svg_to_png/215022/blue-switch.png">
+            <a:extLst>
+              <a:ext uri="{FF2B5EF4-FFF2-40B4-BE49-F238E27FC236}">
+                <a16:creationId xmlns:a16="http://schemas.microsoft.com/office/drawing/2014/main" id="{6769C193-5B2B-4502-B54D-B44B6BEFC39E}"/>
+              </a:ext>
+            </a:extLst>
+          </p:cNvPr>
+          <p:cNvPicPr>
+            <a:picLocks noChangeAspect="1" noChangeArrowheads="1"/>
+          </p:cNvPicPr>
+          <p:nvPr/>
+        </p:nvPicPr>
+        <p:blipFill>
+          <a:blip r:embed="rId3" cstate="print">
+            <a:extLst>
+              <a:ext uri="{28A0092B-C50C-407E-A947-70E740481C1C}">
+                <a14:useLocalDpi xmlns:a14="http://schemas.microsoft.com/office/drawing/2010/main" val="0"/>
+              </a:ext>
+            </a:extLst>
+          </a:blip>
+          <a:srcRect/>
+          <a:stretch>
+            <a:fillRect/>
+          </a:stretch>
+        </p:blipFill>
+        <p:spPr bwMode="auto">
+          <a:xfrm flipH="1">
+            <a:off x="6424936" y="1520960"/>
+            <a:ext cx="497419" cy="195678"/>
+          </a:xfrm>
+          <a:prstGeom prst="rect">
+            <a:avLst/>
+          </a:prstGeom>
+          <a:noFill/>
+          <a:extLst>
+            <a:ext uri="{909E8E84-426E-40DD-AFC4-6F175D3DCCD1}">
+              <a14:hiddenFill xmlns:a14="http://schemas.microsoft.com/office/drawing/2010/main">
+                <a:solidFill>
+                  <a:srgbClr val="FFFFFF"/>
+                </a:solidFill>
+              </a14:hiddenFill>
+            </a:ext>
+          </a:extLst>
+        </p:spPr>
+      </p:pic>
+      <p:pic>
+        <p:nvPicPr>
+          <p:cNvPr id="91" name="Picture 2" descr="https://openclipart.org/image/2400px/svg_to_png/215022/blue-switch.png">
+            <a:extLst>
+              <a:ext uri="{FF2B5EF4-FFF2-40B4-BE49-F238E27FC236}">
+                <a16:creationId xmlns:a16="http://schemas.microsoft.com/office/drawing/2014/main" id="{6B73617F-42BD-418B-B04D-D0494D832499}"/>
+              </a:ext>
+            </a:extLst>
+          </p:cNvPr>
+          <p:cNvPicPr>
+            <a:picLocks noChangeAspect="1" noChangeArrowheads="1"/>
+          </p:cNvPicPr>
+          <p:nvPr/>
+        </p:nvPicPr>
+        <p:blipFill>
+          <a:blip r:embed="rId3" cstate="print">
+            <a:extLst>
+              <a:ext uri="{28A0092B-C50C-407E-A947-70E740481C1C}">
+                <a14:useLocalDpi xmlns:a14="http://schemas.microsoft.com/office/drawing/2010/main" val="0"/>
+              </a:ext>
+            </a:extLst>
+          </a:blip>
+          <a:srcRect/>
+          <a:stretch>
+            <a:fillRect/>
+          </a:stretch>
+        </p:blipFill>
+        <p:spPr bwMode="auto">
+          <a:xfrm flipH="1">
+            <a:off x="5573115" y="1189815"/>
+            <a:ext cx="497419" cy="195678"/>
+          </a:xfrm>
+          <a:prstGeom prst="rect">
+            <a:avLst/>
+          </a:prstGeom>
+          <a:noFill/>
+          <a:extLst>
+            <a:ext uri="{909E8E84-426E-40DD-AFC4-6F175D3DCCD1}">
+              <a14:hiddenFill xmlns:a14="http://schemas.microsoft.com/office/drawing/2010/main">
+                <a:solidFill>
+                  <a:srgbClr val="FFFFFF"/>
+                </a:solidFill>
+              </a14:hiddenFill>
+            </a:ext>
+          </a:extLst>
+        </p:spPr>
+      </p:pic>
+      <p:cxnSp>
+        <p:nvCxnSpPr>
+          <p:cNvPr id="93" name="Straight Connector 92">
+            <a:extLst>
+              <a:ext uri="{FF2B5EF4-FFF2-40B4-BE49-F238E27FC236}">
+                <a16:creationId xmlns:a16="http://schemas.microsoft.com/office/drawing/2014/main" id="{3EE0AB34-1497-4F8F-82DA-7861FC3D3D49}"/>
+              </a:ext>
+            </a:extLst>
+          </p:cNvPr>
+          <p:cNvCxnSpPr>
+            <a:cxnSpLocks/>
+            <a:stCxn id="72" idx="0"/>
+          </p:cNvCxnSpPr>
+          <p:nvPr/>
+        </p:nvCxnSpPr>
+        <p:spPr>
+          <a:xfrm flipV="1">
+            <a:off x="5457318" y="1318100"/>
+            <a:ext cx="246973" cy="201962"/>
+          </a:xfrm>
+          <a:prstGeom prst="line">
+            <a:avLst/>
+          </a:prstGeom>
+        </p:spPr>
+        <p:style>
+          <a:lnRef idx="1">
+            <a:schemeClr val="dk1"/>
+          </a:lnRef>
+          <a:fillRef idx="0">
+            <a:schemeClr val="dk1"/>
+          </a:fillRef>
+          <a:effectRef idx="0">
+            <a:schemeClr val="dk1"/>
+          </a:effectRef>
+          <a:fontRef idx="minor">
+            <a:schemeClr val="tx1"/>
+          </a:fontRef>
+        </p:style>
+      </p:cxnSp>
+      <p:cxnSp>
+        <p:nvCxnSpPr>
+          <p:cNvPr id="95" name="Straight Connector 94">
+            <a:extLst>
+              <a:ext uri="{FF2B5EF4-FFF2-40B4-BE49-F238E27FC236}">
+                <a16:creationId xmlns:a16="http://schemas.microsoft.com/office/drawing/2014/main" id="{4C4D59B3-2A6D-49DC-8D9B-60930F9CCACF}"/>
+              </a:ext>
+            </a:extLst>
+          </p:cNvPr>
+          <p:cNvCxnSpPr>
+            <a:cxnSpLocks/>
+          </p:cNvCxnSpPr>
+          <p:nvPr/>
+        </p:nvCxnSpPr>
+        <p:spPr>
+          <a:xfrm flipV="1">
+            <a:off x="5209216" y="1665646"/>
+            <a:ext cx="176630" cy="178179"/>
+          </a:xfrm>
+          <a:prstGeom prst="line">
+            <a:avLst/>
+          </a:prstGeom>
+        </p:spPr>
+        <p:style>
+          <a:lnRef idx="1">
+            <a:schemeClr val="dk1"/>
+          </a:lnRef>
+          <a:fillRef idx="0">
+            <a:schemeClr val="dk1"/>
+          </a:fillRef>
+          <a:effectRef idx="0">
+            <a:schemeClr val="dk1"/>
+          </a:effectRef>
+          <a:fontRef idx="minor">
+            <a:schemeClr val="tx1"/>
+          </a:fontRef>
+        </p:style>
+      </p:cxnSp>
+      <p:cxnSp>
+        <p:nvCxnSpPr>
+          <p:cNvPr id="96" name="Straight Connector 95">
+            <a:extLst>
+              <a:ext uri="{FF2B5EF4-FFF2-40B4-BE49-F238E27FC236}">
+                <a16:creationId xmlns:a16="http://schemas.microsoft.com/office/drawing/2014/main" id="{9213E8AB-76DA-47AE-995F-3BFD8CC4A864}"/>
+              </a:ext>
+            </a:extLst>
+          </p:cNvPr>
+          <p:cNvCxnSpPr>
+            <a:cxnSpLocks/>
+          </p:cNvCxnSpPr>
+          <p:nvPr/>
+        </p:nvCxnSpPr>
+        <p:spPr>
+          <a:xfrm flipH="1" flipV="1">
+            <a:off x="5559224" y="1633015"/>
+            <a:ext cx="241510" cy="210808"/>
+          </a:xfrm>
+          <a:prstGeom prst="line">
+            <a:avLst/>
+          </a:prstGeom>
+        </p:spPr>
+        <p:style>
+          <a:lnRef idx="1">
+            <a:schemeClr val="dk1"/>
+          </a:lnRef>
+          <a:fillRef idx="0">
+            <a:schemeClr val="dk1"/>
+          </a:fillRef>
+          <a:effectRef idx="0">
+            <a:schemeClr val="dk1"/>
+          </a:effectRef>
+          <a:fontRef idx="minor">
+            <a:schemeClr val="tx1"/>
+          </a:fontRef>
+        </p:style>
+      </p:cxnSp>
+      <p:cxnSp>
+        <p:nvCxnSpPr>
+          <p:cNvPr id="98" name="Straight Connector 97">
+            <a:extLst>
+              <a:ext uri="{FF2B5EF4-FFF2-40B4-BE49-F238E27FC236}">
+                <a16:creationId xmlns:a16="http://schemas.microsoft.com/office/drawing/2014/main" id="{50FCCF99-6F81-440D-AC63-C73B3E8DF563}"/>
+              </a:ext>
+            </a:extLst>
+          </p:cNvPr>
+          <p:cNvCxnSpPr>
+            <a:cxnSpLocks/>
+          </p:cNvCxnSpPr>
+          <p:nvPr/>
+        </p:nvCxnSpPr>
+        <p:spPr>
+          <a:xfrm flipV="1">
+            <a:off x="6440048" y="1640667"/>
+            <a:ext cx="137118" cy="198633"/>
+          </a:xfrm>
+          <a:prstGeom prst="line">
+            <a:avLst/>
+          </a:prstGeom>
+        </p:spPr>
+        <p:style>
+          <a:lnRef idx="1">
+            <a:schemeClr val="dk1"/>
+          </a:lnRef>
+          <a:fillRef idx="0">
+            <a:schemeClr val="dk1"/>
+          </a:fillRef>
+          <a:effectRef idx="0">
+            <a:schemeClr val="dk1"/>
+          </a:effectRef>
+          <a:fontRef idx="minor">
+            <a:schemeClr val="tx1"/>
+          </a:fontRef>
+        </p:style>
+      </p:cxnSp>
+      <p:cxnSp>
+        <p:nvCxnSpPr>
+          <p:cNvPr id="100" name="Straight Connector 99">
+            <a:extLst>
+              <a:ext uri="{FF2B5EF4-FFF2-40B4-BE49-F238E27FC236}">
+                <a16:creationId xmlns:a16="http://schemas.microsoft.com/office/drawing/2014/main" id="{3AFA258F-2465-4F84-A34D-6BA5CFF7B089}"/>
+              </a:ext>
+            </a:extLst>
+          </p:cNvPr>
+          <p:cNvCxnSpPr>
+            <a:cxnSpLocks/>
+          </p:cNvCxnSpPr>
+          <p:nvPr/>
+        </p:nvCxnSpPr>
+        <p:spPr>
+          <a:xfrm flipH="1" flipV="1">
+            <a:off x="6802960" y="1665644"/>
+            <a:ext cx="221754" cy="173654"/>
+          </a:xfrm>
+          <a:prstGeom prst="line">
+            <a:avLst/>
+          </a:prstGeom>
+        </p:spPr>
+        <p:style>
+          <a:lnRef idx="1">
+            <a:schemeClr val="dk1"/>
+          </a:lnRef>
+          <a:fillRef idx="0">
+            <a:schemeClr val="dk1"/>
+          </a:fillRef>
+          <a:effectRef idx="0">
+            <a:schemeClr val="dk1"/>
+          </a:effectRef>
+          <a:fontRef idx="minor">
+            <a:schemeClr val="tx1"/>
+          </a:fontRef>
+        </p:style>
+      </p:cxnSp>
+      <p:cxnSp>
+        <p:nvCxnSpPr>
+          <p:cNvPr id="102" name="Straight Connector 101">
+            <a:extLst>
+              <a:ext uri="{FF2B5EF4-FFF2-40B4-BE49-F238E27FC236}">
+                <a16:creationId xmlns:a16="http://schemas.microsoft.com/office/drawing/2014/main" id="{CDE1ECB8-F076-4CF5-B53C-14438AAC839E}"/>
+              </a:ext>
+            </a:extLst>
+          </p:cNvPr>
+          <p:cNvCxnSpPr>
+            <a:cxnSpLocks/>
+          </p:cNvCxnSpPr>
+          <p:nvPr/>
+        </p:nvCxnSpPr>
+        <p:spPr>
+          <a:xfrm flipH="1" flipV="1">
+            <a:off x="6508607" y="1302102"/>
+            <a:ext cx="154823" cy="233077"/>
+          </a:xfrm>
+          <a:prstGeom prst="line">
+            <a:avLst/>
+          </a:prstGeom>
+        </p:spPr>
+        <p:style>
+          <a:lnRef idx="1">
+            <a:schemeClr val="dk1"/>
+          </a:lnRef>
+          <a:fillRef idx="0">
+            <a:schemeClr val="dk1"/>
+          </a:fillRef>
+          <a:effectRef idx="0">
+            <a:schemeClr val="dk1"/>
+          </a:effectRef>
+          <a:fontRef idx="minor">
+            <a:schemeClr val="tx1"/>
+          </a:fontRef>
+        </p:style>
+      </p:cxnSp>
+      <p:pic>
+        <p:nvPicPr>
+          <p:cNvPr id="104" name="Picture 2" descr="https://openclipart.org/image/2400px/svg_to_png/215022/blue-switch.png">
+            <a:extLst>
+              <a:ext uri="{FF2B5EF4-FFF2-40B4-BE49-F238E27FC236}">
+                <a16:creationId xmlns:a16="http://schemas.microsoft.com/office/drawing/2014/main" id="{5F4E1897-F364-4838-9E39-31729D8F7634}"/>
+              </a:ext>
+            </a:extLst>
+          </p:cNvPr>
+          <p:cNvPicPr>
+            <a:picLocks noChangeAspect="1" noChangeArrowheads="1"/>
+          </p:cNvPicPr>
+          <p:nvPr/>
+        </p:nvPicPr>
+        <p:blipFill>
+          <a:blip r:embed="rId3" cstate="print">
+            <a:extLst>
+              <a:ext uri="{28A0092B-C50C-407E-A947-70E740481C1C}">
+                <a14:useLocalDpi xmlns:a14="http://schemas.microsoft.com/office/drawing/2010/main" val="0"/>
+              </a:ext>
+            </a:extLst>
+          </a:blip>
+          <a:srcRect/>
+          <a:stretch>
+            <a:fillRect/>
+          </a:stretch>
+        </p:blipFill>
+        <p:spPr bwMode="auto">
+          <a:xfrm flipH="1">
+            <a:off x="6160534" y="1173352"/>
+            <a:ext cx="497419" cy="195678"/>
+          </a:xfrm>
+          <a:prstGeom prst="rect">
+            <a:avLst/>
+          </a:prstGeom>
+          <a:noFill/>
+          <a:extLst>
+            <a:ext uri="{909E8E84-426E-40DD-AFC4-6F175D3DCCD1}">
+              <a14:hiddenFill xmlns:a14="http://schemas.microsoft.com/office/drawing/2010/main">
+                <a:solidFill>
+                  <a:srgbClr val="FFFFFF"/>
+                </a:solidFill>
+              </a14:hiddenFill>
+            </a:ext>
+          </a:extLst>
+        </p:spPr>
+      </p:pic>
+      <p:cxnSp>
+        <p:nvCxnSpPr>
+          <p:cNvPr id="106" name="Straight Connector 105">
+            <a:extLst>
+              <a:ext uri="{FF2B5EF4-FFF2-40B4-BE49-F238E27FC236}">
+                <a16:creationId xmlns:a16="http://schemas.microsoft.com/office/drawing/2014/main" id="{21BA8FF7-37C2-48DE-8688-0277C8F8AF39}"/>
+              </a:ext>
+            </a:extLst>
+          </p:cNvPr>
+          <p:cNvCxnSpPr>
+            <a:cxnSpLocks/>
+          </p:cNvCxnSpPr>
+          <p:nvPr/>
+        </p:nvCxnSpPr>
+        <p:spPr>
+          <a:xfrm flipV="1">
+            <a:off x="5533516" y="1302102"/>
+            <a:ext cx="760378" cy="318740"/>
+          </a:xfrm>
+          <a:prstGeom prst="line">
+            <a:avLst/>
+          </a:prstGeom>
+        </p:spPr>
+        <p:style>
+          <a:lnRef idx="1">
+            <a:schemeClr val="dk1"/>
+          </a:lnRef>
+          <a:fillRef idx="0">
+            <a:schemeClr val="dk1"/>
+          </a:fillRef>
+          <a:effectRef idx="0">
+            <a:schemeClr val="dk1"/>
+          </a:effectRef>
+          <a:fontRef idx="minor">
+            <a:schemeClr val="tx1"/>
+          </a:fontRef>
+        </p:style>
+      </p:cxnSp>
+      <p:cxnSp>
+        <p:nvCxnSpPr>
+          <p:cNvPr id="108" name="Straight Connector 107">
+            <a:extLst>
+              <a:ext uri="{FF2B5EF4-FFF2-40B4-BE49-F238E27FC236}">
+                <a16:creationId xmlns:a16="http://schemas.microsoft.com/office/drawing/2014/main" id="{6B251039-16DA-4677-8821-797B12612913}"/>
+              </a:ext>
+            </a:extLst>
+          </p:cNvPr>
+          <p:cNvCxnSpPr>
+            <a:cxnSpLocks/>
+          </p:cNvCxnSpPr>
+          <p:nvPr/>
+        </p:nvCxnSpPr>
+        <p:spPr>
+          <a:xfrm flipH="1" flipV="1">
+            <a:off x="5920741" y="1332482"/>
+            <a:ext cx="648621" cy="253931"/>
+          </a:xfrm>
+          <a:prstGeom prst="line">
+            <a:avLst/>
+          </a:prstGeom>
+        </p:spPr>
+        <p:style>
+          <a:lnRef idx="1">
+            <a:schemeClr val="dk1"/>
+          </a:lnRef>
+          <a:fillRef idx="0">
+            <a:schemeClr val="dk1"/>
+          </a:fillRef>
+          <a:effectRef idx="0">
+            <a:schemeClr val="dk1"/>
+          </a:effectRef>
+          <a:fontRef idx="minor">
+            <a:schemeClr val="tx1"/>
+          </a:fontRef>
+        </p:style>
+      </p:cxnSp>
+      <p:sp>
+        <p:nvSpPr>
+          <p:cNvPr id="111" name="Rectangle 110">
+            <a:extLst>
+              <a:ext uri="{FF2B5EF4-FFF2-40B4-BE49-F238E27FC236}">
+                <a16:creationId xmlns:a16="http://schemas.microsoft.com/office/drawing/2014/main" id="{76BDBFD5-0D32-45C1-8A9C-132629855749}"/>
+              </a:ext>
+            </a:extLst>
+          </p:cNvPr>
+          <p:cNvSpPr/>
+          <p:nvPr/>
+        </p:nvSpPr>
+        <p:spPr>
+          <a:xfrm>
+            <a:off x="7450350" y="255207"/>
+            <a:ext cx="1769732" cy="1894114"/>
+          </a:xfrm>
+          <a:prstGeom prst="rect">
+            <a:avLst/>
+          </a:prstGeom>
+        </p:spPr>
+        <p:style>
+          <a:lnRef idx="2">
+            <a:schemeClr val="dk1"/>
+          </a:lnRef>
+          <a:fillRef idx="1">
+            <a:schemeClr val="lt1"/>
+          </a:fillRef>
+          <a:effectRef idx="0">
+            <a:schemeClr val="dk1"/>
+          </a:effectRef>
+          <a:fontRef idx="minor">
+            <a:schemeClr val="dk1"/>
+          </a:fontRef>
+        </p:style>
+        <p:txBody>
+          <a:bodyPr rot="0" spcFirstLastPara="0" vertOverflow="overflow" horzOverflow="overflow" vert="horz" wrap="square" lIns="91440" tIns="45720" rIns="91440" bIns="45720" numCol="1" spcCol="0" rtlCol="0" fromWordArt="0" anchor="ctr" anchorCtr="0" forceAA="0" compatLnSpc="1">
+            <a:prstTxWarp prst="textNoShape">
+              <a:avLst/>
+            </a:prstTxWarp>
+            <a:noAutofit/>
+          </a:bodyPr>
+          <a:lstStyle/>
+          <a:p>
+            <a:pPr algn="ctr"/>
+            <a:endParaRPr lang="en-US" dirty="0"/>
+          </a:p>
+          <a:p>
+            <a:pPr algn="ctr"/>
+            <a:endParaRPr lang="en-US" dirty="0"/>
+          </a:p>
+          <a:p>
+            <a:pPr algn="ctr"/>
+            <a:endParaRPr lang="en-US" dirty="0"/>
+          </a:p>
+          <a:p>
+            <a:pPr algn="ctr"/>
+            <a:r>
+              <a:rPr lang="en-US" dirty="0" err="1"/>
+              <a:t>FatTree</a:t>
+            </a:r>
+            <a:r>
+              <a:rPr lang="en-US" dirty="0"/>
+              <a:t>, </a:t>
+            </a:r>
+            <a:r>
+              <a:rPr lang="en-US" dirty="0" err="1"/>
+              <a:t>JellyFish</a:t>
+            </a:r>
+            <a:r>
+              <a:rPr lang="en-US" dirty="0"/>
+              <a:t>, </a:t>
+            </a:r>
+            <a:r>
+              <a:rPr lang="en-US" dirty="0" err="1"/>
+              <a:t>HyperCube</a:t>
+            </a:r>
+            <a:r>
+              <a:rPr lang="en-US" dirty="0"/>
+              <a:t>, HyperX, </a:t>
+            </a:r>
+            <a:r>
+              <a:rPr lang="en-US" dirty="0" err="1"/>
+              <a:t>Xpander</a:t>
+            </a:r>
+            <a:r>
+              <a:rPr lang="en-US" dirty="0"/>
+              <a:t>, </a:t>
+            </a:r>
+          </a:p>
+          <a:p>
+            <a:pPr algn="ctr"/>
+            <a:r>
+              <a:rPr lang="en-US" dirty="0"/>
+              <a:t>Arbitrary topologies…</a:t>
+            </a:r>
+            <a:r>
+              <a:rPr lang="en-US" dirty="0" err="1"/>
+              <a:t>etc</a:t>
+            </a:r>
+            <a:endParaRPr lang="en-US" dirty="0"/>
+          </a:p>
+        </p:txBody>
+      </p:sp>
+      <p:sp>
+        <p:nvSpPr>
+          <p:cNvPr id="112" name="TextBox 111">
+            <a:extLst>
+              <a:ext uri="{FF2B5EF4-FFF2-40B4-BE49-F238E27FC236}">
+                <a16:creationId xmlns:a16="http://schemas.microsoft.com/office/drawing/2014/main" id="{A373FA3C-EF3D-4F9F-82F0-4B6FC5A8AB05}"/>
+              </a:ext>
+            </a:extLst>
+          </p:cNvPr>
+          <p:cNvSpPr txBox="1"/>
+          <p:nvPr/>
+        </p:nvSpPr>
+        <p:spPr>
+          <a:xfrm>
+            <a:off x="7899023" y="230924"/>
+            <a:ext cx="877035" cy="329001"/>
+          </a:xfrm>
+          <a:prstGeom prst="rect">
+            <a:avLst/>
+          </a:prstGeom>
+          <a:noFill/>
+        </p:spPr>
+        <p:txBody>
+          <a:bodyPr wrap="none" rtlCol="0">
+            <a:spAutoFit/>
+          </a:bodyPr>
+          <a:lstStyle/>
+          <a:p>
+            <a:r>
+              <a:rPr lang="en-US" dirty="0"/>
+              <a:t>Tenant n</a:t>
+            </a:r>
+          </a:p>
+        </p:txBody>
+      </p:sp>
+      <p:sp>
+        <p:nvSpPr>
+          <p:cNvPr id="47" name="TextBox 46">
+            <a:extLst>
+              <a:ext uri="{FF2B5EF4-FFF2-40B4-BE49-F238E27FC236}">
+                <a16:creationId xmlns:a16="http://schemas.microsoft.com/office/drawing/2014/main" id="{432DA72F-831C-4B47-8741-6C508BF44D16}"/>
+              </a:ext>
+            </a:extLst>
+          </p:cNvPr>
+          <p:cNvSpPr txBox="1"/>
+          <p:nvPr/>
+        </p:nvSpPr>
+        <p:spPr>
+          <a:xfrm>
+            <a:off x="7187444" y="1087117"/>
+            <a:ext cx="320922" cy="329001"/>
+          </a:xfrm>
+          <a:prstGeom prst="rect">
+            <a:avLst/>
+          </a:prstGeom>
+          <a:noFill/>
+        </p:spPr>
+        <p:txBody>
+          <a:bodyPr wrap="none" rtlCol="0">
+            <a:spAutoFit/>
+          </a:bodyPr>
+          <a:lstStyle/>
+          <a:p>
+            <a:r>
+              <a:rPr lang="en-US" dirty="0"/>
+              <a:t>…</a:t>
+            </a:r>
+          </a:p>
+        </p:txBody>
+      </p:sp>
+      <p:cxnSp>
+        <p:nvCxnSpPr>
+          <p:cNvPr id="114" name="Straight Arrow Connector 113">
+            <a:extLst>
+              <a:ext uri="{FF2B5EF4-FFF2-40B4-BE49-F238E27FC236}">
+                <a16:creationId xmlns:a16="http://schemas.microsoft.com/office/drawing/2014/main" id="{C375E27A-8730-4545-8130-9A105CD9C062}"/>
+              </a:ext>
+            </a:extLst>
+          </p:cNvPr>
+          <p:cNvCxnSpPr>
+            <a:cxnSpLocks/>
+            <a:stCxn id="29" idx="0"/>
+            <a:endCxn id="111" idx="2"/>
+          </p:cNvCxnSpPr>
+          <p:nvPr/>
+        </p:nvCxnSpPr>
+        <p:spPr>
+          <a:xfrm flipV="1">
+            <a:off x="4514718" y="2149321"/>
+            <a:ext cx="3820498" cy="874243"/>
+          </a:xfrm>
+          <a:prstGeom prst="straightConnector1">
+            <a:avLst/>
+          </a:prstGeom>
+          <a:ln>
+            <a:tailEnd type="triangle"/>
+          </a:ln>
+        </p:spPr>
+        <p:style>
+          <a:lnRef idx="3">
+            <a:schemeClr val="dk1"/>
+          </a:lnRef>
+          <a:fillRef idx="0">
+            <a:schemeClr val="dk1"/>
+          </a:fillRef>
+          <a:effectRef idx="2">
+            <a:schemeClr val="dk1"/>
+          </a:effectRef>
+          <a:fontRef idx="minor">
+            <a:schemeClr val="tx1"/>
+          </a:fontRef>
+        </p:style>
+      </p:cxnSp>
+      <p:sp>
+        <p:nvSpPr>
+          <p:cNvPr id="110" name="Rounded Rectangle 117">
+            <a:extLst>
+              <a:ext uri="{FF2B5EF4-FFF2-40B4-BE49-F238E27FC236}">
+                <a16:creationId xmlns:a16="http://schemas.microsoft.com/office/drawing/2014/main" id="{38509946-A32E-4A43-B679-287618F19F71}"/>
+              </a:ext>
+            </a:extLst>
+          </p:cNvPr>
+          <p:cNvSpPr/>
+          <p:nvPr/>
+        </p:nvSpPr>
+        <p:spPr>
+          <a:xfrm>
+            <a:off x="7801609" y="618821"/>
+            <a:ext cx="1272155" cy="385637"/>
+          </a:xfrm>
+          <a:prstGeom prst="roundRect">
+            <a:avLst/>
+          </a:prstGeom>
+        </p:spPr>
+        <p:style>
+          <a:lnRef idx="2">
+            <a:schemeClr val="accent3">
+              <a:shade val="50000"/>
+            </a:schemeClr>
+          </a:lnRef>
+          <a:fillRef idx="1">
+            <a:schemeClr val="accent3"/>
+          </a:fillRef>
+          <a:effectRef idx="0">
+            <a:schemeClr val="accent3"/>
+          </a:effectRef>
+          <a:fontRef idx="minor">
+            <a:schemeClr val="lt1"/>
+          </a:fontRef>
+        </p:style>
+        <p:txBody>
+          <a:bodyPr rot="0" spcFirstLastPara="0" vertOverflow="overflow" horzOverflow="overflow" vert="horz" wrap="square" lIns="91440" tIns="45720" rIns="91440" bIns="45720" numCol="1" spcCol="0" rtlCol="0" fromWordArt="0" anchor="ctr" anchorCtr="0" forceAA="0" compatLnSpc="1">
+            <a:prstTxWarp prst="textNoShape">
+              <a:avLst/>
+            </a:prstTxWarp>
+            <a:noAutofit/>
+          </a:bodyPr>
+          <a:lstStyle/>
+          <a:p>
+            <a:pPr algn="ctr"/>
+            <a:r>
+              <a:rPr lang="en-US" sz="1400" dirty="0">
+                <a:solidFill>
+                  <a:schemeClr val="tx1"/>
+                </a:solidFill>
+              </a:rPr>
+              <a:t>Any SDN Controller</a:t>
+            </a:r>
           </a:p>
         </p:txBody>
       </p:sp>
     </p:spTree>
     <p:extLst>
       <p:ext uri="{BB962C8B-B14F-4D97-AF65-F5344CB8AC3E}">
-        <p14:creationId xmlns:p14="http://schemas.microsoft.com/office/powerpoint/2010/main" val="4148510050"/>
+        <p14:creationId xmlns:p14="http://schemas.microsoft.com/office/powerpoint/2010/main" val="4127230895"/>
       </p:ext>
     </p:extLst>
   </p:cSld>
